--- a/old/apcsa_3_2.pptx
+++ b/old/apcsa_3_2.pptx
@@ -17,6 +17,7 @@
     <p:sldId id="262" r:id="rId14"/>
     <p:sldId id="263" r:id="rId15"/>
     <p:sldId id="264" r:id="rId16"/>
+    <p:sldId id="265" r:id="rId17"/>
   </p:sldIdLst>
   <p:sldSz cx="9144000" cy="5143500"/>
   <p:notesSz cx="6858000" cy="9144000"/>
@@ -491,7 +492,7 @@
       </p:grpSpPr>
       <p:sp>
         <p:nvSpPr>
-          <p:cNvPr id="186" name="Shape 186"/>
+          <p:cNvPr id="189" name="Shape 189"/>
           <p:cNvSpPr/>
           <p:nvPr>
             <p:ph type="sldImg"/>
@@ -512,7 +513,7 @@
       </p:sp>
       <p:sp>
         <p:nvSpPr>
-          <p:cNvPr id="187" name="Shape 187"/>
+          <p:cNvPr id="190" name="Shape 190"/>
           <p:cNvSpPr/>
           <p:nvPr>
             <p:ph type="body" sz="quarter" idx="1"/>
@@ -527,63 +528,45 @@
           <a:bodyPr/>
           <a:lstStyle/>
           <a:p>
+            <a:pPr marL="538594" indent="-379845">
+              <a:buClr>
+                <a:srgbClr val="000000"/>
+              </a:buClr>
+              <a:buSzPts val="1400"/>
+              <a:buFont typeface="Arial"/>
+              <a:buChar char="●"/>
+            </a:pPr>
+            <a:r>
+              <a:t>A. this means that you use some other means, such as indentation, to indicate the scope of a function or control structure.  If you forget a bracket, semi-colon, or parens but it’s clear from the code what’s going on, you won’t be docked points.  In other words, the code is allowed to look more Python-like than actual code that would be read by a Java compiler (which begs the question why we aren’t just using Python…). </a:t>
+            </a:r>
+          </a:p>
+          <a:p>
             <a:pPr/>
+            <a:r>
+              <a:t>B. No, only one variable actually has to be declared.  I assume this shows you know how to declare variables so they don’t care if you fail to consistently declare new variables.</a:t>
+            </a:r>
           </a:p>
           <a:p>
             <a:pPr/>
-            <a:r>
-              <a:t>STANDARDS REFERENCED:</a:t>
-            </a:r>
           </a:p>
           <a:p>
             <a:pPr/>
+            <a:r>
+              <a:t>C. Possible questions: </a:t>
+            </a:r>
           </a:p>
           <a:p>
             <a:pPr/>
             <a:r>
-              <a:t>CSTA 11-12th grade standards: 3B-AP-12: Compare and contrast fundamental data structures and their uses.</a:t>
-            </a:r>
-          </a:p>
-          <a:p>
-            <a:pPr/>
-          </a:p>
-          <a:p>
-            <a:pPr/>
-            <a:r>
-              <a:t>NY State: 9-12.CT.7</a:t>
-            </a:r>
-          </a:p>
-          <a:p>
-            <a:pPr/>
-            <a:r>
-              <a:t>Design or remix a program that</a:t>
-            </a:r>
-          </a:p>
-          <a:p>
-            <a:pPr/>
-            <a:r>
-              <a:t>utilizes a data structure to maintain</a:t>
-            </a:r>
-          </a:p>
-          <a:p>
-            <a:pPr/>
-            <a:r>
-              <a:t>changes to related pieces of data.</a:t>
-            </a:r>
-          </a:p>
-          <a:p>
-            <a:pPr/>
-          </a:p>
-          <a:p>
-            <a:pPr/>
-            <a:r>
-              <a:t>9-12.CT.6</a:t>
-            </a:r>
-          </a:p>
-          <a:p>
-            <a:pPr/>
-            <a:r>
-              <a:t>Demonstrate how at least two classic algorithms work and analyze the trade-offs related to two or more algorithms for completing the same task.</a:t>
+              <a:t>+what is a side-effect? code has a side effect if it has effects outside of its intended scope.  +What is a non-op? A ‘non-op’ is a statement that has no effect on the program. This would be a ; with nothing else in Java (or pass in Python).  Also a slang term in coding world for someone who doesn’t contribute anything to a project. </a:t>
+            </a:r>
+            <a:br/>
+            <a:r>
+              <a:t> +What does collection access refer to? A collection is another way to store data in Java. We’ll learn about it next unit.  </a:t>
+            </a:r>
+            <a:br/>
+            <a:r>
+              <a:t>+What does it mean to use a keyword as an identifier? This means, e.g., to use a word like ‘class’ as a variable name</a:t>
             </a:r>
           </a:p>
         </p:txBody>
@@ -615,7 +598,7 @@
       </p:grpSpPr>
       <p:sp>
         <p:nvSpPr>
-          <p:cNvPr id="194" name="Shape 194"/>
+          <p:cNvPr id="198" name="Shape 198"/>
           <p:cNvSpPr/>
           <p:nvPr>
             <p:ph type="sldImg"/>
@@ -636,7 +619,7 @@
       </p:sp>
       <p:sp>
         <p:nvSpPr>
-          <p:cNvPr id="195" name="Shape 195"/>
+          <p:cNvPr id="199" name="Shape 199"/>
           <p:cNvSpPr/>
           <p:nvPr>
             <p:ph type="body" sz="quarter" idx="1"/>
@@ -651,42 +634,18 @@
           <a:bodyPr/>
           <a:lstStyle/>
           <a:p>
-            <a:pPr marL="538594" indent="-379845">
-              <a:buClr>
-                <a:srgbClr val="000000"/>
-              </a:buClr>
-              <a:buSzPts val="1400"/>
-              <a:buFont typeface="Arial"/>
-              <a:buChar char="●"/>
-            </a:pPr>
-            <a:r>
-              <a:t>A.  Answers will vary.  Students might complain that some problems are impossible to understand or impossible to solve.</a:t>
-            </a:r>
-          </a:p>
-          <a:p>
-            <a:pPr marL="538594" indent="-379845">
-              <a:buClr>
-                <a:srgbClr val="000000"/>
-              </a:buClr>
-              <a:buSzPts val="1400"/>
-              <a:buFont typeface="Arial"/>
-              <a:buChar char="●"/>
-            </a:pPr>
-            <a:r>
-              <a:t>B.  Making a plan is coming up with the series of steps you will need to perform to solve a problem.  Carrying it out is actually doing it. This is like the difference between writing a recipe for cake and actually baking.</a:t>
-            </a:r>
-          </a:p>
-          <a:p>
-            <a:pPr marL="538594" indent="-379845">
-              <a:buClr>
-                <a:srgbClr val="000000"/>
-              </a:buClr>
-              <a:buSzPts val="1400"/>
-              <a:buFont typeface="Arial"/>
-              <a:buChar char="●"/>
-            </a:pPr>
-            <a:r>
-              <a:t>C. Reread the problem, highlight key words. Look up any words you don’t understand. Figure out whaty question is being asked</a:t>
+            <a:pPr/>
+            <a:r>
+              <a:t>Give 1-2 minutes to silently read. Then have students read aloud. </a:t>
+            </a:r>
+          </a:p>
+          <a:p>
+            <a:pPr/>
+          </a:p>
+          <a:p>
+            <a:pPr/>
+            <a:r>
+              <a:t>Pass out handout.</a:t>
             </a:r>
           </a:p>
         </p:txBody>
@@ -718,7 +677,7 @@
       </p:grpSpPr>
       <p:sp>
         <p:nvSpPr>
-          <p:cNvPr id="209" name="Shape 209"/>
+          <p:cNvPr id="211" name="Shape 211"/>
           <p:cNvSpPr/>
           <p:nvPr>
             <p:ph type="sldImg"/>
@@ -739,7 +698,7 @@
       </p:sp>
       <p:sp>
         <p:nvSpPr>
-          <p:cNvPr id="210" name="Shape 210"/>
+          <p:cNvPr id="212" name="Shape 212"/>
           <p:cNvSpPr/>
           <p:nvPr>
             <p:ph type="body" sz="quarter" idx="1"/>
@@ -758,118 +717,29 @@
               <a:buSzPct val="100000"/>
               <a:buAutoNum type="arabicPeriod" startAt="1"/>
             </a:pPr>
-            <a:r>
-              <a:t>UNDERSTAND THE PROBLEM</a:t>
-            </a:r>
-            <a:br/>
-            <a:r>
-              <a:t>Traverse an array, summing each element which is a multiple of some target number.</a:t>
-            </a:r>
-          </a:p>
-          <a:p>
-            <a:pPr marL="187157" indent="-187157">
+          </a:p>
+          <a:p>
+            <a:pPr/>
+            <a:r>
+              <a:t>+Why don’t we take points away for missing curly brackets? Because curly brackets are unnecessary as long as “structure conveys intent”, which in this case is accomplished through indentation </a:t>
+            </a:r>
+          </a:p>
+          <a:p>
+            <a:pPr marL="140368" indent="-140368">
               <a:buSzPct val="100000"/>
-              <a:buAutoNum type="arabicPeriod" startAt="1"/>
+              <a:buChar char="+"/>
             </a:pPr>
             <a:r>
-              <a:t>MAKE A PLAN: </a:t>
-            </a:r>
-            <a:br/>
-            <a:r>
-              <a:t>+How can we identify if a number is a multiple of NUM? Use the mod operator %.  so x % NUM == 0 for every multiple.</a:t>
-            </a:r>
-            <a:br/>
-            <a:r>
-              <a:t>+what does 9%3 equal? 3. What about 10%3? 1.</a:t>
-            </a:r>
-            <a:br/>
-            <a:r>
-              <a:t>pseudo code:</a:t>
-            </a:r>
-            <a:br/>
-            <a:r>
-              <a:t>SUM = 0</a:t>
-            </a:r>
-            <a:br/>
-            <a:r>
-              <a:t>for each ELEMENT in ARRAY:</a:t>
-            </a:r>
-            <a:br/>
-            <a:r>
-              <a:t>     if ELEMENT % NUM == 0: then SUM += ELEMENT</a:t>
-            </a:r>
-            <a:br/>
-            <a:r>
-              <a:t>return SUM</a:t>
-            </a:r>
-            <a:br/>
-            <a:r>
-              <a:t>+How can we tell if this algorithm will work? try running through it with an example array.  </a:t>
-            </a:r>
-          </a:p>
-          <a:p>
-            <a:pPr marL="187157" indent="-187157">
-              <a:buSzPct val="100000"/>
-              <a:buAutoNum type="arabicPeriod" startAt="1"/>
-            </a:pPr>
-            <a:r>
-              <a:t>+Does it make more sense to use the enhanced for loop or a standard for loop here? enhanced. we’re running through each element on at a time (no skipping) and we don’t need to access the indices of the array.</a:t>
-            </a:r>
-            <a:br/>
-            <a:r>
-              <a:t>public static int divBySum(int[] arr, int num)</a:t>
+              <a:t>why does the student lose points for not declaring the sum variable? because they don’t declare any other variables anywhere else. </a:t>
             </a:r>
           </a:p>
           <a:p>
             <a:pPr/>
-            <a:r>
-              <a:t>{</a:t>
-            </a:r>
           </a:p>
           <a:p>
             <a:pPr/>
             <a:r>
-              <a:t>  int sum = 0;</a:t>
-            </a:r>
-            <a:br/>
-            <a:r>
-              <a:t>  for (int element : arr){</a:t>
-            </a:r>
-          </a:p>
-          <a:p>
-            <a:pPr/>
-            <a:r>
-              <a:t>    if ( element % num == 0){</a:t>
-            </a:r>
-          </a:p>
-          <a:p>
-            <a:pPr/>
-            <a:r>
-              <a:t>        sum += element;</a:t>
-            </a:r>
-          </a:p>
-          <a:p>
-            <a:pPr/>
-            <a:r>
-              <a:t>     }</a:t>
-            </a:r>
-          </a:p>
-          <a:p>
-            <a:pPr/>
-            <a:r>
-              <a:t>  }</a:t>
-            </a:r>
-          </a:p>
-          <a:p>
-            <a:pPr/>
-            <a:r>
-              <a:t> return sum</a:t>
-            </a:r>
-          </a:p>
-          <a:p>
-            <a:pPr/>
-            <a:r>
-              <a:t>}</a:t>
+              <a:t>This student would end up with +1 point. They gain two points for (i) traversing the elements of arr with an enhanced for loop, and (ii) identifying divisibility with %.  They fail to gain points for not correctly incrementing sum.  They lose one point for not declaring any variables. </a:t>
             </a:r>
           </a:p>
         </p:txBody>
@@ -901,7 +771,7 @@
       </p:grpSpPr>
       <p:sp>
         <p:nvSpPr>
-          <p:cNvPr id="227" name="Shape 227"/>
+          <p:cNvPr id="220" name="Shape 220"/>
           <p:cNvSpPr/>
           <p:nvPr>
             <p:ph type="sldImg"/>
@@ -922,7 +792,7 @@
       </p:sp>
       <p:sp>
         <p:nvSpPr>
-          <p:cNvPr id="228" name="Shape 228"/>
+          <p:cNvPr id="221" name="Shape 221"/>
           <p:cNvSpPr/>
           <p:nvPr>
             <p:ph type="body" sz="quarter" idx="1"/>
@@ -937,79 +807,18 @@
           <a:bodyPr/>
           <a:lstStyle/>
           <a:p>
-            <a:pPr marL="187157" indent="-187157">
-              <a:buSzPct val="100000"/>
-              <a:buAutoNum type="arabicPeriod" startAt="1"/>
-            </a:pPr>
-            <a:r>
-              <a:t>UNDERSTAND THE PROBLEM.</a:t>
-            </a:r>
-            <a:br/>
-            <a:r>
-              <a:t>Traverse a for loop, finding each word ending in “-ing”, then printing that word.</a:t>
-            </a:r>
-          </a:p>
-          <a:p>
-            <a:pPr marL="187157" indent="-187157">
-              <a:buSzPct val="100000"/>
-              <a:buAutoNum type="arabicPeriod" startAt="1"/>
-            </a:pPr>
-            <a:r>
-              <a:t>MAKE A PLAN</a:t>
-            </a:r>
-            <a:br/>
-            <a:r>
-              <a:t>for each item in ARRAY:</a:t>
-            </a:r>
-            <a:br/>
-            <a:r>
-              <a:t>    if last three letters of item == “ing”: then print(item)</a:t>
-            </a:r>
-          </a:p>
-          <a:p>
             <a:pPr/>
             <a:r>
-              <a:t>for (String word : words){</a:t>
+              <a:t>hand out main worksheet.</a:t>
             </a:r>
           </a:p>
           <a:p>
             <a:pPr/>
-            <a:r>
-              <a:t>   int length = word.length();</a:t>
-            </a:r>
           </a:p>
           <a:p>
             <a:pPr/>
             <a:r>
-              <a:t>   String ending = word.substring(length - 3, length);</a:t>
-            </a:r>
-          </a:p>
-          <a:p>
-            <a:pPr/>
-            <a:r>
-              <a:t>   if (ending.equals(“ing”){</a:t>
-            </a:r>
-          </a:p>
-          <a:p>
-            <a:pPr/>
-            <a:r>
-              <a:t>     System.out.println(word)</a:t>
-            </a:r>
-          </a:p>
-          <a:p>
-            <a:pPr/>
-            <a:r>
-              <a:t>   }</a:t>
-            </a:r>
-          </a:p>
-          <a:p>
-            <a:pPr/>
-            <a:r>
-              <a:t>}</a:t>
-            </a:r>
-            <a:br/>
-            <a:r>
-              <a:t>+Why is it important to use .equals(), instead of == here? because “==“ means reference equality (comparing locations in memory).  we want to compare the content of the two strings.</a:t>
+              <a:t>Solve problems on your own…but you can work with another student on grading (if you’re on the same problem)</a:t>
             </a:r>
           </a:p>
         </p:txBody>
@@ -1041,7 +850,7 @@
       </p:grpSpPr>
       <p:sp>
         <p:nvSpPr>
-          <p:cNvPr id="238" name="Shape 238"/>
+          <p:cNvPr id="232" name="Shape 232"/>
           <p:cNvSpPr/>
           <p:nvPr>
             <p:ph type="sldImg"/>
@@ -1062,7 +871,7 @@
       </p:sp>
       <p:sp>
         <p:nvSpPr>
-          <p:cNvPr id="239" name="Shape 239"/>
+          <p:cNvPr id="233" name="Shape 233"/>
           <p:cNvSpPr/>
           <p:nvPr>
             <p:ph type="body" sz="quarter" idx="1"/>
@@ -1077,61 +886,97 @@
           <a:bodyPr/>
           <a:lstStyle/>
           <a:p>
+            <a:pPr marL="187156" indent="-187156">
+              <a:buSzPct val="100000"/>
+              <a:buAutoNum type="arabicPeriod" startAt="1"/>
+            </a:pPr>
+            <a:r>
+              <a:t>What is this problem asking you to do?</a:t>
+            </a:r>
+            <a:br/>
+            <a:r>
+              <a:t>Traverse a loop, finding each word ending in “-ing”, then printing that word.</a:t>
+            </a:r>
+          </a:p>
+          <a:p>
+            <a:pPr marL="187156" indent="-187156">
+              <a:buSzPct val="100000"/>
+              <a:buAutoNum type="arabicPeriod" startAt="1"/>
+            </a:pPr>
+            <a:r>
+              <a:t>How could you make a plan by writing a pseudo code algorithm</a:t>
+            </a:r>
+            <a:br/>
+            <a:r>
+              <a:t>for each item in ARRAY:</a:t>
+            </a:r>
+            <a:br/>
+            <a:r>
+              <a:t>    if last three letters of item == “ing”: then print(item)</a:t>
+            </a:r>
+          </a:p>
+          <a:p>
+            <a:pPr marL="187156" indent="-187156">
+              <a:buSzPct val="100000"/>
+              <a:buAutoNum type="arabicPeriod" startAt="1"/>
+            </a:pPr>
+            <a:r>
+              <a:t>How do you implement this in Java?</a:t>
+            </a:r>
+          </a:p>
+          <a:p>
             <a:pPr/>
             <a:r>
-              <a:t>public static int divBySum(int[] arr, int num)</a:t>
+              <a:t>for (String word : words){</a:t>
             </a:r>
           </a:p>
           <a:p>
             <a:pPr/>
             <a:r>
-              <a:t>{</a:t>
+              <a:t>   int length = word.length();</a:t>
             </a:r>
           </a:p>
           <a:p>
             <a:pPr/>
             <a:r>
-              <a:t>  int counter = 0;</a:t>
+              <a:t>   String ending = word.substring(length - 3, length);</a:t>
+            </a:r>
+          </a:p>
+          <a:p>
+            <a:pPr/>
+            <a:r>
+              <a:t>   if (ending.equals(“ing”){</a:t>
+            </a:r>
+          </a:p>
+          <a:p>
+            <a:pPr/>
+            <a:r>
+              <a:t>     System.out.println(word)</a:t>
+            </a:r>
+          </a:p>
+          <a:p>
+            <a:pPr/>
+            <a:r>
+              <a:t>   }</a:t>
+            </a:r>
+          </a:p>
+          <a:p>
+            <a:pPr/>
+            <a:r>
+              <a:t>}</a:t>
             </a:r>
             <a:br/>
             <a:r>
-              <a:t>  for (int word : wordArray){</a:t>
+              <a:t>+Why is it important to use .equals(), instead of == here? because “==“ means reference equality (comparing locations in memory).  we want to compare the content of the two strings.</a:t>
             </a:r>
           </a:p>
           <a:p>
             <a:pPr/>
-            <a:r>
-              <a:t>    if ( !(word.findWord()){</a:t>
-            </a:r>
           </a:p>
           <a:p>
             <a:pPr/>
             <a:r>
-              <a:t>        counter ++;</a:t>
-            </a:r>
-          </a:p>
-          <a:p>
-            <a:pPr/>
-            <a:r>
-              <a:t>     }</a:t>
-            </a:r>
-          </a:p>
-          <a:p>
-            <a:pPr/>
-            <a:r>
-              <a:t>  }</a:t>
-            </a:r>
-          </a:p>
-          <a:p>
-            <a:pPr/>
-            <a:r>
-              <a:t> return counter</a:t>
-            </a:r>
-          </a:p>
-          <a:p>
-            <a:pPr/>
-            <a:r>
-              <a:t>}</a:t>
+              <a:t>+how do I isolate the final three characters in a string? Use the subString method.</a:t>
             </a:r>
           </a:p>
         </p:txBody>
@@ -1163,7 +1008,7 @@
       </p:grpSpPr>
       <p:sp>
         <p:nvSpPr>
-          <p:cNvPr id="249" name="Shape 249"/>
+          <p:cNvPr id="245" name="Shape 245"/>
           <p:cNvSpPr/>
           <p:nvPr>
             <p:ph type="sldImg"/>
@@ -1184,7 +1029,7 @@
       </p:sp>
       <p:sp>
         <p:nvSpPr>
-          <p:cNvPr id="250" name="Shape 250"/>
+          <p:cNvPr id="246" name="Shape 246"/>
           <p:cNvSpPr/>
           <p:nvPr>
             <p:ph type="body" sz="quarter" idx="1"/>
@@ -1201,46 +1046,367 @@
           <a:p>
             <a:pPr/>
             <a:r>
+              <a:t>+what is this problem asking me to do?</a:t>
+            </a:r>
+          </a:p>
+          <a:p>
+            <a:pPr/>
+            <a:r>
+              <a:t>Traverse wordArray, count how many words are not in theVocab list.</a:t>
+            </a:r>
+          </a:p>
+          <a:p>
+            <a:pPr/>
+          </a:p>
+          <a:p>
+            <a:pPr/>
+            <a:r>
+              <a:t>+how do I make a plan?</a:t>
+            </a:r>
+          </a:p>
+          <a:p>
+            <a:pPr/>
+            <a:r>
+              <a:t>For each word in wordArray:</a:t>
+            </a:r>
+          </a:p>
+          <a:p>
+            <a:pPr/>
+            <a:r>
+              <a:t>    If word not in theVocab: then add 1 to counter</a:t>
+            </a:r>
+          </a:p>
+          <a:p>
+            <a:pPr/>
+            <a:r>
+              <a:t>      </a:t>
+            </a:r>
+          </a:p>
+          <a:p>
+            <a:pPr/>
+          </a:p>
+          <a:p>
+            <a:pPr/>
+            <a:r>
+              <a:t>+how do I implement my plan in Java?</a:t>
+            </a:r>
+          </a:p>
+          <a:p>
+            <a:pPr/>
+            <a:r>
+              <a:t>public static int divBySum(int[] arr, int num)</a:t>
+            </a:r>
+          </a:p>
+          <a:p>
+            <a:pPr/>
+            <a:r>
+              <a:t>{</a:t>
+            </a:r>
+          </a:p>
+          <a:p>
+            <a:pPr/>
+            <a:r>
+              <a:t>  int counter = 0;</a:t>
+            </a:r>
+            <a:br/>
+            <a:r>
+              <a:t>  for (int word : wordArray){</a:t>
+            </a:r>
+          </a:p>
+          <a:p>
+            <a:pPr/>
+            <a:r>
+              <a:t>    if ( !(word.findWord()){</a:t>
+            </a:r>
+          </a:p>
+          <a:p>
+            <a:pPr/>
+            <a:r>
+              <a:t>        counter ++;</a:t>
+            </a:r>
+          </a:p>
+          <a:p>
+            <a:pPr/>
+            <a:r>
+              <a:t>     }</a:t>
+            </a:r>
+          </a:p>
+          <a:p>
+            <a:pPr/>
+            <a:r>
+              <a:t>  }</a:t>
+            </a:r>
+          </a:p>
+          <a:p>
+            <a:pPr/>
+            <a:r>
+              <a:t> return counter</a:t>
+            </a:r>
+          </a:p>
+          <a:p>
+            <a:pPr/>
+            <a:r>
+              <a:t>}</a:t>
+            </a:r>
+          </a:p>
+        </p:txBody>
+      </p:sp>
+    </p:spTree>
+  </p:cSld>
+  <p:clrMapOvr>
+    <a:masterClrMapping/>
+  </p:clrMapOvr>
+</p:notes>
+</file>
+
+<file path=ppt/notesSlides/notesSlide7.xml><?xml version="1.0" encoding="utf-8"?>
+<p:notes xmlns:a="http://schemas.openxmlformats.org/drawingml/2006/main" xmlns:r="http://schemas.openxmlformats.org/officeDocument/2006/relationships" xmlns:p="http://schemas.openxmlformats.org/presentationml/2006/main" xmlns:m="http://schemas.openxmlformats.org/officeDocument/2006/math" xmlns:a14="http://schemas.microsoft.com/office/drawing/2010/main" showMasterSp="1" showMasterPhAnim="1">
+  <p:cSld>
+    <p:spTree>
+      <p:nvGrpSpPr>
+        <p:cNvPr id="1" name=""/>
+        <p:cNvGrpSpPr/>
+        <p:nvPr/>
+      </p:nvGrpSpPr>
+      <p:grpSpPr>
+        <a:xfrm>
+          <a:off x="0" y="0"/>
+          <a:ext cx="0" cy="0"/>
+          <a:chOff x="0" y="0"/>
+          <a:chExt cx="0" cy="0"/>
+        </a:xfrm>
+      </p:grpSpPr>
+      <p:sp>
+        <p:nvSpPr>
+          <p:cNvPr id="258" name="Shape 258"/>
+          <p:cNvSpPr/>
+          <p:nvPr>
+            <p:ph type="sldImg"/>
+          </p:nvPr>
+        </p:nvSpPr>
+        <p:spPr>
+          <a:prstGeom prst="rect">
+            <a:avLst/>
+          </a:prstGeom>
+        </p:spPr>
+        <p:txBody>
+          <a:bodyPr/>
+          <a:lstStyle/>
+          <a:p>
+            <a:pPr/>
+          </a:p>
+        </p:txBody>
+      </p:sp>
+      <p:sp>
+        <p:nvSpPr>
+          <p:cNvPr id="259" name="Shape 259"/>
+          <p:cNvSpPr/>
+          <p:nvPr>
+            <p:ph type="body" sz="quarter" idx="1"/>
+          </p:nvPr>
+        </p:nvSpPr>
+        <p:spPr>
+          <a:prstGeom prst="rect">
+            <a:avLst/>
+          </a:prstGeom>
+        </p:spPr>
+        <p:txBody>
+          <a:bodyPr/>
+          <a:lstStyle/>
+          <a:p>
+            <a:pPr/>
+            <a:r>
+              <a:t>+what are you trying to do in this problem?</a:t>
+            </a:r>
+          </a:p>
+          <a:p>
+            <a:pPr/>
+            <a:r>
+              <a:t>Make an array of all strings not found in theVocab.</a:t>
+            </a:r>
+            <a:br/>
+          </a:p>
+          <a:p>
+            <a:pPr/>
+            <a:r>
+              <a:t>+how do I make a plan?</a:t>
+            </a:r>
+          </a:p>
+          <a:p>
+            <a:pPr/>
+            <a:r>
+              <a:t>Make ARRAY of length countNotInVocab</a:t>
+            </a:r>
+          </a:p>
+          <a:p>
+            <a:pPr/>
+            <a:r>
+              <a:t>For word in wordarrray:</a:t>
+            </a:r>
+          </a:p>
+          <a:p>
+            <a:pPr/>
+            <a:r>
+              <a:t>    If word not in theVocab:</a:t>
+            </a:r>
+          </a:p>
+          <a:p>
+            <a:pPr/>
+            <a:r>
+              <a:t>        Add to ARRAY</a:t>
+            </a:r>
+            <a:br/>
+          </a:p>
+          <a:p>
+            <a:pPr/>
+            <a:r>
+              <a:t>+how do we implement this in Java ?</a:t>
+            </a:r>
+          </a:p>
+          <a:p>
+            <a:pPr/>
+            <a:r>
               <a:t>public String[] notInVocab(String[] wordArray) {</a:t>
             </a:r>
           </a:p>
           <a:p>
             <a:pPr/>
             <a:r>
-              <a:t>  int count = CountNotInVocab(wordArray);</a:t>
+              <a:t>  int count = CountNotInVocab(wordArray)</a:t>
             </a:r>
           </a:p>
           <a:p>
             <a:pPr/>
             <a:r>
+              <a:t> Counter = 0</a:t>
+            </a:r>
+          </a:p>
+          <a:p>
+            <a:pPr/>
+            <a:r>
               <a:t>  String[] newArray = new String[count];</a:t>
             </a:r>
           </a:p>
           <a:p>
             <a:pPr/>
             <a:r>
-              <a:t>  counter = 0;</a:t>
+              <a:t> For (String word : wordArray{</a:t>
             </a:r>
           </a:p>
           <a:p>
             <a:pPr/>
             <a:r>
-              <a:t>  while (counter &lt; count){</a:t>
+              <a:t>      If !word.findaWord() :</a:t>
             </a:r>
           </a:p>
           <a:p>
             <a:pPr/>
             <a:r>
-              <a:t>      </a:t>
+              <a:t>            newArray[counter] = word</a:t>
             </a:r>
           </a:p>
           <a:p>
             <a:pPr/>
+            <a:r>
+              <a:t>            counter++</a:t>
+            </a:r>
+            <a:br/>
           </a:p>
           <a:p>
             <a:pPr/>
             <a:r>
-              <a:t>}</a:t>
+              <a:t>+why is it a good idea to use countnotinvocab? Arrays need to be of a specific size so this helps in initializing the array.</a:t>
+            </a:r>
+          </a:p>
+          <a:p>
+            <a:pPr/>
+          </a:p>
+          <a:p>
+            <a:pPr/>
+            <a:r>
+              <a:t>+how could you solve this problem without countNotInVocab?  You could make the array the same length as wordArray, since this is the max possible length of this array.</a:t>
+            </a:r>
+          </a:p>
+        </p:txBody>
+      </p:sp>
+    </p:spTree>
+  </p:cSld>
+  <p:clrMapOvr>
+    <a:masterClrMapping/>
+  </p:clrMapOvr>
+</p:notes>
+</file>
+
+<file path=ppt/notesSlides/notesSlide8.xml><?xml version="1.0" encoding="utf-8"?>
+<p:notes xmlns:a="http://schemas.openxmlformats.org/drawingml/2006/main" xmlns:r="http://schemas.openxmlformats.org/officeDocument/2006/relationships" xmlns:p="http://schemas.openxmlformats.org/presentationml/2006/main" xmlns:m="http://schemas.openxmlformats.org/officeDocument/2006/math" xmlns:a14="http://schemas.microsoft.com/office/drawing/2010/main" showMasterSp="1" showMasterPhAnim="1">
+  <p:cSld>
+    <p:spTree>
+      <p:nvGrpSpPr>
+        <p:cNvPr id="1" name=""/>
+        <p:cNvGrpSpPr/>
+        <p:nvPr/>
+      </p:nvGrpSpPr>
+      <p:grpSpPr>
+        <a:xfrm>
+          <a:off x="0" y="0"/>
+          <a:ext cx="0" cy="0"/>
+          <a:chOff x="0" y="0"/>
+          <a:chExt cx="0" cy="0"/>
+        </a:xfrm>
+      </p:grpSpPr>
+      <p:sp>
+        <p:nvSpPr>
+          <p:cNvPr id="265" name="Shape 265"/>
+          <p:cNvSpPr/>
+          <p:nvPr>
+            <p:ph type="sldImg"/>
+          </p:nvPr>
+        </p:nvSpPr>
+        <p:spPr>
+          <a:prstGeom prst="rect">
+            <a:avLst/>
+          </a:prstGeom>
+        </p:spPr>
+        <p:txBody>
+          <a:bodyPr/>
+          <a:lstStyle/>
+          <a:p>
+            <a:pPr/>
+          </a:p>
+        </p:txBody>
+      </p:sp>
+      <p:sp>
+        <p:nvSpPr>
+          <p:cNvPr id="266" name="Shape 266"/>
+          <p:cNvSpPr/>
+          <p:nvPr>
+            <p:ph type="body" sz="quarter" idx="1"/>
+          </p:nvPr>
+        </p:nvSpPr>
+        <p:spPr>
+          <a:prstGeom prst="rect">
+            <a:avLst/>
+          </a:prstGeom>
+        </p:spPr>
+        <p:txBody>
+          <a:bodyPr/>
+          <a:lstStyle/>
+          <a:p>
+            <a:pPr marL="187157" indent="-187157">
+              <a:buSzPct val="100000"/>
+              <a:buAutoNum type="arabicPeriod" startAt="1"/>
+            </a:pPr>
+            <a:r>
+              <a:t>Answers will vary, but students should have a better understanding of how the questions will be graded. </a:t>
+            </a:r>
+          </a:p>
+          <a:p>
+            <a:pPr marL="187157" indent="-187157">
+              <a:buSzPct val="100000"/>
+              <a:buAutoNum type="arabicPeriod" startAt="1"/>
+            </a:pPr>
+            <a:r>
+              <a:t>Students should pay less attention to certain details of Java syntax (brackets, parens, and so on) and more to the logical structure of their programs.  This is why making a plan with pseudocode is helpful.</a:t>
             </a:r>
           </a:p>
         </p:txBody>
@@ -3323,7 +3489,7 @@
         <p:spPr>
           <a:xfrm>
             <a:off x="159380" y="4629606"/>
-            <a:ext cx="8552701" cy="576549"/>
+            <a:ext cx="8552701" cy="398749"/>
           </a:xfrm>
           <a:prstGeom prst="rect">
             <a:avLst/>
@@ -3373,9 +3539,8 @@
             </a:r>
             <a:r>
               <a:rPr b="0"/>
-              <a:t>HDW use the How To Solve It method to tackle free response problems?</a:t>
-            </a:r>
-            <a:endParaRPr b="0" sz="1200"/>
+              <a:t>HDW use AP scoring guidelines to self-assess on free response questions?</a:t>
+            </a:r>
           </a:p>
         </p:txBody>
       </p:sp>
@@ -5873,7 +6038,7 @@
 </p:sld>
 </file>
 
-<file path=ppt/slides/slide2.xml><?xml version="1.0" encoding="utf-8"?>
+<file path=ppt/slides/slide10.xml><?xml version="1.0" encoding="utf-8"?>
 <p:sld xmlns:a="http://schemas.openxmlformats.org/drawingml/2006/main" xmlns:r="http://schemas.openxmlformats.org/officeDocument/2006/relationships" xmlns:p="http://schemas.openxmlformats.org/presentationml/2006/main" xmlns:m="http://schemas.openxmlformats.org/officeDocument/2006/math" xmlns:a14="http://schemas.microsoft.com/office/drawing/2010/main" showMasterSp="1" showMasterPhAnim="1">
   <p:cSld>
     <p:spTree>
@@ -5892,157 +6057,37 @@
       </p:grpSpPr>
       <p:sp>
         <p:nvSpPr>
-          <p:cNvPr id="189" name="Google Shape;118;p19"/>
+          <p:cNvPr id="261" name="Double-click to edit"/>
           <p:cNvSpPr txBox="1"/>
           <p:nvPr>
             <p:ph type="title"/>
           </p:nvPr>
         </p:nvSpPr>
         <p:spPr>
-          <a:xfrm>
-            <a:off x="1424035" y="575950"/>
-            <a:ext cx="7302729" cy="939691"/>
-          </a:xfrm>
           <a:prstGeom prst="rect">
             <a:avLst/>
           </a:prstGeom>
-          <a:solidFill>
-            <a:srgbClr val="FFFFFF"/>
-          </a:solidFill>
-          <a:ln w="25400">
-            <a:solidFill>
-              <a:schemeClr val="accent1"/>
-            </a:solidFill>
-            <a:round/>
-          </a:ln>
         </p:spPr>
         <p:txBody>
-          <a:bodyPr lIns="91422" tIns="91422" rIns="91422" bIns="91422"/>
+          <a:bodyPr/>
           <a:lstStyle/>
           <a:p>
-            <a:pPr defTabSz="813816">
-              <a:defRPr b="0" sz="2100">
-                <a:solidFill>
-                  <a:srgbClr val="F46524"/>
-                </a:solidFill>
-                <a:latin typeface="+mn-lt"/>
-                <a:ea typeface="+mn-ea"/>
-                <a:cs typeface="+mn-cs"/>
-                <a:sym typeface="Arial"/>
-              </a:defRPr>
+            <a:pPr defTabSz="886968">
+              <a:defRPr sz="2910"/>
             </a:pPr>
-            <a:r>
-              <a:t>Do now</a:t>
-            </a:r>
-          </a:p>
-          <a:p>
-            <a:pPr defTabSz="813816">
-              <a:defRPr b="0" sz="1200">
-                <a:solidFill>
-                  <a:schemeClr val="accent5"/>
-                </a:solidFill>
-                <a:latin typeface="+mj-lt"/>
-                <a:ea typeface="+mj-ea"/>
-                <a:cs typeface="+mj-cs"/>
-                <a:sym typeface="Helvetica"/>
-              </a:defRPr>
-            </a:pPr>
-            <a:r>
-              <a:t>be sure to:</a:t>
-            </a:r>
-            <a:r>
-              <a:rPr>
-                <a:solidFill>
-                  <a:schemeClr val="accent5">
-                    <a:lumOff val="-9843"/>
-                  </a:schemeClr>
-                </a:solidFill>
-              </a:rPr>
-              <a:t> </a:t>
-            </a:r>
-            <a:r>
-              <a:rPr>
-                <a:solidFill>
-                  <a:schemeClr val="accent3">
-                    <a:lumOff val="-9098"/>
-                  </a:schemeClr>
-                </a:solidFill>
-              </a:rPr>
-              <a:t>Get out your </a:t>
-            </a:r>
-            <a:r>
-              <a:rPr b="1">
-                <a:solidFill>
-                  <a:schemeClr val="accent3">
-                    <a:lumOff val="-9098"/>
-                  </a:schemeClr>
-                </a:solidFill>
-              </a:rPr>
-              <a:t>binder</a:t>
-            </a:r>
-            <a:r>
-              <a:rPr>
-                <a:solidFill>
-                  <a:schemeClr val="accent3">
-                    <a:lumOff val="-9098"/>
-                  </a:schemeClr>
-                </a:solidFill>
-              </a:rPr>
-              <a:t>. Copy </a:t>
-            </a:r>
-            <a:r>
-              <a:rPr b="1">
-                <a:solidFill>
-                  <a:schemeClr val="accent3">
-                    <a:lumOff val="-9098"/>
-                  </a:schemeClr>
-                </a:solidFill>
-              </a:rPr>
-              <a:t>goal </a:t>
-            </a:r>
-            <a:r>
-              <a:rPr>
-                <a:solidFill>
-                  <a:schemeClr val="accent3">
-                    <a:lumOff val="-9098"/>
-                  </a:schemeClr>
-                </a:solidFill>
-              </a:rPr>
-              <a:t>and answer </a:t>
-            </a:r>
-            <a:r>
-              <a:rPr b="1">
-                <a:solidFill>
-                  <a:schemeClr val="accent3">
-                    <a:lumOff val="-9098"/>
-                  </a:schemeClr>
-                </a:solidFill>
-              </a:rPr>
-              <a:t>do now</a:t>
-            </a:r>
-            <a:r>
-              <a:rPr>
-                <a:solidFill>
-                  <a:schemeClr val="accent3">
-                    <a:lumOff val="-9098"/>
-                  </a:schemeClr>
-                </a:solidFill>
-              </a:rPr>
-              <a:t> questions below. Show all work or write a complete sentence for each answer:</a:t>
-            </a:r>
           </a:p>
         </p:txBody>
       </p:sp>
       <p:sp>
         <p:nvSpPr>
-          <p:cNvPr id="190" name="The mathematician George Polya said you could use the four steps to the left to solve any problem. Read the steps then answer the questions below:…"/>
+          <p:cNvPr id="262" name="In what ways do you better understand the scoring process on Free response questions?…"/>
           <p:cNvSpPr txBox="1"/>
           <p:nvPr/>
         </p:nvSpPr>
         <p:spPr>
           <a:xfrm>
-            <a:off x="378846" y="1783573"/>
-            <a:ext cx="3960167" cy="2590801"/>
+            <a:off x="778973" y="1600200"/>
+            <a:ext cx="3278433" cy="1511300"/>
           </a:xfrm>
           <a:prstGeom prst="rect">
             <a:avLst/>
@@ -6062,341 +6107,134 @@
           </a:bodyPr>
           <a:lstStyle/>
           <a:p>
-            <a:pPr lvl="1" indent="228600">
-              <a:defRPr b="1">
-                <a:solidFill>
-                  <a:schemeClr val="accent1">
-                    <a:lumOff val="-6117"/>
-                  </a:schemeClr>
-                </a:solidFill>
-                <a:latin typeface="Lato"/>
-                <a:ea typeface="Lato"/>
-                <a:cs typeface="Lato"/>
-                <a:sym typeface="Lato"/>
+            <a:pPr marL="187157" indent="-187157">
+              <a:buSzPct val="100000"/>
+              <a:buAutoNum type="arabicPeriod" startAt="1"/>
+            </a:pPr>
+            <a:r>
+              <a:t>In what ways do you better understand the scoring process on Free response questions?</a:t>
+            </a:r>
+          </a:p>
+          <a:p>
+            <a:pPr marL="187157" indent="-187157">
+              <a:buSzPct val="100000"/>
+              <a:buAutoNum type="arabicPeriod" startAt="1"/>
+            </a:pPr>
+            <a:r>
+              <a:t>How does this change the way you approach free response questions in the future?</a:t>
+            </a:r>
+          </a:p>
+        </p:txBody>
+      </p:sp>
+      <p:pic>
+        <p:nvPicPr>
+          <p:cNvPr id="263" name="Image" descr="Image"/>
+          <p:cNvPicPr>
+            <a:picLocks noChangeAspect="1"/>
+          </p:cNvPicPr>
+          <p:nvPr/>
+        </p:nvPicPr>
+        <p:blipFill>
+          <a:blip r:embed="rId3">
+            <a:extLst/>
+          </a:blip>
+          <a:stretch>
+            <a:fillRect/>
+          </a:stretch>
+        </p:blipFill>
+        <p:spPr>
+          <a:xfrm>
+            <a:off x="4616052" y="1554712"/>
+            <a:ext cx="3053022" cy="2034076"/>
+          </a:xfrm>
+          <a:prstGeom prst="rect">
+            <a:avLst/>
+          </a:prstGeom>
+          <a:ln w="12700">
+            <a:miter lim="400000"/>
+          </a:ln>
+        </p:spPr>
+      </p:pic>
+      <p:sp>
+        <p:nvSpPr>
+          <p:cNvPr id="264" name="Reflection: Thinking about thinking…"/>
+          <p:cNvSpPr txBox="1"/>
+          <p:nvPr/>
+        </p:nvSpPr>
+        <p:spPr>
+          <a:xfrm>
+            <a:off x="1404467" y="357128"/>
+            <a:ext cx="7302728" cy="939691"/>
+          </a:xfrm>
+          <a:prstGeom prst="rect">
+            <a:avLst/>
+          </a:prstGeom>
+          <a:solidFill>
+            <a:srgbClr val="FFFFFF"/>
+          </a:solidFill>
+          <a:ln w="25400">
+            <a:solidFill>
+              <a:schemeClr val="accent1"/>
+            </a:solidFill>
+          </a:ln>
+          <a:extLst>
+            <a:ext uri="{C572A759-6A51-4108-AA02-DFA0A04FC94B}">
+              <ma14:wrappingTextBoxFlag xmlns:ma14="http://schemas.microsoft.com/office/mac/drawingml/2011/main" val="1"/>
+            </a:ext>
+          </a:extLst>
+        </p:spPr>
+        <p:txBody>
+          <a:bodyPr lIns="91422" tIns="91422" rIns="91422" bIns="91422">
+            <a:normAutofit fontScale="100000" lnSpcReduction="0"/>
+          </a:bodyPr>
+          <a:lstStyle/>
+          <a:p>
+            <a:pPr defTabSz="813816">
+              <a:defRPr sz="2100">
+                <a:latin typeface="+mn-lt"/>
+                <a:ea typeface="+mn-ea"/>
+                <a:cs typeface="+mn-cs"/>
+                <a:sym typeface="Arial"/>
               </a:defRPr>
             </a:pPr>
             <a:r>
-              <a:t>The mathematician George Polya said you could use the four steps to the left to solve </a:t>
-            </a:r>
-            <a:r>
-              <a:rPr>
+              <a:t>Reflection: Thinking about thinking</a:t>
+            </a:r>
+          </a:p>
+          <a:p>
+            <a:pPr defTabSz="813816">
+              <a:defRPr sz="1200">
                 <a:solidFill>
                   <a:schemeClr val="accent5"/>
                 </a:solidFill>
-              </a:rPr>
-              <a:t>any problem</a:t>
-            </a:r>
-            <a:r>
-              <a:t>. Read the steps then answer the questions below:</a:t>
-            </a:r>
-          </a:p>
-          <a:p>
-            <a:pPr lvl="1" indent="228600">
-              <a:defRPr b="1">
-                <a:solidFill>
-                  <a:srgbClr val="000000"/>
-                </a:solidFill>
-                <a:latin typeface="Lato"/>
-                <a:ea typeface="Lato"/>
-                <a:cs typeface="Lato"/>
-                <a:sym typeface="Lato"/>
               </a:defRPr>
             </a:pPr>
-          </a:p>
-          <a:p>
-            <a:pPr lvl="1" marL="868945" indent="-233947">
-              <a:buSzPct val="100000"/>
-              <a:buAutoNum type="alphaUcPeriod" startAt="1"/>
-              <a:defRPr>
+            <a:r>
+              <a:t>be sure to:</a:t>
+            </a:r>
+            <a:r>
+              <a:rPr>
                 <a:solidFill>
-                  <a:schemeClr val="accent5"/>
+                  <a:schemeClr val="accent5">
+                    <a:lumOff val="-9843"/>
+                  </a:schemeClr>
                 </a:solidFill>
-                <a:latin typeface="Lato"/>
-                <a:ea typeface="Lato"/>
-                <a:cs typeface="Lato"/>
-                <a:sym typeface="Lato"/>
-              </a:defRPr>
-            </a:pPr>
-            <a:r>
-              <a:t>What parts of this method do you agree with? What do you disagree with?</a:t>
-            </a:r>
-          </a:p>
-          <a:p>
-            <a:pPr lvl="1" marL="868945" indent="-233947">
-              <a:buSzPct val="100000"/>
-              <a:buAutoNum type="alphaUcPeriod" startAt="1"/>
-              <a:defRPr>
+              </a:rPr>
+              <a:t> </a:t>
+            </a:r>
+            <a:r>
+              <a:rPr>
                 <a:solidFill>
-                  <a:schemeClr val="accent5"/>
+                  <a:schemeClr val="accent3">
+                    <a:lumOff val="-9098"/>
+                  </a:schemeClr>
                 </a:solidFill>
-                <a:latin typeface="Lato"/>
-                <a:ea typeface="Lato"/>
-                <a:cs typeface="Lato"/>
-                <a:sym typeface="Lato"/>
-              </a:defRPr>
-            </a:pPr>
-            <a:r>
-              <a:t>What’s the difference between making a plan and carrying out a plan?</a:t>
-            </a:r>
-          </a:p>
-          <a:p>
-            <a:pPr lvl="1" marL="868945" indent="-233947">
-              <a:buSzPct val="100000"/>
-              <a:buAutoNum type="alphaUcPeriod" startAt="1"/>
-              <a:defRPr>
-                <a:solidFill>
-                  <a:schemeClr val="accent5"/>
-                </a:solidFill>
-                <a:latin typeface="Lato"/>
-                <a:ea typeface="Lato"/>
-                <a:cs typeface="Lato"/>
-                <a:sym typeface="Lato"/>
-              </a:defRPr>
-            </a:pPr>
-            <a:r>
-              <a:t>What are some strategies you could use if you </a:t>
-            </a:r>
-            <a:r>
-              <a:rPr i="1" u="sng"/>
-              <a:t>don’t</a:t>
-            </a:r>
-            <a:r>
-              <a:t> understand a problem?</a:t>
+              </a:rPr>
+              <a:t>Answer each question below with a complete sentence. Be prepared to share out!</a:t>
             </a:r>
           </a:p>
         </p:txBody>
       </p:sp>
-      <p:grpSp>
-        <p:nvGrpSpPr>
-          <p:cNvPr id="193" name="how to solve it…"/>
-          <p:cNvGrpSpPr/>
-          <p:nvPr/>
-        </p:nvGrpSpPr>
-        <p:grpSpPr>
-          <a:xfrm>
-            <a:off x="5353377" y="1655956"/>
-            <a:ext cx="2583740" cy="2807114"/>
-            <a:chOff x="0" y="0"/>
-            <a:chExt cx="2583738" cy="2807112"/>
-          </a:xfrm>
-        </p:grpSpPr>
-        <p:sp>
-          <p:nvSpPr>
-            <p:cNvPr id="191" name="how to solve it…"/>
-            <p:cNvSpPr txBox="1"/>
-            <p:nvPr/>
-          </p:nvSpPr>
-          <p:spPr>
-            <a:xfrm>
-              <a:off x="22143" y="22143"/>
-              <a:ext cx="2539452" cy="2762827"/>
-            </a:xfrm>
-            <a:prstGeom prst="rect">
-              <a:avLst/>
-            </a:prstGeom>
-            <a:noFill/>
-            <a:ln w="12700" cap="flat">
-              <a:noFill/>
-              <a:miter lim="400000"/>
-            </a:ln>
-            <a:effectLst/>
-            <a:extLst>
-              <a:ext uri="{C572A759-6A51-4108-AA02-DFA0A04FC94B}">
-                <ma14:wrappingTextBoxFlag xmlns:ma14="http://schemas.microsoft.com/office/mac/drawingml/2011/main" val="1"/>
-              </a:ext>
-            </a:extLst>
-          </p:spPr>
-          <p:txBody>
-            <a:bodyPr wrap="square" lIns="91422" tIns="91422" rIns="91422" bIns="91422" numCol="1" anchor="t">
-              <a:normAutofit fontScale="100000" lnSpcReduction="0"/>
-            </a:bodyPr>
-            <a:lstStyle/>
-            <a:p>
-              <a:pPr defTabSz="416416">
-                <a:defRPr b="1" sz="1089">
-                  <a:solidFill>
-                    <a:srgbClr val="000000"/>
-                  </a:solidFill>
-                </a:defRPr>
-              </a:pPr>
-              <a:r>
-                <a:t>how to solve it</a:t>
-              </a:r>
-            </a:p>
-            <a:p>
-              <a:pPr marL="38353" indent="-38353" defTabSz="416416">
-                <a:buSzPct val="100000"/>
-                <a:buAutoNum type="arabicPeriod" startAt="1"/>
-                <a:defRPr sz="1089">
-                  <a:solidFill>
-                    <a:srgbClr val="000000"/>
-                  </a:solidFill>
-                </a:defRPr>
-              </a:pPr>
-              <a:r>
-                <a:t>Understand the task:</a:t>
-              </a:r>
-            </a:p>
-            <a:p>
-              <a:pPr lvl="1" marL="269696" indent="-38353" defTabSz="416416">
-                <a:buSzPct val="100000"/>
-                <a:buAutoNum type="alphaLcPeriod" startAt="1"/>
-                <a:defRPr sz="1089">
-                  <a:solidFill>
-                    <a:srgbClr val="000000"/>
-                  </a:solidFill>
-                </a:defRPr>
-              </a:pPr>
-              <a:r>
-                <a:t>Read the problem carefully.</a:t>
-              </a:r>
-            </a:p>
-            <a:p>
-              <a:pPr lvl="1" marL="269696" indent="-38353" defTabSz="416416">
-                <a:buSzPct val="100000"/>
-                <a:buAutoNum type="alphaLcPeriod" startAt="1"/>
-                <a:defRPr sz="1089">
-                  <a:solidFill>
-                    <a:srgbClr val="000000"/>
-                  </a:solidFill>
-                </a:defRPr>
-              </a:pPr>
-              <a:r>
-                <a:t>What should be the output look like?</a:t>
-              </a:r>
-            </a:p>
-            <a:p>
-              <a:pPr marL="38353" indent="-38353" defTabSz="416416">
-                <a:buSzPct val="100000"/>
-                <a:buAutoNum type="arabicPeriod" startAt="1"/>
-                <a:defRPr sz="1089">
-                  <a:solidFill>
-                    <a:srgbClr val="000000"/>
-                  </a:solidFill>
-                </a:defRPr>
-              </a:pPr>
-              <a:r>
-                <a:t>Make a plan:</a:t>
-              </a:r>
-            </a:p>
-            <a:p>
-              <a:pPr lvl="1" marL="269696" indent="-38353" defTabSz="416416">
-                <a:buSzPct val="100000"/>
-                <a:buAutoNum type="alphaLcPeriod" startAt="1"/>
-                <a:defRPr sz="1089">
-                  <a:solidFill>
-                    <a:srgbClr val="000000"/>
-                  </a:solidFill>
-                </a:defRPr>
-              </a:pPr>
-              <a:r>
-                <a:t>Write out your algorithm in pseudocode</a:t>
-              </a:r>
-            </a:p>
-            <a:p>
-              <a:pPr marL="38353" indent="-38353" defTabSz="416416">
-                <a:buSzPct val="100000"/>
-                <a:buAutoNum type="arabicPeriod" startAt="1"/>
-                <a:defRPr sz="1089">
-                  <a:solidFill>
-                    <a:srgbClr val="000000"/>
-                  </a:solidFill>
-                </a:defRPr>
-              </a:pPr>
-              <a:r>
-                <a:t>Execute the plan:</a:t>
-              </a:r>
-            </a:p>
-            <a:p>
-              <a:pPr lvl="1" marL="269696" indent="-38353" defTabSz="416416">
-                <a:buSzPct val="100000"/>
-                <a:buAutoNum type="alphaLcPeriod" startAt="1"/>
-                <a:defRPr sz="1089">
-                  <a:solidFill>
-                    <a:srgbClr val="000000"/>
-                  </a:solidFill>
-                </a:defRPr>
-              </a:pPr>
-              <a:r>
-                <a:t>Work through your strategy step by step</a:t>
-              </a:r>
-            </a:p>
-            <a:p>
-              <a:pPr marL="38353" indent="-38353" defTabSz="416416">
-                <a:buSzPct val="100000"/>
-                <a:buAutoNum type="arabicPeriod" startAt="1"/>
-                <a:defRPr sz="1089">
-                  <a:solidFill>
-                    <a:srgbClr val="000000"/>
-                  </a:solidFill>
-                </a:defRPr>
-              </a:pPr>
-              <a:r>
-                <a:t>Review your work:</a:t>
-              </a:r>
-            </a:p>
-            <a:p>
-              <a:pPr lvl="1" marL="269696" indent="-38353" defTabSz="416416">
-                <a:buSzPct val="100000"/>
-                <a:buAutoNum type="alphaLcPeriod" startAt="1"/>
-                <a:defRPr sz="1089">
-                  <a:solidFill>
-                    <a:srgbClr val="000000"/>
-                  </a:solidFill>
-                </a:defRPr>
-              </a:pPr>
-              <a:r>
-                <a:t>Does your solution make sense?</a:t>
-              </a:r>
-            </a:p>
-            <a:p>
-              <a:pPr lvl="1" marL="269696" indent="-38353" defTabSz="416416">
-                <a:buSzPct val="100000"/>
-                <a:buAutoNum type="alphaLcPeriod" startAt="1"/>
-                <a:defRPr sz="1089">
-                  <a:solidFill>
-                    <a:srgbClr val="000000"/>
-                  </a:solidFill>
-                </a:defRPr>
-              </a:pPr>
-              <a:r>
-                <a:t>If not go back to (2). Do it again!!</a:t>
-              </a:r>
-            </a:p>
-          </p:txBody>
-        </p:sp>
-        <p:pic>
-          <p:nvPicPr>
-            <p:cNvPr id="192" name="how to solve it… how to solve itUnderstand the task:Read the problem carefully.What should be the outcome (an answer, program, algorithm).Make a plan:Come up with a strategy to solve a problemHow does this problem resemble problems you’ve seen before.Exe" descr="how to solve it… how to solve itUnderstand the task:Read the problem carefully.What should be the outcome (an answer, program, algorithm).Make a plan:Come up with a strategy to solve a problemHow does this problem resemble problems you’ve seen before.Exe"/>
-            <p:cNvPicPr>
-              <a:picLocks noChangeAspect="1"/>
-            </p:cNvPicPr>
-            <p:nvPr/>
-          </p:nvPicPr>
-          <p:blipFill>
-            <a:blip r:embed="rId3">
-              <a:extLst/>
-            </a:blip>
-            <a:stretch>
-              <a:fillRect/>
-            </a:stretch>
-          </p:blipFill>
-          <p:spPr>
-            <a:xfrm>
-              <a:off x="-1" y="0"/>
-              <a:ext cx="2583740" cy="2807113"/>
-            </a:xfrm>
-            <a:prstGeom prst="rect">
-              <a:avLst/>
-            </a:prstGeom>
-            <a:ln w="12700" cap="flat">
-              <a:noFill/>
-              <a:miter lim="400000"/>
-            </a:ln>
-            <a:effectLst/>
-          </p:spPr>
-        </p:pic>
-      </p:grpSp>
     </p:spTree>
   </p:cSld>
   <p:clrMapOvr>
@@ -6436,7 +6274,135 @@
                                       <p:cBhvr>
                                         <p:cTn id="6" fill="hold"/>
                                         <p:tgtEl>
-                                          <p:spTgt spid="193"/>
+                                          <p:spTgt spid="262">
+                                            <p:bg/>
+                                          </p:spTgt>
+                                        </p:tgtEl>
+                                        <p:attrNameLst>
+                                          <p:attrName>style.visibility</p:attrName>
+                                        </p:attrNameLst>
+                                      </p:cBhvr>
+                                      <p:to>
+                                        <p:strVal val="visible"/>
+                                      </p:to>
+                                    </p:set>
+                                  </p:childTnLst>
+                                </p:cTn>
+                              </p:par>
+                              <p:par>
+                                <p:cTn id="7" presetClass="entr" nodeType="withEffect" presetSubtype="0" presetID="1" grpId="1" fill="hold">
+                                  <p:stCondLst>
+                                    <p:cond delay="0"/>
+                                  </p:stCondLst>
+                                  <p:iterate type="el" backwards="0">
+                                    <p:tmAbs val="0"/>
+                                  </p:iterate>
+                                  <p:childTnLst>
+                                    <p:set>
+                                      <p:cBhvr>
+                                        <p:cTn id="8" fill="hold"/>
+                                        <p:tgtEl>
+                                          <p:spTgt spid="262">
+                                            <p:txEl>
+                                              <p:pRg st="0" end="0"/>
+                                            </p:txEl>
+                                          </p:spTgt>
+                                        </p:tgtEl>
+                                        <p:attrNameLst>
+                                          <p:attrName>style.visibility</p:attrName>
+                                        </p:attrNameLst>
+                                      </p:cBhvr>
+                                      <p:to>
+                                        <p:strVal val="visible"/>
+                                      </p:to>
+                                    </p:set>
+                                  </p:childTnLst>
+                                </p:cTn>
+                              </p:par>
+                            </p:childTnLst>
+                          </p:cTn>
+                        </p:par>
+                      </p:childTnLst>
+                    </p:cTn>
+                  </p:par>
+                  <p:par>
+                    <p:cTn id="9" fill="hold">
+                      <p:stCondLst>
+                        <p:cond delay="indefinite"/>
+                      </p:stCondLst>
+                      <p:childTnLst>
+                        <p:par>
+                          <p:cTn id="10" fill="hold">
+                            <p:stCondLst>
+                              <p:cond delay="0"/>
+                            </p:stCondLst>
+                            <p:childTnLst>
+                              <p:par>
+                                <p:cTn id="11" presetClass="entr" nodeType="clickEffect" presetSubtype="0" presetID="1" grpId="1" fill="hold">
+                                  <p:stCondLst>
+                                    <p:cond delay="0"/>
+                                  </p:stCondLst>
+                                  <p:iterate type="el" backwards="0">
+                                    <p:tmAbs val="0"/>
+                                  </p:iterate>
+                                  <p:childTnLst>
+                                    <p:set>
+                                      <p:cBhvr>
+                                        <p:cTn id="12" fill="hold"/>
+                                        <p:tgtEl>
+                                          <p:spTgt spid="262">
+                                            <p:txEl>
+                                              <p:pRg st="1" end="1"/>
+                                            </p:txEl>
+                                          </p:spTgt>
+                                        </p:tgtEl>
+                                        <p:attrNameLst>
+                                          <p:attrName>style.visibility</p:attrName>
+                                        </p:attrNameLst>
+                                      </p:cBhvr>
+                                      <p:to>
+                                        <p:strVal val="visible"/>
+                                      </p:to>
+                                    </p:set>
+                                  </p:childTnLst>
+                                </p:cTn>
+                              </p:par>
+                            </p:childTnLst>
+                          </p:cTn>
+                        </p:par>
+                      </p:childTnLst>
+                    </p:cTn>
+                  </p:par>
+                  <p:par>
+                    <p:cTn id="13" fill="hold">
+                      <p:stCondLst>
+                        <p:cond delay="indefinite"/>
+                      </p:stCondLst>
+                      <p:childTnLst>
+                        <p:par>
+                          <p:cTn id="14" fill="hold">
+                            <p:stCondLst>
+                              <p:cond delay="0"/>
+                            </p:stCondLst>
+                            <p:childTnLst>
+                              <p:par>
+                                <p:cTn id="15" presetClass="entr" nodeType="clickEffect" presetSubtype="0" presetID="1" grpId="1" fill="hold">
+                                  <p:stCondLst>
+                                    <p:cond delay="0"/>
+                                  </p:stCondLst>
+                                  <p:iterate type="el" backwards="0">
+                                    <p:tmAbs val="0"/>
+                                  </p:iterate>
+                                  <p:childTnLst>
+                                    <p:set>
+                                      <p:cBhvr>
+                                        <p:cTn id="16" fill="hold"/>
+                                        <p:tgtEl>
+                                          <p:spTgt spid="262">
+                                            <p:txEl>
+                                              <p:pRg st="2" end="2"/>
+                                            </p:txEl>
+                                          </p:spTgt>
                                         </p:tgtEl>
                                         <p:attrNameLst>
                                           <p:attrName>style.visibility</p:attrName>
@@ -6477,9 +6443,315 @@
       </p:par>
     </p:tnLst>
     <p:bldLst>
-      <p:bldP build="whole" bldLvl="1" animBg="1" rev="0" advAuto="0" spid="193" grpId="1"/>
+      <p:bldP build="p" bldLvl="5" animBg="1" rev="0" advAuto="0" spid="262" grpId="1"/>
     </p:bldLst>
   </p:timing>
+</p:sld>
+</file>
+
+<file path=ppt/slides/slide2.xml><?xml version="1.0" encoding="utf-8"?>
+<p:sld xmlns:a="http://schemas.openxmlformats.org/drawingml/2006/main" xmlns:r="http://schemas.openxmlformats.org/officeDocument/2006/relationships" xmlns:p="http://schemas.openxmlformats.org/presentationml/2006/main" xmlns:m="http://schemas.openxmlformats.org/officeDocument/2006/math" xmlns:a14="http://schemas.microsoft.com/office/drawing/2010/main" showMasterSp="1" showMasterPhAnim="1">
+  <p:cSld>
+    <p:spTree>
+      <p:nvGrpSpPr>
+        <p:cNvPr id="1" name=""/>
+        <p:cNvGrpSpPr/>
+        <p:nvPr/>
+      </p:nvGrpSpPr>
+      <p:grpSpPr>
+        <a:xfrm>
+          <a:off x="0" y="0"/>
+          <a:ext cx="0" cy="0"/>
+          <a:chOff x="0" y="0"/>
+          <a:chExt cx="0" cy="0"/>
+        </a:xfrm>
+      </p:grpSpPr>
+      <p:sp>
+        <p:nvSpPr>
+          <p:cNvPr id="187" name="Google Shape;118;p19"/>
+          <p:cNvSpPr txBox="1"/>
+          <p:nvPr>
+            <p:ph type="title"/>
+          </p:nvPr>
+        </p:nvSpPr>
+        <p:spPr>
+          <a:xfrm>
+            <a:off x="1424035" y="575950"/>
+            <a:ext cx="7302729" cy="939691"/>
+          </a:xfrm>
+          <a:prstGeom prst="rect">
+            <a:avLst/>
+          </a:prstGeom>
+          <a:solidFill>
+            <a:srgbClr val="FFFFFF"/>
+          </a:solidFill>
+        </p:spPr>
+        <p:txBody>
+          <a:bodyPr lIns="91422" tIns="91422" rIns="91422" bIns="91422"/>
+          <a:lstStyle>
+            <a:lvl1pPr defTabSz="813816">
+              <a:defRPr b="0" sz="2100">
+                <a:solidFill>
+                  <a:srgbClr val="F46524"/>
+                </a:solidFill>
+                <a:latin typeface="+mn-lt"/>
+                <a:ea typeface="+mn-ea"/>
+                <a:cs typeface="+mn-cs"/>
+                <a:sym typeface="Arial"/>
+              </a:defRPr>
+            </a:lvl1pPr>
+          </a:lstStyle>
+          <a:p>
+            <a:pPr/>
+            <a:r>
+              <a:t>Do now</a:t>
+            </a:r>
+          </a:p>
+        </p:txBody>
+      </p:sp>
+      <p:sp>
+        <p:nvSpPr>
+          <p:cNvPr id="188" name="Be sure to……"/>
+          <p:cNvSpPr txBox="1"/>
+          <p:nvPr/>
+        </p:nvSpPr>
+        <p:spPr>
+          <a:xfrm>
+            <a:off x="747146" y="1199373"/>
+            <a:ext cx="7377170" cy="2159001"/>
+          </a:xfrm>
+          <a:prstGeom prst="rect">
+            <a:avLst/>
+          </a:prstGeom>
+          <a:ln w="12700">
+            <a:miter lim="400000"/>
+          </a:ln>
+          <a:extLst>
+            <a:ext uri="{C572A759-6A51-4108-AA02-DFA0A04FC94B}">
+              <ma14:wrappingTextBoxFlag xmlns:ma14="http://schemas.microsoft.com/office/mac/drawingml/2011/main" val="1"/>
+            </a:ext>
+          </a:extLst>
+        </p:spPr>
+        <p:txBody>
+          <a:bodyPr lIns="0" tIns="0" rIns="0" bIns="0">
+            <a:spAutoFit/>
+          </a:bodyPr>
+          <a:lstStyle/>
+          <a:p>
+            <a:pPr lvl="1" indent="228600">
+              <a:defRPr b="1">
+                <a:solidFill>
+                  <a:schemeClr val="accent1">
+                    <a:lumOff val="-6117"/>
+                  </a:schemeClr>
+                </a:solidFill>
+                <a:latin typeface="Lato"/>
+                <a:ea typeface="Lato"/>
+                <a:cs typeface="Lato"/>
+                <a:sym typeface="Lato"/>
+              </a:defRPr>
+            </a:pPr>
+            <a:r>
+              <a:t>Be sure to…</a:t>
+            </a:r>
+          </a:p>
+          <a:p>
+            <a:pPr lvl="1" marL="923757" indent="-187157">
+              <a:buSzPct val="100000"/>
+              <a:buAutoNum type="arabicPeriod" startAt="1"/>
+              <a:defRPr b="1">
+                <a:solidFill>
+                  <a:schemeClr val="accent1">
+                    <a:lumOff val="-6117"/>
+                  </a:schemeClr>
+                </a:solidFill>
+                <a:latin typeface="Lato"/>
+                <a:ea typeface="Lato"/>
+                <a:cs typeface="Lato"/>
+                <a:sym typeface="Lato"/>
+              </a:defRPr>
+            </a:pPr>
+            <a:r>
+              <a:t>Get out your </a:t>
+            </a:r>
+            <a:r>
+              <a:rPr>
+                <a:solidFill>
+                  <a:schemeClr val="accent5"/>
+                </a:solidFill>
+              </a:rPr>
+              <a:t>binder</a:t>
+            </a:r>
+            <a:r>
+              <a:t>. Copy </a:t>
+            </a:r>
+            <a:r>
+              <a:rPr>
+                <a:solidFill>
+                  <a:schemeClr val="accent5"/>
+                </a:solidFill>
+              </a:rPr>
+              <a:t>goal</a:t>
+            </a:r>
+            <a:r>
+              <a:t> and </a:t>
+            </a:r>
+            <a:r>
+              <a:rPr>
+                <a:solidFill>
+                  <a:schemeClr val="accent5"/>
+                </a:solidFill>
+              </a:rPr>
+              <a:t>date</a:t>
+            </a:r>
+            <a:r>
+              <a:t>. </a:t>
+            </a:r>
+          </a:p>
+          <a:p>
+            <a:pPr lvl="1" marL="923757" indent="-187157">
+              <a:buSzPct val="100000"/>
+              <a:buAutoNum type="arabicPeriod" startAt="1"/>
+              <a:defRPr b="1">
+                <a:solidFill>
+                  <a:schemeClr val="accent1">
+                    <a:lumOff val="-6117"/>
+                  </a:schemeClr>
+                </a:solidFill>
+                <a:latin typeface="Lato"/>
+                <a:ea typeface="Lato"/>
+                <a:cs typeface="Lato"/>
+                <a:sym typeface="Lato"/>
+              </a:defRPr>
+            </a:pPr>
+            <a:r>
+              <a:t>Read through the </a:t>
+            </a:r>
+            <a:r>
+              <a:rPr>
+                <a:solidFill>
+                  <a:schemeClr val="accent5"/>
+                </a:solidFill>
+              </a:rPr>
+              <a:t>2021 AP penalty points guidelines </a:t>
+            </a:r>
+            <a:r>
+              <a:t>(handout).  This is what AP exam graders use to evaluate free response submissions on the test.</a:t>
+            </a:r>
+          </a:p>
+          <a:p>
+            <a:pPr lvl="1" marL="923757" indent="-187157">
+              <a:buSzPct val="100000"/>
+              <a:buAutoNum type="arabicPeriod" startAt="1"/>
+              <a:defRPr b="1">
+                <a:solidFill>
+                  <a:schemeClr val="accent1">
+                    <a:lumOff val="-6117"/>
+                  </a:schemeClr>
+                </a:solidFill>
+                <a:latin typeface="Lato"/>
+                <a:ea typeface="Lato"/>
+                <a:cs typeface="Lato"/>
+                <a:sym typeface="Lato"/>
+              </a:defRPr>
+            </a:pPr>
+            <a:r>
+              <a:t>Answer the questions below about the guidelines in complete sentences.</a:t>
+            </a:r>
+            <a:endParaRPr>
+              <a:solidFill>
+                <a:srgbClr val="000000"/>
+              </a:solidFill>
+            </a:endParaRPr>
+          </a:p>
+          <a:p>
+            <a:pPr>
+              <a:defRPr>
+                <a:solidFill>
+                  <a:schemeClr val="accent5"/>
+                </a:solidFill>
+                <a:latin typeface="Lato"/>
+                <a:ea typeface="Lato"/>
+                <a:cs typeface="Lato"/>
+                <a:sym typeface="Lato"/>
+              </a:defRPr>
+            </a:pPr>
+          </a:p>
+          <a:p>
+            <a:pPr lvl="1" marL="868945" indent="-233947">
+              <a:buSzPct val="100000"/>
+              <a:buAutoNum type="alphaUcPeriod" startAt="1"/>
+              <a:defRPr>
+                <a:solidFill>
+                  <a:schemeClr val="accent5"/>
+                </a:solidFill>
+                <a:latin typeface="Lato"/>
+                <a:ea typeface="Lato"/>
+                <a:cs typeface="Lato"/>
+                <a:sym typeface="Lato"/>
+              </a:defRPr>
+            </a:pPr>
+            <a:r>
+              <a:t>What do you think </a:t>
+            </a:r>
+            <a:r>
+              <a:rPr>
+                <a:solidFill>
+                  <a:schemeClr val="accent3">
+                    <a:lumOff val="-9098"/>
+                  </a:schemeClr>
+                </a:solidFill>
+              </a:rPr>
+              <a:t>structure clearly conveys intent</a:t>
+            </a:r>
+            <a:r>
+              <a:t> means?</a:t>
+            </a:r>
+          </a:p>
+          <a:p>
+            <a:pPr lvl="1" marL="868945" indent="-233947">
+              <a:buSzPct val="100000"/>
+              <a:buAutoNum type="alphaUcPeriod" startAt="1"/>
+              <a:defRPr>
+                <a:solidFill>
+                  <a:schemeClr val="accent5"/>
+                </a:solidFill>
+                <a:latin typeface="Lato"/>
+                <a:ea typeface="Lato"/>
+                <a:cs typeface="Lato"/>
+                <a:sym typeface="Lato"/>
+              </a:defRPr>
+            </a:pPr>
+            <a:r>
+              <a:t>Do you lose a point if two variables are used but only one is declared? Explain why or why not.</a:t>
+            </a:r>
+          </a:p>
+          <a:p>
+            <a:pPr lvl="1" marL="868945" indent="-233947">
+              <a:buSzPct val="100000"/>
+              <a:buAutoNum type="alphaUcPeriod" startAt="1"/>
+              <a:defRPr>
+                <a:solidFill>
+                  <a:schemeClr val="accent5"/>
+                </a:solidFill>
+                <a:latin typeface="Lato"/>
+                <a:ea typeface="Lato"/>
+                <a:cs typeface="Lato"/>
+                <a:sym typeface="Lato"/>
+              </a:defRPr>
+            </a:pPr>
+            <a:r>
+              <a:t>What are three remaining questions you have about the scoring criteria?</a:t>
+            </a:r>
+          </a:p>
+        </p:txBody>
+      </p:sp>
+    </p:spTree>
+  </p:cSld>
+  <p:clrMapOvr>
+    <a:masterClrMapping/>
+  </p:clrMapOvr>
+  <p:transition xmlns:p14="http://schemas.microsoft.com/office/powerpoint/2010/main" spd="med" advClick="1"/>
 </p:sld>
 </file>
 
@@ -6502,7 +6774,7 @@
       </p:grpSpPr>
       <p:sp>
         <p:nvSpPr>
-          <p:cNvPr id="197" name="framing…"/>
+          <p:cNvPr id="192" name="framing…"/>
           <p:cNvSpPr txBox="1"/>
           <p:nvPr/>
         </p:nvSpPr>
@@ -6531,11 +6803,11 @@
           </a:bodyPr>
           <a:lstStyle/>
           <a:p>
-            <a:pPr defTabSz="886968">
+            <a:pPr defTabSz="868680">
               <a:lnSpc>
                 <a:spcPct val="115000"/>
               </a:lnSpc>
-              <a:defRPr b="1" sz="1746">
+              <a:defRPr b="1" sz="1710">
                 <a:solidFill>
                   <a:schemeClr val="accent5"/>
                 </a:solidFill>
@@ -6550,7 +6822,7 @@
             </a:r>
           </a:p>
           <a:p>
-            <a:pPr marL="443484" indent="-332613" defTabSz="886968">
+            <a:pPr marL="434340" indent="-325754" defTabSz="868680">
               <a:lnSpc>
                 <a:spcPct val="115000"/>
               </a:lnSpc>
@@ -6560,7 +6832,7 @@
               <a:buSzPts val="1700"/>
               <a:buFont typeface="Helvetica"/>
               <a:buChar char="●"/>
-              <a:defRPr b="1" sz="1746">
+              <a:defRPr b="1" sz="1710">
                 <a:solidFill>
                   <a:srgbClr val="000000"/>
                 </a:solidFill>
@@ -6575,12 +6847,12 @@
             </a:r>
             <a:r>
               <a:rPr b="0"/>
-              <a:t> use the How To Solve It method to tackle free response problems</a:t>
+              <a:t> use AP scoring guidelines to self-assess on free response questions</a:t>
             </a:r>
             <a:endParaRPr b="0"/>
           </a:p>
           <a:p>
-            <a:pPr marL="443484" indent="-332613" defTabSz="886968">
+            <a:pPr marL="434340" indent="-325754" defTabSz="868680">
               <a:lnSpc>
                 <a:spcPct val="115000"/>
               </a:lnSpc>
@@ -6590,7 +6862,7 @@
               <a:buSzPts val="1700"/>
               <a:buFont typeface="Helvetica"/>
               <a:buChar char="●"/>
-              <a:defRPr b="1" sz="1746">
+              <a:defRPr b="1" sz="1710">
                 <a:solidFill>
                   <a:srgbClr val="000000"/>
                 </a:solidFill>
@@ -6605,12 +6877,12 @@
             </a:r>
             <a:r>
               <a:rPr b="0"/>
-              <a:t> This method helps organize how we solve free response problems</a:t>
+              <a:t> This will help you understand what a good answer looks like on AP free response questions.</a:t>
             </a:r>
             <a:endParaRPr b="0"/>
           </a:p>
           <a:p>
-            <a:pPr marL="443484" indent="-332613" defTabSz="886968">
+            <a:pPr marL="434340" indent="-325754" defTabSz="868680">
               <a:lnSpc>
                 <a:spcPct val="115000"/>
               </a:lnSpc>
@@ -6620,7 +6892,7 @@
               <a:buSzPts val="1700"/>
               <a:buFont typeface="Helvetica"/>
               <a:buChar char="●"/>
-              <a:defRPr b="1" sz="1746">
+              <a:defRPr b="1" sz="1710">
                 <a:solidFill>
                   <a:srgbClr val="000000"/>
                 </a:solidFill>
@@ -6642,7 +6914,7 @@
       </p:sp>
       <p:pic>
         <p:nvPicPr>
-          <p:cNvPr id="198" name="Image" descr="Image"/>
+          <p:cNvPr id="193" name="Image" descr="Image"/>
           <p:cNvPicPr>
             <a:picLocks noChangeAspect="1"/>
           </p:cNvPicPr>
@@ -6708,7 +6980,7 @@
                                       <p:cBhvr>
                                         <p:cTn id="6" fill="hold"/>
                                         <p:tgtEl>
-                                          <p:spTgt spid="197">
+                                          <p:spTgt spid="192">
                                             <p:bg/>
                                           </p:spTgt>
                                         </p:tgtEl>
@@ -6736,7 +7008,7 @@
                                       <p:cBhvr>
                                         <p:cTn id="8" fill="hold"/>
                                         <p:tgtEl>
-                                          <p:spTgt spid="197">
+                                          <p:spTgt spid="192">
                                             <p:txEl>
                                               <p:pRg st="0" end="0"/>
                                             </p:txEl>
@@ -6784,7 +7056,7 @@
                                       <p:cBhvr>
                                         <p:cTn id="12" fill="hold"/>
                                         <p:tgtEl>
-                                          <p:spTgt spid="197">
+                                          <p:spTgt spid="192">
                                             <p:txEl>
                                               <p:pRg st="1" end="1"/>
                                             </p:txEl>
@@ -6832,7 +7104,7 @@
                                       <p:cBhvr>
                                         <p:cTn id="16" fill="hold"/>
                                         <p:tgtEl>
-                                          <p:spTgt spid="197">
+                                          <p:spTgt spid="192">
                                             <p:txEl>
                                               <p:pRg st="2" end="2"/>
                                             </p:txEl>
@@ -6880,7 +7152,7 @@
                                       <p:cBhvr>
                                         <p:cTn id="20" fill="hold"/>
                                         <p:tgtEl>
-                                          <p:spTgt spid="197">
+                                          <p:spTgt spid="192">
                                             <p:txEl>
                                               <p:pRg st="3" end="3"/>
                                             </p:txEl>
@@ -6925,7 +7197,7 @@
       </p:par>
     </p:tnLst>
     <p:bldLst>
-      <p:bldP build="p" bldLvl="5" animBg="1" rev="0" advAuto="0" spid="197" grpId="1"/>
+      <p:bldP build="p" bldLvl="5" animBg="1" rev="0" advAuto="0" spid="192" grpId="1"/>
     </p:bldLst>
   </p:timing>
 </p:sld>
@@ -6950,7 +7222,476 @@
       </p:grpSpPr>
       <p:sp>
         <p:nvSpPr>
-          <p:cNvPr id="200" name="Double-click to edit"/>
+          <p:cNvPr id="195" name="Warm up"/>
+          <p:cNvSpPr txBox="1"/>
+          <p:nvPr>
+            <p:ph type="title"/>
+          </p:nvPr>
+        </p:nvSpPr>
+        <p:spPr>
+          <a:prstGeom prst="rect">
+            <a:avLst/>
+          </a:prstGeom>
+        </p:spPr>
+        <p:txBody>
+          <a:bodyPr/>
+          <a:lstStyle>
+            <a:lvl1pPr defTabSz="886968">
+              <a:defRPr sz="2910"/>
+            </a:lvl1pPr>
+          </a:lstStyle>
+          <a:p>
+            <a:pPr/>
+            <a:r>
+              <a:t>Warm up</a:t>
+            </a:r>
+          </a:p>
+        </p:txBody>
+      </p:sp>
+      <p:sp>
+        <p:nvSpPr>
+          <p:cNvPr id="196" name="The divBySum method is intended to return the sum of all the elements in the int array parameter arr that are divisible by the int parameter num. Consider the following examples, in which the array arr contains {4, 1, 3, 6, 2, 9}.…"/>
+          <p:cNvSpPr txBox="1"/>
+          <p:nvPr/>
+        </p:nvSpPr>
+        <p:spPr>
+          <a:xfrm>
+            <a:off x="1184566" y="1760760"/>
+            <a:ext cx="6774868" cy="2319438"/>
+          </a:xfrm>
+          <a:prstGeom prst="rect">
+            <a:avLst/>
+          </a:prstGeom>
+          <a:ln w="12700">
+            <a:miter lim="400000"/>
+          </a:ln>
+          <a:extLst>
+            <a:ext uri="{C572A759-6A51-4108-AA02-DFA0A04FC94B}">
+              <ma14:wrappingTextBoxFlag xmlns:ma14="http://schemas.microsoft.com/office/mac/drawingml/2011/main" val="1"/>
+            </a:ext>
+          </a:extLst>
+        </p:spPr>
+        <p:txBody>
+          <a:bodyPr lIns="0" tIns="0" rIns="0" bIns="0">
+            <a:spAutoFit/>
+          </a:bodyPr>
+          <a:lstStyle/>
+          <a:p>
+            <a:pPr defTabSz="457200">
+              <a:spcBef>
+                <a:spcPts val="1400"/>
+              </a:spcBef>
+              <a:defRPr sz="1200">
+                <a:solidFill>
+                  <a:srgbClr val="333333"/>
+                </a:solidFill>
+              </a:defRPr>
+            </a:pPr>
+            <a:r>
+              <a:t>The </a:t>
+            </a:r>
+            <a:r>
+              <a:rPr>
+                <a:latin typeface="Menlo Regular"/>
+                <a:ea typeface="Menlo Regular"/>
+                <a:cs typeface="Menlo Regular"/>
+                <a:sym typeface="Menlo Regular"/>
+              </a:rPr>
+              <a:t>divBySum</a:t>
+            </a:r>
+            <a:r>
+              <a:t> method is intended to return the sum of all the elements in the </a:t>
+            </a:r>
+            <a:r>
+              <a:rPr>
+                <a:latin typeface="Menlo Regular"/>
+                <a:ea typeface="Menlo Regular"/>
+                <a:cs typeface="Menlo Regular"/>
+                <a:sym typeface="Menlo Regular"/>
+              </a:rPr>
+              <a:t>int</a:t>
+            </a:r>
+            <a:r>
+              <a:t> array parameter </a:t>
+            </a:r>
+            <a:r>
+              <a:rPr>
+                <a:latin typeface="Menlo Regular"/>
+                <a:ea typeface="Menlo Regular"/>
+                <a:cs typeface="Menlo Regular"/>
+                <a:sym typeface="Menlo Regular"/>
+              </a:rPr>
+              <a:t>arr</a:t>
+            </a:r>
+            <a:r>
+              <a:t> that are divisible by the </a:t>
+            </a:r>
+            <a:r>
+              <a:rPr>
+                <a:latin typeface="Menlo Regular"/>
+                <a:ea typeface="Menlo Regular"/>
+                <a:cs typeface="Menlo Regular"/>
+                <a:sym typeface="Menlo Regular"/>
+              </a:rPr>
+              <a:t>int</a:t>
+            </a:r>
+            <a:r>
+              <a:t> parameter </a:t>
+            </a:r>
+            <a:r>
+              <a:rPr>
+                <a:latin typeface="Menlo Regular"/>
+                <a:ea typeface="Menlo Regular"/>
+                <a:cs typeface="Menlo Regular"/>
+                <a:sym typeface="Menlo Regular"/>
+              </a:rPr>
+              <a:t>num</a:t>
+            </a:r>
+            <a:r>
+              <a:t>. Consider the following examples, in which the array </a:t>
+            </a:r>
+            <a:r>
+              <a:rPr>
+                <a:latin typeface="Menlo Regular"/>
+                <a:ea typeface="Menlo Regular"/>
+                <a:cs typeface="Menlo Regular"/>
+                <a:sym typeface="Menlo Regular"/>
+              </a:rPr>
+              <a:t>arr</a:t>
+            </a:r>
+            <a:r>
+              <a:t> contains </a:t>
+            </a:r>
+            <a:r>
+              <a:rPr>
+                <a:latin typeface="Menlo Regular"/>
+                <a:ea typeface="Menlo Regular"/>
+                <a:cs typeface="Menlo Regular"/>
+                <a:sym typeface="Menlo Regular"/>
+              </a:rPr>
+              <a:t>{4, 1, 3, 6, 2, 9}</a:t>
+            </a:r>
+            <a:r>
+              <a:t>.</a:t>
+            </a:r>
+          </a:p>
+          <a:p>
+            <a:pPr marL="457200" indent="-317500" defTabSz="457200">
+              <a:buClr>
+                <a:srgbClr val="333333"/>
+              </a:buClr>
+              <a:buSzPct val="100000"/>
+              <a:buFont typeface="Helvetica"/>
+              <a:buChar char="•"/>
+              <a:defRPr sz="1200">
+                <a:solidFill>
+                  <a:srgbClr val="333333"/>
+                </a:solidFill>
+              </a:defRPr>
+            </a:pPr>
+            <a:r>
+              <a:t>	The call </a:t>
+            </a:r>
+            <a:r>
+              <a:rPr>
+                <a:latin typeface="Menlo Regular"/>
+                <a:ea typeface="Menlo Regular"/>
+                <a:cs typeface="Menlo Regular"/>
+                <a:sym typeface="Menlo Regular"/>
+              </a:rPr>
+              <a:t>divBySum(arr, 3)</a:t>
+            </a:r>
+            <a:r>
+              <a:t> will return </a:t>
+            </a:r>
+            <a:r>
+              <a:rPr>
+                <a:latin typeface="Menlo Regular"/>
+                <a:ea typeface="Menlo Regular"/>
+                <a:cs typeface="Menlo Regular"/>
+                <a:sym typeface="Menlo Regular"/>
+              </a:rPr>
+              <a:t>18</a:t>
+            </a:r>
+            <a:r>
+              <a:t>, which is the sum of </a:t>
+            </a:r>
+            <a:r>
+              <a:rPr>
+                <a:latin typeface="Menlo Regular"/>
+                <a:ea typeface="Menlo Regular"/>
+                <a:cs typeface="Menlo Regular"/>
+                <a:sym typeface="Menlo Regular"/>
+              </a:rPr>
+              <a:t>3</a:t>
+            </a:r>
+            <a:r>
+              <a:t>, </a:t>
+            </a:r>
+            <a:r>
+              <a:rPr>
+                <a:latin typeface="Menlo Regular"/>
+                <a:ea typeface="Menlo Regular"/>
+                <a:cs typeface="Menlo Regular"/>
+                <a:sym typeface="Menlo Regular"/>
+              </a:rPr>
+              <a:t>6</a:t>
+            </a:r>
+            <a:r>
+              <a:t>, and </a:t>
+            </a:r>
+            <a:r>
+              <a:rPr>
+                <a:latin typeface="Menlo Regular"/>
+                <a:ea typeface="Menlo Regular"/>
+                <a:cs typeface="Menlo Regular"/>
+                <a:sym typeface="Menlo Regular"/>
+              </a:rPr>
+              <a:t>9</a:t>
+            </a:r>
+            <a:r>
+              <a:t>, since those are the only integers in </a:t>
+            </a:r>
+            <a:r>
+              <a:rPr>
+                <a:latin typeface="Menlo Regular"/>
+                <a:ea typeface="Menlo Regular"/>
+                <a:cs typeface="Menlo Regular"/>
+                <a:sym typeface="Menlo Regular"/>
+              </a:rPr>
+              <a:t>arr</a:t>
+            </a:r>
+            <a:r>
+              <a:t> that are divisible by </a:t>
+            </a:r>
+            <a:r>
+              <a:rPr>
+                <a:latin typeface="Menlo Regular"/>
+                <a:ea typeface="Menlo Regular"/>
+                <a:cs typeface="Menlo Regular"/>
+                <a:sym typeface="Menlo Regular"/>
+              </a:rPr>
+              <a:t>3</a:t>
+            </a:r>
+            <a:r>
+              <a:t>.</a:t>
+            </a:r>
+          </a:p>
+          <a:p>
+            <a:pPr marL="457200" indent="-317500" defTabSz="457200">
+              <a:buClr>
+                <a:srgbClr val="333333"/>
+              </a:buClr>
+              <a:buSzPct val="100000"/>
+              <a:buFont typeface="Helvetica"/>
+              <a:buChar char="•"/>
+              <a:defRPr sz="1200">
+                <a:solidFill>
+                  <a:srgbClr val="333333"/>
+                </a:solidFill>
+              </a:defRPr>
+            </a:pPr>
+            <a:r>
+              <a:t>	The call </a:t>
+            </a:r>
+            <a:r>
+              <a:rPr>
+                <a:latin typeface="Menlo Regular"/>
+                <a:ea typeface="Menlo Regular"/>
+                <a:cs typeface="Menlo Regular"/>
+                <a:sym typeface="Menlo Regular"/>
+              </a:rPr>
+              <a:t>divBySum(arr, 5)</a:t>
+            </a:r>
+            <a:r>
+              <a:t> will return </a:t>
+            </a:r>
+            <a:r>
+              <a:rPr>
+                <a:latin typeface="Menlo Regular"/>
+                <a:ea typeface="Menlo Regular"/>
+                <a:cs typeface="Menlo Regular"/>
+                <a:sym typeface="Menlo Regular"/>
+              </a:rPr>
+              <a:t>0</a:t>
+            </a:r>
+            <a:r>
+              <a:t>, since none of the integers in </a:t>
+            </a:r>
+            <a:r>
+              <a:rPr>
+                <a:latin typeface="Menlo Regular"/>
+                <a:ea typeface="Menlo Regular"/>
+                <a:cs typeface="Menlo Regular"/>
+                <a:sym typeface="Menlo Regular"/>
+              </a:rPr>
+              <a:t>arr</a:t>
+            </a:r>
+            <a:r>
+              <a:t> are divisible by </a:t>
+            </a:r>
+            <a:r>
+              <a:rPr>
+                <a:latin typeface="Menlo Regular"/>
+                <a:ea typeface="Menlo Regular"/>
+                <a:cs typeface="Menlo Regular"/>
+                <a:sym typeface="Menlo Regular"/>
+              </a:rPr>
+              <a:t>5</a:t>
+            </a:r>
+            <a:r>
+              <a:t>.</a:t>
+            </a:r>
+          </a:p>
+          <a:p>
+            <a:pPr defTabSz="457200">
+              <a:defRPr sz="1200">
+                <a:solidFill>
+                  <a:srgbClr val="333333"/>
+                </a:solidFill>
+              </a:defRPr>
+            </a:pPr>
+          </a:p>
+          <a:p>
+            <a:pPr defTabSz="457200">
+              <a:spcBef>
+                <a:spcPts val="1400"/>
+              </a:spcBef>
+              <a:defRPr sz="1200">
+                <a:solidFill>
+                  <a:srgbClr val="333333"/>
+                </a:solidFill>
+              </a:defRPr>
+            </a:pPr>
+            <a:r>
+              <a:t>Complete the </a:t>
+            </a:r>
+            <a:r>
+              <a:rPr>
+                <a:latin typeface="Menlo Regular"/>
+                <a:ea typeface="Menlo Regular"/>
+                <a:cs typeface="Menlo Regular"/>
+                <a:sym typeface="Menlo Regular"/>
+              </a:rPr>
+              <a:t>divBySum</a:t>
+            </a:r>
+            <a:r>
+              <a:t> method using an enhanced </a:t>
+            </a:r>
+            <a:r>
+              <a:rPr>
+                <a:latin typeface="Menlo Regular"/>
+                <a:ea typeface="Menlo Regular"/>
+                <a:cs typeface="Menlo Regular"/>
+                <a:sym typeface="Menlo Regular"/>
+              </a:rPr>
+              <a:t>for</a:t>
+            </a:r>
+            <a:r>
+              <a:t> loop. Assume that </a:t>
+            </a:r>
+            <a:r>
+              <a:rPr>
+                <a:latin typeface="Menlo Regular"/>
+                <a:ea typeface="Menlo Regular"/>
+                <a:cs typeface="Menlo Regular"/>
+                <a:sym typeface="Menlo Regular"/>
+              </a:rPr>
+              <a:t>arr</a:t>
+            </a:r>
+            <a:r>
+              <a:t> is properly declared and initialized. The method must use an enhanced </a:t>
+            </a:r>
+            <a:r>
+              <a:rPr>
+                <a:latin typeface="Menlo Regular"/>
+                <a:ea typeface="Menlo Regular"/>
+                <a:cs typeface="Menlo Regular"/>
+                <a:sym typeface="Menlo Regular"/>
+              </a:rPr>
+              <a:t>for</a:t>
+            </a:r>
+            <a:r>
+              <a:t> loop to earn full credit.</a:t>
+            </a:r>
+          </a:p>
+        </p:txBody>
+      </p:sp>
+      <p:sp>
+        <p:nvSpPr>
+          <p:cNvPr id="197" name="Be sure to… Silently read through the instructions below to a free response question. Write down any questions in your notes."/>
+          <p:cNvSpPr txBox="1"/>
+          <p:nvPr/>
+        </p:nvSpPr>
+        <p:spPr>
+          <a:xfrm>
+            <a:off x="921902" y="1270155"/>
+            <a:ext cx="7300196" cy="431801"/>
+          </a:xfrm>
+          <a:prstGeom prst="rect">
+            <a:avLst/>
+          </a:prstGeom>
+          <a:ln w="12700">
+            <a:miter lim="400000"/>
+          </a:ln>
+          <a:extLst>
+            <a:ext uri="{C572A759-6A51-4108-AA02-DFA0A04FC94B}">
+              <ma14:wrappingTextBoxFlag xmlns:ma14="http://schemas.microsoft.com/office/mac/drawingml/2011/main" val="1"/>
+            </a:ext>
+          </a:extLst>
+        </p:spPr>
+        <p:txBody>
+          <a:bodyPr lIns="0" tIns="0" rIns="0" bIns="0">
+            <a:spAutoFit/>
+          </a:bodyPr>
+          <a:lstStyle/>
+          <a:p>
+            <a:pPr/>
+            <a:r>
+              <a:rPr>
+                <a:solidFill>
+                  <a:schemeClr val="accent1">
+                    <a:lumOff val="-6117"/>
+                  </a:schemeClr>
+                </a:solidFill>
+              </a:rPr>
+              <a:t>Be sure to…</a:t>
+            </a:r>
+            <a:r>
+              <a:t> Silently read through the instructions below to a free response question. Write down any questions in your notes.</a:t>
+            </a:r>
+          </a:p>
+        </p:txBody>
+      </p:sp>
+    </p:spTree>
+  </p:cSld>
+  <p:clrMapOvr>
+    <a:masterClrMapping/>
+  </p:clrMapOvr>
+  <p:transition xmlns:p14="http://schemas.microsoft.com/office/powerpoint/2010/main" spd="med" advClick="1"/>
+</p:sld>
+</file>
+
+<file path=ppt/slides/slide5.xml><?xml version="1.0" encoding="utf-8"?>
+<p:sld xmlns:a="http://schemas.openxmlformats.org/drawingml/2006/main" xmlns:r="http://schemas.openxmlformats.org/officeDocument/2006/relationships" xmlns:p="http://schemas.openxmlformats.org/presentationml/2006/main" xmlns:m="http://schemas.openxmlformats.org/officeDocument/2006/math" xmlns:a14="http://schemas.microsoft.com/office/drawing/2010/main" showMasterSp="1" showMasterPhAnim="1">
+  <p:cSld>
+    <p:spTree>
+      <p:nvGrpSpPr>
+        <p:cNvPr id="1" name=""/>
+        <p:cNvGrpSpPr/>
+        <p:nvPr/>
+      </p:nvGrpSpPr>
+      <p:grpSpPr>
+        <a:xfrm>
+          <a:off x="0" y="0"/>
+          <a:ext cx="0" cy="0"/>
+          <a:chOff x="0" y="0"/>
+          <a:chExt cx="0" cy="0"/>
+        </a:xfrm>
+      </p:grpSpPr>
+      <p:sp>
+        <p:nvSpPr>
+          <p:cNvPr id="201" name="Double-click to edit"/>
           <p:cNvSpPr txBox="1"/>
           <p:nvPr>
             <p:ph type="title"/>
@@ -6973,7 +7714,7 @@
       </p:sp>
       <p:grpSp>
         <p:nvGrpSpPr>
-          <p:cNvPr id="205" name="Google Shape;118;p19"/>
+          <p:cNvPr id="206" name="Google Shape;118;p19"/>
           <p:cNvGrpSpPr/>
           <p:nvPr/>
         </p:nvGrpSpPr>
@@ -6987,7 +7728,7 @@
         </p:grpSpPr>
         <p:sp>
           <p:nvSpPr>
-            <p:cNvPr id="201" name="Rectangle"/>
+            <p:cNvPr id="202" name="Rectangle"/>
             <p:cNvSpPr/>
             <p:nvPr/>
           </p:nvSpPr>
@@ -7027,7 +7768,7 @@
         </p:sp>
         <p:grpSp>
           <p:nvGrpSpPr>
-            <p:cNvPr id="204" name="Do now…"/>
+            <p:cNvPr id="205" name="Do now…"/>
             <p:cNvGrpSpPr/>
             <p:nvPr/>
           </p:nvGrpSpPr>
@@ -7041,7 +7782,7 @@
           </p:grpSpPr>
           <p:sp>
             <p:nvSpPr>
-              <p:cNvPr id="202" name="Rectangle"/>
+              <p:cNvPr id="203" name="Rectangle"/>
               <p:cNvSpPr/>
               <p:nvPr/>
             </p:nvSpPr>
@@ -7083,7 +7824,7 @@
           </p:sp>
           <p:sp>
             <p:nvSpPr>
-              <p:cNvPr id="203" name="Writing to learn: Practice problem #1"/>
+              <p:cNvPr id="204" name="How to grade a free response question"/>
               <p:cNvSpPr txBox="1"/>
               <p:nvPr/>
             </p:nvSpPr>
@@ -7124,7 +7865,7 @@
               <a:p>
                 <a:pPr/>
                 <a:r>
-                  <a:t>Writing to learn: Practice problem #1 </a:t>
+                  <a:t>How to grade a free response question</a:t>
                 </a:r>
               </a:p>
             </p:txBody>
@@ -7133,79 +7874,14 @@
       </p:grpSp>
       <p:sp>
         <p:nvSpPr>
-          <p:cNvPr id="206" name="text"/>
+          <p:cNvPr id="207" name="Be sure to……"/>
           <p:cNvSpPr txBox="1"/>
           <p:nvPr/>
         </p:nvSpPr>
         <p:spPr>
           <a:xfrm>
-            <a:off x="4402608" y="2463800"/>
-            <a:ext cx="299282" cy="215900"/>
-          </a:xfrm>
-          <a:prstGeom prst="rect">
-            <a:avLst/>
-          </a:prstGeom>
-          <a:ln w="12700">
-            <a:miter lim="400000"/>
-          </a:ln>
-          <a:extLst>
-            <a:ext uri="{C572A759-6A51-4108-AA02-DFA0A04FC94B}">
-              <ma14:wrappingTextBoxFlag xmlns:ma14="http://schemas.microsoft.com/office/mac/drawingml/2011/main" val="1"/>
-            </a:ext>
-          </a:extLst>
-        </p:spPr>
-        <p:txBody>
-          <a:bodyPr wrap="none" lIns="0" tIns="0" rIns="0" bIns="0">
-            <a:spAutoFit/>
-          </a:bodyPr>
-          <a:lstStyle/>
-          <a:p>
-            <a:pPr/>
-            <a:r>
-              <a:t>text</a:t>
-            </a:r>
-          </a:p>
-        </p:txBody>
-      </p:sp>
-      <p:pic>
-        <p:nvPicPr>
-          <p:cNvPr id="207" name="Image" descr="Image"/>
-          <p:cNvPicPr>
-            <a:picLocks noChangeAspect="1"/>
-          </p:cNvPicPr>
-          <p:nvPr/>
-        </p:nvPicPr>
-        <p:blipFill>
-          <a:blip r:embed="rId3">
-            <a:extLst/>
-          </a:blip>
-          <a:stretch>
-            <a:fillRect/>
-          </a:stretch>
-        </p:blipFill>
-        <p:spPr>
-          <a:xfrm>
-            <a:off x="1219838" y="855593"/>
-            <a:ext cx="6664822" cy="1898003"/>
-          </a:xfrm>
-          <a:prstGeom prst="rect">
-            <a:avLst/>
-          </a:prstGeom>
-          <a:ln w="12700">
-            <a:miter lim="400000"/>
-          </a:ln>
-        </p:spPr>
-      </p:pic>
-      <p:sp>
-        <p:nvSpPr>
-          <p:cNvPr id="208" name="Be sure to……"/>
-          <p:cNvSpPr txBox="1"/>
-          <p:nvPr/>
-        </p:nvSpPr>
-        <p:spPr>
-          <a:xfrm>
-            <a:off x="492307" y="3006953"/>
-            <a:ext cx="7419660" cy="1295401"/>
+            <a:off x="1380016" y="1090707"/>
+            <a:ext cx="7772833" cy="1422401"/>
           </a:xfrm>
           <a:prstGeom prst="rect">
             <a:avLst/>
@@ -7226,7 +7902,7 @@
           <a:lstStyle/>
           <a:p>
             <a:pPr>
-              <a:defRPr>
+              <a:defRPr sz="1200">
                 <a:solidFill>
                   <a:schemeClr val="accent5">
                     <a:satOff val="-3088"/>
@@ -7240,8 +7916,10 @@
             </a:r>
           </a:p>
           <a:p>
-            <a:pPr>
-              <a:defRPr>
+            <a:pPr marL="228600" indent="-228600">
+              <a:buSzPct val="100000"/>
+              <a:buAutoNum type="arabicPeriod" startAt="1"/>
+              <a:defRPr sz="1200">
                 <a:solidFill>
                   <a:schemeClr val="accent1">
                     <a:lumOff val="-6117"/>
@@ -7250,84 +7928,886 @@
               </a:defRPr>
             </a:pPr>
             <a:r>
-              <a:t>Work through </a:t>
-            </a:r>
-            <a:r>
-              <a:rPr b="1"/>
-              <a:t>this problem as a group</a:t>
-            </a:r>
-            <a:r>
-              <a:t>.</a:t>
-            </a:r>
-            <a:r>
-              <a:t>Understand the problem</a:t>
-            </a:r>
-            <a:r>
-              <a:t>: Read the instructions in the worksheet carefully. Describe the task your solving in one sentence.</a:t>
+              <a:t>Read the </a:t>
+            </a:r>
+            <a:r>
+              <a:rPr>
+                <a:solidFill>
+                  <a:schemeClr val="accent5"/>
+                </a:solidFill>
+              </a:rPr>
+              <a:t>question scoring rubric</a:t>
+            </a:r>
+            <a:r>
+              <a:t> (below).  </a:t>
             </a:r>
           </a:p>
           <a:p>
             <a:pPr marL="228600" indent="-228600">
               <a:buSzPct val="100000"/>
               <a:buAutoNum type="arabicPeriod" startAt="1"/>
-            </a:pPr>
-            <a:r>
-              <a:t> </a:t>
-            </a:r>
-            <a:r>
-              <a:rPr>
+              <a:defRPr sz="1200">
                 <a:solidFill>
                   <a:schemeClr val="accent1">
                     <a:lumOff val="-6117"/>
                   </a:schemeClr>
                 </a:solidFill>
-              </a:rPr>
-              <a:t>Make a plan</a:t>
-            </a:r>
-            <a:r>
-              <a:t>: Write out a code in pseudocode (again in your notes). </a:t>
+              </a:defRPr>
+            </a:pPr>
+            <a:r>
+              <a:t>Examine the student’s solution (handout).</a:t>
             </a:r>
           </a:p>
           <a:p>
             <a:pPr marL="228600" indent="-228600">
               <a:buSzPct val="100000"/>
               <a:buAutoNum type="arabicPeriod" startAt="1"/>
-            </a:pPr>
-            <a:r>
-              <a:rPr>
+              <a:defRPr sz="1200">
                 <a:solidFill>
                   <a:schemeClr val="accent1">
                     <a:lumOff val="-6117"/>
                   </a:schemeClr>
                 </a:solidFill>
-              </a:rPr>
-              <a:t>Execute your plan</a:t>
-            </a:r>
-            <a:r>
-              <a:t>: Translate your pseudocode into Java. Write it in your worksheet.</a:t>
-            </a:r>
-          </a:p>
-          <a:p>
-            <a:pPr marL="228600" indent="-228600">
+              </a:defRPr>
+            </a:pPr>
+            <a:r>
+              <a:t>On the back page of your worksheet,</a:t>
+            </a:r>
+          </a:p>
+          <a:p>
+            <a:pPr lvl="6" marL="469900" indent="-228600">
               <a:buSzPct val="100000"/>
-              <a:buAutoNum type="arabicPeriod" startAt="1"/>
-            </a:pPr>
-            <a:r>
-              <a:rPr>
+              <a:buAutoNum type="alphaUcPeriod" startAt="1"/>
+              <a:defRPr sz="1200">
                 <a:solidFill>
                   <a:schemeClr val="accent1">
                     <a:lumOff val="-6117"/>
                   </a:schemeClr>
                 </a:solidFill>
+              </a:defRPr>
+            </a:pPr>
+            <a:r>
+              <a:t>use the </a:t>
+            </a:r>
+            <a:r>
+              <a:rPr>
+                <a:solidFill>
+                  <a:schemeClr val="accent5"/>
+                </a:solidFill>
               </a:rPr>
-              <a:t>Review your work</a:t>
-            </a:r>
-            <a:r>
-              <a:t>: Does your code make sense? How do you know?</a:t>
+              <a:t>penalty points guidelines</a:t>
+            </a:r>
+            <a:r>
+              <a:t> and </a:t>
+            </a:r>
+            <a:r>
+              <a:rPr>
+                <a:solidFill>
+                  <a:schemeClr val="accent5"/>
+                </a:solidFill>
+              </a:rPr>
+              <a:t>rubric criteria</a:t>
+            </a:r>
+            <a:r>
+              <a:t> to assign a grade to this student’s work, citing specific reasons to justify your grade.</a:t>
+            </a:r>
+          </a:p>
+          <a:p>
+            <a:pPr lvl="6" marL="469900" indent="-228600">
+              <a:buSzPct val="100000"/>
+              <a:buAutoNum type="alphaUcPeriod" startAt="1"/>
+              <a:defRPr sz="1200">
+                <a:solidFill>
+                  <a:schemeClr val="accent1">
+                    <a:lumOff val="-6117"/>
+                  </a:schemeClr>
+                </a:solidFill>
+              </a:defRPr>
+            </a:pPr>
+            <a:r>
+              <a:t> Remember: You can give points for the reasons below and also take points away.</a:t>
+            </a:r>
+          </a:p>
+          <a:p>
+            <a:pPr marL="228600" indent="-228600">
+              <a:buSzPct val="100000"/>
+              <a:buAutoNum type="arabicPeriod" startAt="1"/>
+              <a:defRPr sz="1200">
+                <a:solidFill>
+                  <a:schemeClr val="accent1">
+                    <a:lumOff val="-6117"/>
+                  </a:schemeClr>
+                </a:solidFill>
+              </a:defRPr>
+            </a:pPr>
+            <a:r>
+              <a:t>Be prepared to share out.</a:t>
             </a:r>
           </a:p>
         </p:txBody>
       </p:sp>
+      <p:pic>
+        <p:nvPicPr>
+          <p:cNvPr id="208" name="original.png.jpeg" descr="original.png.jpeg"/>
+          <p:cNvPicPr>
+            <a:picLocks noChangeAspect="1"/>
+          </p:cNvPicPr>
+          <p:nvPr/>
+        </p:nvPicPr>
+        <p:blipFill>
+          <a:blip r:embed="rId3">
+            <a:extLst/>
+          </a:blip>
+          <a:stretch>
+            <a:fillRect/>
+          </a:stretch>
+        </p:blipFill>
+        <p:spPr>
+          <a:xfrm>
+            <a:off x="5826793" y="2957801"/>
+            <a:ext cx="2877290" cy="1327980"/>
+          </a:xfrm>
+          <a:prstGeom prst="rect">
+            <a:avLst/>
+          </a:prstGeom>
+          <a:ln w="12700">
+            <a:miter lim="400000"/>
+          </a:ln>
+        </p:spPr>
+      </p:pic>
+      <p:sp>
+        <p:nvSpPr>
+          <p:cNvPr id="209" name="Canonical solution:"/>
+          <p:cNvSpPr txBox="1"/>
+          <p:nvPr/>
+        </p:nvSpPr>
+        <p:spPr>
+          <a:xfrm>
+            <a:off x="5737774" y="2631645"/>
+            <a:ext cx="1426643" cy="355601"/>
+          </a:xfrm>
+          <a:prstGeom prst="rect">
+            <a:avLst/>
+          </a:prstGeom>
+          <a:ln w="12700">
+            <a:miter lim="400000"/>
+          </a:ln>
+          <a:extLst>
+            <a:ext uri="{C572A759-6A51-4108-AA02-DFA0A04FC94B}">
+              <ma14:wrappingTextBoxFlag xmlns:ma14="http://schemas.microsoft.com/office/mac/drawingml/2011/main" val="1"/>
+            </a:ext>
+          </a:extLst>
+        </p:spPr>
+        <p:txBody>
+          <a:bodyPr wrap="none" lIns="0" tIns="0" rIns="0" bIns="0">
+            <a:spAutoFit/>
+          </a:bodyPr>
+          <a:lstStyle>
+            <a:lvl1pPr defTabSz="457200">
+              <a:defRPr b="1" sz="1200">
+                <a:solidFill>
+                  <a:srgbClr val="333333"/>
+                </a:solidFill>
+              </a:defRPr>
+            </a:lvl1pPr>
+          </a:lstStyle>
+          <a:p>
+            <a:pPr/>
+            <a:r>
+              <a:t>Canonical solution:</a:t>
+            </a:r>
+          </a:p>
+        </p:txBody>
+      </p:sp>
+      <p:graphicFrame>
+        <p:nvGraphicFramePr>
+          <p:cNvPr id="210" name="Table"/>
+          <p:cNvGraphicFramePr/>
+          <p:nvPr/>
+        </p:nvGraphicFramePr>
+        <p:xfrm>
+          <a:off x="1133744" y="2957801"/>
+          <a:ext cx="5981701" cy="1397001"/>
+        </p:xfrm>
+        <a:graphic xmlns:a="http://schemas.openxmlformats.org/drawingml/2006/main">
+          <a:graphicData uri="http://schemas.openxmlformats.org/drawingml/2006/table">
+            <a:tbl>
+              <a:tblPr firstCol="0" firstRow="1" lastCol="0" lastRow="0" bandCol="0" bandRow="1" rtl="0">
+                <a:tableStyleId>{4C3C2611-4C71-4FC5-86AE-919BDF0F9419}</a:tableStyleId>
+              </a:tblPr>
+              <a:tblGrid>
+                <a:gridCol w="787102"/>
+                <a:gridCol w="1899033"/>
+                <a:gridCol w="1422079"/>
+              </a:tblGrid>
+              <a:tr h="288671">
+                <a:tc>
+                  <a:txBody>
+                    <a:bodyPr/>
+                    <a:lstStyle/>
+                    <a:p>
+                      <a:pPr algn="l" defTabSz="457200">
+                        <a:defRPr b="0" sz="1800">
+                          <a:solidFill>
+                            <a:srgbClr val="000000"/>
+                          </a:solidFill>
+                        </a:defRPr>
+                      </a:pPr>
+                      <a:r>
+                        <a:rPr b="1" sz="800">
+                          <a:latin typeface="Helvetica Neue"/>
+                          <a:ea typeface="Helvetica Neue"/>
+                          <a:cs typeface="Helvetica Neue"/>
+                          <a:sym typeface="Helvetica Neue"/>
+                        </a:rPr>
+                        <a:t>Points earned</a:t>
+                      </a:r>
+                    </a:p>
+                  </a:txBody>
+                  <a:tcPr marL="50800" marR="50800" marT="50800" marB="50800" anchor="t" anchorCtr="0" horzOverflow="overflow">
+                    <a:lnL w="4445">
+                      <a:solidFill>
+                        <a:srgbClr val="000000"/>
+                      </a:solidFill>
+                      <a:miter lim="400000"/>
+                    </a:lnL>
+                    <a:lnR w="4445">
+                      <a:solidFill>
+                        <a:srgbClr val="000000"/>
+                      </a:solidFill>
+                      <a:miter lim="400000"/>
+                    </a:lnR>
+                    <a:lnT w="4445">
+                      <a:solidFill>
+                        <a:srgbClr val="000000"/>
+                      </a:solidFill>
+                      <a:miter lim="400000"/>
+                    </a:lnT>
+                    <a:lnB>
+                      <a:solidFill>
+                        <a:srgbClr val="000000"/>
+                      </a:solidFill>
+                      <a:miter lim="400000"/>
+                    </a:lnB>
+                    <a:solidFill>
+                      <a:srgbClr val="BEC0BF"/>
+                    </a:solidFill>
+                  </a:tcPr>
+                </a:tc>
+                <a:tc>
+                  <a:txBody>
+                    <a:bodyPr/>
+                    <a:lstStyle/>
+                    <a:p>
+                      <a:pPr algn="l" defTabSz="457200">
+                        <a:defRPr b="0" sz="1800">
+                          <a:solidFill>
+                            <a:srgbClr val="000000"/>
+                          </a:solidFill>
+                        </a:defRPr>
+                      </a:pPr>
+                      <a:r>
+                        <a:rPr b="1" sz="800">
+                          <a:latin typeface="Helvetica Neue"/>
+                          <a:ea typeface="Helvetica Neue"/>
+                          <a:cs typeface="Helvetica Neue"/>
+                          <a:sym typeface="Helvetica Neue"/>
+                        </a:rPr>
+                        <a:t>Rubric criteria</a:t>
+                      </a:r>
+                    </a:p>
+                  </a:txBody>
+                  <a:tcPr marL="50800" marR="50800" marT="50800" marB="50800" anchor="t" anchorCtr="0" horzOverflow="overflow">
+                    <a:lnL w="4445">
+                      <a:solidFill>
+                        <a:srgbClr val="000000"/>
+                      </a:solidFill>
+                      <a:miter lim="400000"/>
+                    </a:lnL>
+                    <a:lnR w="4445">
+                      <a:solidFill>
+                        <a:srgbClr val="000000"/>
+                      </a:solidFill>
+                      <a:miter lim="400000"/>
+                    </a:lnR>
+                    <a:lnT w="4445">
+                      <a:solidFill>
+                        <a:srgbClr val="000000"/>
+                      </a:solidFill>
+                      <a:miter lim="400000"/>
+                    </a:lnT>
+                    <a:lnB>
+                      <a:solidFill>
+                        <a:srgbClr val="000000"/>
+                      </a:solidFill>
+                      <a:miter lim="400000"/>
+                    </a:lnB>
+                    <a:solidFill>
+                      <a:srgbClr val="BEC0BF"/>
+                    </a:solidFill>
+                  </a:tcPr>
+                </a:tc>
+                <a:tc>
+                  <a:txBody>
+                    <a:bodyPr/>
+                    <a:lstStyle/>
+                    <a:p>
+                      <a:pPr algn="l" defTabSz="457200">
+                        <a:defRPr b="0" sz="1800">
+                          <a:solidFill>
+                            <a:srgbClr val="000000"/>
+                          </a:solidFill>
+                        </a:defRPr>
+                      </a:pPr>
+                      <a:r>
+                        <a:rPr b="1" sz="800">
+                          <a:latin typeface="Helvetica Neue"/>
+                          <a:ea typeface="Helvetica Neue"/>
+                          <a:cs typeface="Helvetica Neue"/>
+                          <a:sym typeface="Helvetica Neue"/>
+                        </a:rPr>
+                        <a:t>Response does not earn points if it</a:t>
+                      </a:r>
+                    </a:p>
+                  </a:txBody>
+                  <a:tcPr marL="50800" marR="50800" marT="50800" marB="50800" anchor="t" anchorCtr="0" horzOverflow="overflow">
+                    <a:lnL w="4445">
+                      <a:solidFill>
+                        <a:srgbClr val="000000"/>
+                      </a:solidFill>
+                      <a:miter lim="400000"/>
+                    </a:lnL>
+                    <a:lnR w="4445">
+                      <a:solidFill>
+                        <a:srgbClr val="000000"/>
+                      </a:solidFill>
+                      <a:miter lim="400000"/>
+                    </a:lnR>
+                    <a:lnT w="4445">
+                      <a:solidFill>
+                        <a:srgbClr val="000000"/>
+                      </a:solidFill>
+                      <a:miter lim="400000"/>
+                    </a:lnT>
+                    <a:lnB>
+                      <a:solidFill>
+                        <a:srgbClr val="000000"/>
+                      </a:solidFill>
+                      <a:miter lim="400000"/>
+                    </a:lnB>
+                    <a:solidFill>
+                      <a:srgbClr val="BEC0BF"/>
+                    </a:solidFill>
+                  </a:tcPr>
+                </a:tc>
+              </a:tr>
+              <a:tr h="288671">
+                <a:tc>
+                  <a:txBody>
+                    <a:bodyPr/>
+                    <a:lstStyle/>
+                    <a:p>
+                      <a:pPr algn="l" defTabSz="457200">
+                        <a:defRPr sz="1800">
+                          <a:solidFill>
+                            <a:srgbClr val="000000"/>
+                          </a:solidFill>
+                        </a:defRPr>
+                      </a:pPr>
+                      <a:r>
+                        <a:rPr sz="1000">
+                          <a:latin typeface="Helvetica Neue"/>
+                          <a:ea typeface="Helvetica Neue"/>
+                          <a:cs typeface="Helvetica Neue"/>
+                          <a:sym typeface="Helvetica Neue"/>
+                        </a:rPr>
+                        <a:t>+1</a:t>
+                      </a:r>
+                    </a:p>
+                  </a:txBody>
+                  <a:tcPr marL="50800" marR="50800" marT="50800" marB="50800" anchor="t" anchorCtr="0" horzOverflow="overflow">
+                    <a:lnL w="4445">
+                      <a:solidFill>
+                        <a:srgbClr val="000000"/>
+                      </a:solidFill>
+                      <a:miter lim="400000"/>
+                    </a:lnL>
+                    <a:lnR>
+                      <a:solidFill>
+                        <a:srgbClr val="000000"/>
+                      </a:solidFill>
+                      <a:miter lim="400000"/>
+                    </a:lnR>
+                    <a:lnT>
+                      <a:solidFill>
+                        <a:srgbClr val="000000"/>
+                      </a:solidFill>
+                      <a:miter lim="400000"/>
+                    </a:lnT>
+                    <a:lnB w="4445">
+                      <a:solidFill>
+                        <a:srgbClr val="000000"/>
+                      </a:solidFill>
+                      <a:miter lim="400000"/>
+                    </a:lnB>
+                    <a:noFill/>
+                  </a:tcPr>
+                </a:tc>
+                <a:tc>
+                  <a:txBody>
+                    <a:bodyPr/>
+                    <a:lstStyle/>
+                    <a:p>
+                      <a:pPr algn="l" defTabSz="457200">
+                        <a:defRPr sz="800">
+                          <a:solidFill>
+                            <a:srgbClr val="000000"/>
+                          </a:solidFill>
+                          <a:latin typeface="Helvetica Neue"/>
+                          <a:ea typeface="Helvetica Neue"/>
+                          <a:cs typeface="Helvetica Neue"/>
+                          <a:sym typeface="Helvetica Neue"/>
+                        </a:defRPr>
+                      </a:pPr>
+                      <a:r>
+                        <a:t>Traverse all elements of </a:t>
+                      </a:r>
+                      <a:r>
+                        <a:rPr>
+                          <a:latin typeface="Courier New"/>
+                          <a:ea typeface="Courier New"/>
+                          <a:cs typeface="Courier New"/>
+                          <a:sym typeface="Courier New"/>
+                        </a:rPr>
+                        <a:t>arr</a:t>
+                      </a:r>
+                      <a:r>
+                        <a:t> using an enhanced for loop</a:t>
+                      </a:r>
+                    </a:p>
+                  </a:txBody>
+                  <a:tcPr marL="50800" marR="50800" marT="50800" marB="50800" anchor="t" anchorCtr="0" horzOverflow="overflow">
+                    <a:lnL>
+                      <a:solidFill>
+                        <a:srgbClr val="000000"/>
+                      </a:solidFill>
+                      <a:miter lim="400000"/>
+                    </a:lnL>
+                    <a:lnR>
+                      <a:solidFill>
+                        <a:srgbClr val="000000"/>
+                      </a:solidFill>
+                      <a:miter lim="400000"/>
+                    </a:lnR>
+                    <a:lnT>
+                      <a:solidFill>
+                        <a:srgbClr val="000000"/>
+                      </a:solidFill>
+                      <a:miter lim="400000"/>
+                    </a:lnT>
+                    <a:lnB>
+                      <a:solidFill>
+                        <a:srgbClr val="000000"/>
+                      </a:solidFill>
+                      <a:miter lim="400000"/>
+                    </a:lnB>
+                    <a:noFill/>
+                  </a:tcPr>
+                </a:tc>
+                <a:tc>
+                  <a:txBody>
+                    <a:bodyPr/>
+                    <a:lstStyle/>
+                    <a:p>
+                      <a:pPr algn="l" defTabSz="457200">
+                        <a:defRPr sz="1800">
+                          <a:solidFill>
+                            <a:srgbClr val="000000"/>
+                          </a:solidFill>
+                        </a:defRPr>
+                      </a:pPr>
+                      <a:r>
+                        <a:rPr sz="800">
+                          <a:latin typeface="Helvetica Neue"/>
+                          <a:ea typeface="Helvetica Neue"/>
+                          <a:cs typeface="Helvetica Neue"/>
+                          <a:sym typeface="Helvetica Neue"/>
+                        </a:rPr>
+                        <a:t>confuses array access with collection access</a:t>
+                      </a:r>
+                    </a:p>
+                  </a:txBody>
+                  <a:tcPr marL="50800" marR="50800" marT="50800" marB="50800" anchor="t" anchorCtr="0" horzOverflow="overflow">
+                    <a:lnL>
+                      <a:solidFill>
+                        <a:srgbClr val="000000"/>
+                      </a:solidFill>
+                      <a:miter lim="400000"/>
+                    </a:lnL>
+                    <a:lnR w="4445">
+                      <a:solidFill>
+                        <a:srgbClr val="000000"/>
+                      </a:solidFill>
+                      <a:miter lim="400000"/>
+                    </a:lnR>
+                    <a:lnT>
+                      <a:solidFill>
+                        <a:srgbClr val="000000"/>
+                      </a:solidFill>
+                      <a:miter lim="400000"/>
+                    </a:lnT>
+                    <a:lnB w="4445">
+                      <a:solidFill>
+                        <a:srgbClr val="000000"/>
+                      </a:solidFill>
+                      <a:miter lim="400000"/>
+                    </a:lnB>
+                    <a:noFill/>
+                  </a:tcPr>
+                </a:tc>
+              </a:tr>
+              <a:tr h="288671">
+                <a:tc>
+                  <a:txBody>
+                    <a:bodyPr/>
+                    <a:lstStyle/>
+                    <a:p>
+                      <a:pPr algn="l" defTabSz="457200">
+                        <a:defRPr sz="1800">
+                          <a:solidFill>
+                            <a:srgbClr val="000000"/>
+                          </a:solidFill>
+                        </a:defRPr>
+                      </a:pPr>
+                      <a:r>
+                        <a:rPr sz="1000">
+                          <a:latin typeface="Helvetica Neue"/>
+                          <a:ea typeface="Helvetica Neue"/>
+                          <a:cs typeface="Helvetica Neue"/>
+                          <a:sym typeface="Helvetica Neue"/>
+                        </a:rPr>
+                        <a:t>+1</a:t>
+                      </a:r>
+                    </a:p>
+                  </a:txBody>
+                  <a:tcPr marL="50800" marR="50800" marT="50800" marB="50800" anchor="t" anchorCtr="0" horzOverflow="overflow">
+                    <a:lnL w="4445">
+                      <a:solidFill>
+                        <a:srgbClr val="000000"/>
+                      </a:solidFill>
+                      <a:miter lim="400000"/>
+                    </a:lnL>
+                    <a:lnR w="4445">
+                      <a:solidFill>
+                        <a:srgbClr val="000000"/>
+                      </a:solidFill>
+                      <a:miter lim="400000"/>
+                    </a:lnR>
+                    <a:lnT w="4445">
+                      <a:solidFill>
+                        <a:srgbClr val="000000"/>
+                      </a:solidFill>
+                      <a:miter lim="400000"/>
+                    </a:lnT>
+                    <a:lnB w="4445">
+                      <a:solidFill>
+                        <a:srgbClr val="000000"/>
+                      </a:solidFill>
+                      <a:miter lim="400000"/>
+                    </a:lnB>
+                    <a:solidFill>
+                      <a:srgbClr val="F5F5F5"/>
+                    </a:solidFill>
+                  </a:tcPr>
+                </a:tc>
+                <a:tc>
+                  <a:txBody>
+                    <a:bodyPr/>
+                    <a:lstStyle/>
+                    <a:p>
+                      <a:pPr algn="l" defTabSz="457200">
+                        <a:defRPr sz="800">
+                          <a:solidFill>
+                            <a:srgbClr val="000000"/>
+                          </a:solidFill>
+                          <a:latin typeface="Helvetica Neue"/>
+                          <a:ea typeface="Helvetica Neue"/>
+                          <a:cs typeface="Helvetica Neue"/>
+                          <a:sym typeface="Helvetica Neue"/>
+                        </a:defRPr>
+                      </a:pPr>
+                      <a:r>
+                        <a:t>Identifies elements in </a:t>
+                      </a:r>
+                      <a:r>
+                        <a:rPr>
+                          <a:latin typeface="Courier New"/>
+                          <a:ea typeface="Courier New"/>
+                          <a:cs typeface="Courier New"/>
+                          <a:sym typeface="Courier New"/>
+                        </a:rPr>
+                        <a:t>arr</a:t>
+                      </a:r>
+                      <a:r>
+                        <a:t> that are divisible by </a:t>
+                      </a:r>
+                      <a:r>
+                        <a:rPr>
+                          <a:latin typeface="Courier New"/>
+                          <a:ea typeface="Courier New"/>
+                          <a:cs typeface="Courier New"/>
+                          <a:sym typeface="Courier New"/>
+                        </a:rPr>
+                        <a:t>num</a:t>
+                      </a:r>
+                      <a:r>
+                        <a:t>.</a:t>
+                      </a:r>
+                    </a:p>
+                  </a:txBody>
+                  <a:tcPr marL="50800" marR="50800" marT="50800" marB="50800" anchor="t" anchorCtr="0" horzOverflow="overflow">
+                    <a:lnL w="4445">
+                      <a:solidFill>
+                        <a:srgbClr val="000000"/>
+                      </a:solidFill>
+                      <a:miter lim="400000"/>
+                    </a:lnL>
+                    <a:lnR w="4445">
+                      <a:solidFill>
+                        <a:srgbClr val="000000"/>
+                      </a:solidFill>
+                      <a:miter lim="400000"/>
+                    </a:lnR>
+                    <a:lnT>
+                      <a:solidFill>
+                        <a:srgbClr val="000000"/>
+                      </a:solidFill>
+                      <a:miter lim="400000"/>
+                    </a:lnT>
+                    <a:lnB w="4445">
+                      <a:solidFill>
+                        <a:srgbClr val="000000"/>
+                      </a:solidFill>
+                      <a:miter lim="400000"/>
+                    </a:lnB>
+                    <a:solidFill>
+                      <a:srgbClr val="F5F5F5"/>
+                    </a:solidFill>
+                  </a:tcPr>
+                </a:tc>
+                <a:tc>
+                  <a:txBody>
+                    <a:bodyPr/>
+                    <a:lstStyle/>
+                    <a:p>
+                      <a:pPr algn="l" defTabSz="457200">
+                        <a:defRPr>
+                          <a:solidFill>
+                            <a:srgbClr val="000000"/>
+                          </a:solidFill>
+                          <a:latin typeface="Helvetica Neue"/>
+                          <a:ea typeface="Helvetica Neue"/>
+                          <a:cs typeface="Helvetica Neue"/>
+                          <a:sym typeface="Helvetica Neue"/>
+                        </a:defRPr>
+                      </a:pPr>
+                    </a:p>
+                  </a:txBody>
+                  <a:tcPr marL="50800" marR="50800" marT="50800" marB="50800" anchor="t" anchorCtr="0" horzOverflow="overflow">
+                    <a:lnL w="4445">
+                      <a:solidFill>
+                        <a:srgbClr val="000000"/>
+                      </a:solidFill>
+                      <a:miter lim="400000"/>
+                    </a:lnL>
+                    <a:lnR w="4445">
+                      <a:solidFill>
+                        <a:srgbClr val="000000"/>
+                      </a:solidFill>
+                      <a:miter lim="400000"/>
+                    </a:lnR>
+                    <a:lnT w="4445">
+                      <a:solidFill>
+                        <a:srgbClr val="000000"/>
+                      </a:solidFill>
+                      <a:miter lim="400000"/>
+                    </a:lnT>
+                    <a:lnB w="4445">
+                      <a:solidFill>
+                        <a:srgbClr val="000000"/>
+                      </a:solidFill>
+                      <a:miter lim="400000"/>
+                    </a:lnB>
+                    <a:solidFill>
+                      <a:srgbClr val="F5F5F5"/>
+                    </a:solidFill>
+                  </a:tcPr>
+                </a:tc>
+              </a:tr>
+              <a:tr h="288671">
+                <a:tc>
+                  <a:txBody>
+                    <a:bodyPr/>
+                    <a:lstStyle/>
+                    <a:p>
+                      <a:pPr algn="l" defTabSz="457200">
+                        <a:defRPr sz="1800">
+                          <a:solidFill>
+                            <a:srgbClr val="000000"/>
+                          </a:solidFill>
+                        </a:defRPr>
+                      </a:pPr>
+                      <a:r>
+                        <a:rPr sz="1000">
+                          <a:latin typeface="Helvetica Neue"/>
+                          <a:ea typeface="Helvetica Neue"/>
+                          <a:cs typeface="Helvetica Neue"/>
+                          <a:sym typeface="Helvetica Neue"/>
+                        </a:rPr>
+                        <a:t>+1</a:t>
+                      </a:r>
+                    </a:p>
+                  </a:txBody>
+                  <a:tcPr marL="50800" marR="50800" marT="50800" marB="50800" anchor="t" anchorCtr="0" horzOverflow="overflow">
+                    <a:lnL w="4445">
+                      <a:solidFill>
+                        <a:srgbClr val="000000"/>
+                      </a:solidFill>
+                      <a:miter lim="400000"/>
+                    </a:lnL>
+                    <a:lnR w="4445">
+                      <a:solidFill>
+                        <a:srgbClr val="000000"/>
+                      </a:solidFill>
+                      <a:miter lim="400000"/>
+                    </a:lnR>
+                    <a:lnT w="4445">
+                      <a:solidFill>
+                        <a:srgbClr val="000000"/>
+                      </a:solidFill>
+                      <a:miter lim="400000"/>
+                    </a:lnT>
+                    <a:lnB w="4445">
+                      <a:solidFill>
+                        <a:srgbClr val="000000"/>
+                      </a:solidFill>
+                      <a:miter lim="400000"/>
+                    </a:lnB>
+                    <a:noFill/>
+                  </a:tcPr>
+                </a:tc>
+                <a:tc>
+                  <a:txBody>
+                    <a:bodyPr/>
+                    <a:lstStyle/>
+                    <a:p>
+                      <a:pPr algn="l" defTabSz="457200">
+                        <a:defRPr sz="800">
+                          <a:solidFill>
+                            <a:srgbClr val="000000"/>
+                          </a:solidFill>
+                          <a:latin typeface="Helvetica Neue"/>
+                          <a:ea typeface="Helvetica Neue"/>
+                          <a:cs typeface="Helvetica Neue"/>
+                          <a:sym typeface="Helvetica Neue"/>
+                        </a:defRPr>
+                      </a:pPr>
+                      <a:r>
+                        <a:t>Correctly increments </a:t>
+                      </a:r>
+                      <a:r>
+                        <a:rPr>
+                          <a:latin typeface="Courier New"/>
+                          <a:ea typeface="Courier New"/>
+                          <a:cs typeface="Courier New"/>
+                          <a:sym typeface="Courier New"/>
+                        </a:rPr>
+                        <a:t>sum</a:t>
+                      </a:r>
+                      <a:r>
+                        <a:t>.</a:t>
+                      </a:r>
+                    </a:p>
+                  </a:txBody>
+                  <a:tcPr marL="50800" marR="50800" marT="50800" marB="50800" anchor="t" anchorCtr="0" horzOverflow="overflow">
+                    <a:lnL w="4445">
+                      <a:solidFill>
+                        <a:srgbClr val="000000"/>
+                      </a:solidFill>
+                      <a:miter lim="400000"/>
+                    </a:lnL>
+                    <a:lnR w="4445">
+                      <a:solidFill>
+                        <a:srgbClr val="000000"/>
+                      </a:solidFill>
+                      <a:miter lim="400000"/>
+                    </a:lnR>
+                    <a:lnT w="4445">
+                      <a:solidFill>
+                        <a:srgbClr val="000000"/>
+                      </a:solidFill>
+                      <a:miter lim="400000"/>
+                    </a:lnT>
+                    <a:lnB w="4445">
+                      <a:solidFill>
+                        <a:srgbClr val="000000"/>
+                      </a:solidFill>
+                      <a:miter lim="400000"/>
+                    </a:lnB>
+                    <a:noFill/>
+                  </a:tcPr>
+                </a:tc>
+                <a:tc>
+                  <a:txBody>
+                    <a:bodyPr/>
+                    <a:lstStyle/>
+                    <a:p>
+                      <a:pPr algn="l" defTabSz="457200">
+                        <a:defRPr>
+                          <a:solidFill>
+                            <a:srgbClr val="000000"/>
+                          </a:solidFill>
+                          <a:latin typeface="Helvetica Neue"/>
+                          <a:ea typeface="Helvetica Neue"/>
+                          <a:cs typeface="Helvetica Neue"/>
+                          <a:sym typeface="Helvetica Neue"/>
+                        </a:defRPr>
+                      </a:pPr>
+                    </a:p>
+                  </a:txBody>
+                  <a:tcPr marL="50800" marR="50800" marT="50800" marB="50800" anchor="t" anchorCtr="0" horzOverflow="overflow">
+                    <a:lnL w="4445">
+                      <a:solidFill>
+                        <a:srgbClr val="000000"/>
+                      </a:solidFill>
+                      <a:miter lim="400000"/>
+                    </a:lnL>
+                    <a:lnR w="4445">
+                      <a:solidFill>
+                        <a:srgbClr val="000000"/>
+                      </a:solidFill>
+                      <a:miter lim="400000"/>
+                    </a:lnR>
+                    <a:lnT w="4445">
+                      <a:solidFill>
+                        <a:srgbClr val="000000"/>
+                      </a:solidFill>
+                      <a:miter lim="400000"/>
+                    </a:lnT>
+                    <a:lnB w="4445">
+                      <a:solidFill>
+                        <a:srgbClr val="000000"/>
+                      </a:solidFill>
+                      <a:miter lim="400000"/>
+                    </a:lnB>
+                    <a:noFill/>
+                  </a:tcPr>
+                </a:tc>
+              </a:tr>
+            </a:tbl>
+          </a:graphicData>
+        </a:graphic>
+      </p:graphicFrame>
     </p:spTree>
   </p:cSld>
   <p:clrMapOvr>
@@ -7367,7 +8847,7 @@
                                       <p:cBhvr>
                                         <p:cTn id="6" fill="hold"/>
                                         <p:tgtEl>
-                                          <p:spTgt spid="208">
+                                          <p:spTgt spid="207">
                                             <p:bg/>
                                           </p:spTgt>
                                         </p:tgtEl>
@@ -7395,7 +8875,7 @@
                                       <p:cBhvr>
                                         <p:cTn id="8" fill="hold"/>
                                         <p:tgtEl>
-                                          <p:spTgt spid="208">
+                                          <p:spTgt spid="207">
                                             <p:txEl>
                                               <p:pRg st="0" end="0"/>
                                             </p:txEl>
@@ -7443,7 +8923,7 @@
                                       <p:cBhvr>
                                         <p:cTn id="12" fill="hold"/>
                                         <p:tgtEl>
-                                          <p:spTgt spid="208">
+                                          <p:spTgt spid="207">
                                             <p:txEl>
                                               <p:pRg st="1" end="1"/>
                                             </p:txEl>
@@ -7491,7 +8971,7 @@
                                       <p:cBhvr>
                                         <p:cTn id="16" fill="hold"/>
                                         <p:tgtEl>
-                                          <p:spTgt spid="208">
+                                          <p:spTgt spid="207">
                                             <p:txEl>
                                               <p:pRg st="2" end="2"/>
                                             </p:txEl>
@@ -7539,7 +9019,7 @@
                                       <p:cBhvr>
                                         <p:cTn id="20" fill="hold"/>
                                         <p:tgtEl>
-                                          <p:spTgt spid="208">
+                                          <p:spTgt spid="207">
                                             <p:txEl>
                                               <p:pRg st="3" end="3"/>
                                             </p:txEl>
@@ -7587,11 +9067,195 @@
                                       <p:cBhvr>
                                         <p:cTn id="24" fill="hold"/>
                                         <p:tgtEl>
-                                          <p:spTgt spid="208">
+                                          <p:spTgt spid="207">
                                             <p:txEl>
                                               <p:pRg st="4" end="4"/>
                                             </p:txEl>
                                           </p:spTgt>
+                                        </p:tgtEl>
+                                        <p:attrNameLst>
+                                          <p:attrName>style.visibility</p:attrName>
+                                        </p:attrNameLst>
+                                      </p:cBhvr>
+                                      <p:to>
+                                        <p:strVal val="visible"/>
+                                      </p:to>
+                                    </p:set>
+                                  </p:childTnLst>
+                                </p:cTn>
+                              </p:par>
+                            </p:childTnLst>
+                          </p:cTn>
+                        </p:par>
+                      </p:childTnLst>
+                    </p:cTn>
+                  </p:par>
+                  <p:par>
+                    <p:cTn id="25" fill="hold">
+                      <p:stCondLst>
+                        <p:cond delay="indefinite"/>
+                      </p:stCondLst>
+                      <p:childTnLst>
+                        <p:par>
+                          <p:cTn id="26" fill="hold">
+                            <p:stCondLst>
+                              <p:cond delay="0"/>
+                            </p:stCondLst>
+                            <p:childTnLst>
+                              <p:par>
+                                <p:cTn id="27" presetClass="entr" nodeType="clickEffect" presetSubtype="0" presetID="1" grpId="1" fill="hold">
+                                  <p:stCondLst>
+                                    <p:cond delay="0"/>
+                                  </p:stCondLst>
+                                  <p:iterate type="el" backwards="0">
+                                    <p:tmAbs val="0"/>
+                                  </p:iterate>
+                                  <p:childTnLst>
+                                    <p:set>
+                                      <p:cBhvr>
+                                        <p:cTn id="28" fill="hold"/>
+                                        <p:tgtEl>
+                                          <p:spTgt spid="207">
+                                            <p:txEl>
+                                              <p:pRg st="5" end="5"/>
+                                            </p:txEl>
+                                          </p:spTgt>
+                                        </p:tgtEl>
+                                        <p:attrNameLst>
+                                          <p:attrName>style.visibility</p:attrName>
+                                        </p:attrNameLst>
+                                      </p:cBhvr>
+                                      <p:to>
+                                        <p:strVal val="visible"/>
+                                      </p:to>
+                                    </p:set>
+                                  </p:childTnLst>
+                                </p:cTn>
+                              </p:par>
+                            </p:childTnLst>
+                          </p:cTn>
+                        </p:par>
+                      </p:childTnLst>
+                    </p:cTn>
+                  </p:par>
+                  <p:par>
+                    <p:cTn id="29" fill="hold">
+                      <p:stCondLst>
+                        <p:cond delay="indefinite"/>
+                      </p:stCondLst>
+                      <p:childTnLst>
+                        <p:par>
+                          <p:cTn id="30" fill="hold">
+                            <p:stCondLst>
+                              <p:cond delay="0"/>
+                            </p:stCondLst>
+                            <p:childTnLst>
+                              <p:par>
+                                <p:cTn id="31" presetClass="entr" nodeType="clickEffect" presetSubtype="0" presetID="1" grpId="1" fill="hold">
+                                  <p:stCondLst>
+                                    <p:cond delay="0"/>
+                                  </p:stCondLst>
+                                  <p:iterate type="el" backwards="0">
+                                    <p:tmAbs val="0"/>
+                                  </p:iterate>
+                                  <p:childTnLst>
+                                    <p:set>
+                                      <p:cBhvr>
+                                        <p:cTn id="32" fill="hold"/>
+                                        <p:tgtEl>
+                                          <p:spTgt spid="207">
+                                            <p:txEl>
+                                              <p:pRg st="6" end="6"/>
+                                            </p:txEl>
+                                          </p:spTgt>
+                                        </p:tgtEl>
+                                        <p:attrNameLst>
+                                          <p:attrName>style.visibility</p:attrName>
+                                        </p:attrNameLst>
+                                      </p:cBhvr>
+                                      <p:to>
+                                        <p:strVal val="visible"/>
+                                      </p:to>
+                                    </p:set>
+                                  </p:childTnLst>
+                                </p:cTn>
+                              </p:par>
+                            </p:childTnLst>
+                          </p:cTn>
+                        </p:par>
+                      </p:childTnLst>
+                    </p:cTn>
+                  </p:par>
+                  <p:par>
+                    <p:cTn id="33" fill="hold">
+                      <p:stCondLst>
+                        <p:cond delay="indefinite"/>
+                      </p:stCondLst>
+                      <p:childTnLst>
+                        <p:par>
+                          <p:cTn id="34" fill="hold">
+                            <p:stCondLst>
+                              <p:cond delay="0"/>
+                            </p:stCondLst>
+                            <p:childTnLst>
+                              <p:par>
+                                <p:cTn id="35" presetClass="entr" nodeType="clickEffect" presetSubtype="0" presetID="1" grpId="2" fill="hold">
+                                  <p:stCondLst>
+                                    <p:cond delay="0"/>
+                                  </p:stCondLst>
+                                  <p:iterate type="el" backwards="0">
+                                    <p:tmAbs val="0"/>
+                                  </p:iterate>
+                                  <p:childTnLst>
+                                    <p:set>
+                                      <p:cBhvr>
+                                        <p:cTn id="36" fill="hold"/>
+                                        <p:tgtEl>
+                                          <p:spTgt spid="209"/>
+                                        </p:tgtEl>
+                                        <p:attrNameLst>
+                                          <p:attrName>style.visibility</p:attrName>
+                                        </p:attrNameLst>
+                                      </p:cBhvr>
+                                      <p:to>
+                                        <p:strVal val="visible"/>
+                                      </p:to>
+                                    </p:set>
+                                  </p:childTnLst>
+                                </p:cTn>
+                              </p:par>
+                            </p:childTnLst>
+                          </p:cTn>
+                        </p:par>
+                      </p:childTnLst>
+                    </p:cTn>
+                  </p:par>
+                  <p:par>
+                    <p:cTn id="37" fill="hold">
+                      <p:stCondLst>
+                        <p:cond delay="indefinite"/>
+                      </p:stCondLst>
+                      <p:childTnLst>
+                        <p:par>
+                          <p:cTn id="38" fill="hold">
+                            <p:stCondLst>
+                              <p:cond delay="0"/>
+                            </p:stCondLst>
+                            <p:childTnLst>
+                              <p:par>
+                                <p:cTn id="39" presetClass="entr" nodeType="clickEffect" presetSubtype="0" presetID="1" grpId="3" fill="hold">
+                                  <p:stCondLst>
+                                    <p:cond delay="0"/>
+                                  </p:stCondLst>
+                                  <p:iterate type="el" backwards="0">
+                                    <p:tmAbs val="0"/>
+                                  </p:iterate>
+                                  <p:childTnLst>
+                                    <p:set>
+                                      <p:cBhvr>
+                                        <p:cTn id="40" fill="hold"/>
+                                        <p:tgtEl>
+                                          <p:spTgt spid="208"/>
                                         </p:tgtEl>
                                         <p:attrNameLst>
                                           <p:attrName>style.visibility</p:attrName>
@@ -7632,13 +9296,15 @@
       </p:par>
     </p:tnLst>
     <p:bldLst>
-      <p:bldP build="p" bldLvl="5" animBg="1" rev="0" advAuto="0" spid="208" grpId="1"/>
+      <p:bldP build="whole" bldLvl="1" animBg="1" rev="0" advAuto="0" spid="209" grpId="2"/>
+      <p:bldP build="whole" bldLvl="1" animBg="1" rev="0" advAuto="0" spid="208" grpId="3"/>
+      <p:bldP build="p" bldLvl="5" animBg="1" rev="0" advAuto="0" spid="207" grpId="1"/>
     </p:bldLst>
   </p:timing>
 </p:sld>
 </file>
 
-<file path=ppt/slides/slide5.xml><?xml version="1.0" encoding="utf-8"?>
+<file path=ppt/slides/slide6.xml><?xml version="1.0" encoding="utf-8"?>
 <p:sld xmlns:a="http://schemas.openxmlformats.org/drawingml/2006/main" xmlns:r="http://schemas.openxmlformats.org/officeDocument/2006/relationships" xmlns:p="http://schemas.openxmlformats.org/presentationml/2006/main" xmlns:m="http://schemas.openxmlformats.org/officeDocument/2006/math" xmlns:a14="http://schemas.microsoft.com/office/drawing/2010/main" showMasterSp="1" showMasterPhAnim="1">
   <p:cSld>
     <p:spTree>
@@ -7657,7 +9323,7 @@
       </p:grpSpPr>
       <p:grpSp>
         <p:nvGrpSpPr>
-          <p:cNvPr id="216" name="Google Shape;118;p19"/>
+          <p:cNvPr id="218" name="Google Shape;118;p19"/>
           <p:cNvGrpSpPr/>
           <p:nvPr/>
         </p:nvGrpSpPr>
@@ -7671,7 +9337,7 @@
         </p:grpSpPr>
         <p:sp>
           <p:nvSpPr>
-            <p:cNvPr id="212" name="Rectangle"/>
+            <p:cNvPr id="214" name="Rectangle"/>
             <p:cNvSpPr/>
             <p:nvPr/>
           </p:nvSpPr>
@@ -7711,7 +9377,7 @@
         </p:sp>
         <p:grpSp>
           <p:nvGrpSpPr>
-            <p:cNvPr id="215" name="Do now…"/>
+            <p:cNvPr id="217" name="Do now…"/>
             <p:cNvGrpSpPr/>
             <p:nvPr/>
           </p:nvGrpSpPr>
@@ -7725,7 +9391,7 @@
           </p:grpSpPr>
           <p:sp>
             <p:nvSpPr>
-              <p:cNvPr id="213" name="Rectangle"/>
+              <p:cNvPr id="215" name="Rectangle"/>
               <p:cNvSpPr/>
               <p:nvPr/>
             </p:nvSpPr>
@@ -7767,7 +9433,7 @@
           </p:sp>
           <p:sp>
             <p:nvSpPr>
-              <p:cNvPr id="214" name="Mini-lesson…"/>
+              <p:cNvPr id="216" name="Mini-lesson…"/>
               <p:cNvSpPr txBox="1"/>
               <p:nvPr/>
             </p:nvSpPr>
@@ -7796,8 +9462,8 @@
                 <a:normAutofit fontScale="100000" lnSpcReduction="0"/>
               </a:bodyPr>
               <a:lstStyle>
-                <a:lvl1pPr defTabSz="502076">
-                  <a:defRPr sz="1979">
+                <a:lvl1pPr defTabSz="507148">
+                  <a:defRPr sz="2000">
                     <a:latin typeface="+mn-lt"/>
                     <a:ea typeface="+mn-ea"/>
                     <a:cs typeface="+mn-cs"/>
@@ -7808,7 +9474,7 @@
               <a:p>
                 <a:pPr/>
                 <a:r>
-                  <a:t>Writing to learn: Practice with free response problems</a:t>
+                  <a:t>Independent work: </a:t>
                 </a:r>
               </a:p>
             </p:txBody>
@@ -7817,14 +9483,14 @@
       </p:grpSp>
       <p:sp>
         <p:nvSpPr>
-          <p:cNvPr id="217" name="Be sure to……"/>
+          <p:cNvPr id="219" name="For each problem on workhseet, be sure to……"/>
           <p:cNvSpPr txBox="1"/>
           <p:nvPr/>
         </p:nvSpPr>
         <p:spPr>
           <a:xfrm>
-            <a:off x="549314" y="1620871"/>
-            <a:ext cx="4093585" cy="2590801"/>
+            <a:off x="970610" y="1601821"/>
+            <a:ext cx="6930241" cy="2654301"/>
           </a:xfrm>
           <a:prstGeom prst="rect">
             <a:avLst/>
@@ -7845,7 +9511,7 @@
           <a:lstStyle/>
           <a:p>
             <a:pPr>
-              <a:defRPr>
+              <a:defRPr sz="1600">
                 <a:solidFill>
                   <a:schemeClr val="accent5">
                     <a:satOff val="-3088"/>
@@ -7855,12 +9521,22 @@
               </a:defRPr>
             </a:pPr>
             <a:r>
-              <a:t>Be sure to…</a:t>
-            </a:r>
-          </a:p>
-          <a:p>
-            <a:pPr>
-              <a:defRPr>
+              <a:rPr>
+                <a:solidFill>
+                  <a:srgbClr val="FF2600"/>
+                </a:solidFill>
+              </a:rPr>
+              <a:t>For each problem on workhseet, </a:t>
+            </a:r>
+            <a:r>
+              <a:t>be sure to…</a:t>
+            </a:r>
+          </a:p>
+          <a:p>
+            <a:pPr marL="228600" indent="-228600">
+              <a:buSzPct val="100000"/>
+              <a:buAutoNum type="arabicPeriod" startAt="1"/>
+              <a:defRPr sz="1600">
                 <a:solidFill>
                   <a:schemeClr val="accent1">
                     <a:lumOff val="-6117"/>
@@ -7869,1696 +9545,187 @@
               </a:defRPr>
             </a:pPr>
             <a:r>
-              <a:t>Work through </a:t>
-            </a:r>
-            <a:r>
-              <a:rPr u="sng"/>
-              <a:t>each remaining problem</a:t>
-            </a:r>
-            <a:r>
-              <a:t> in the worksheet with your partner. For each problem…</a:t>
+              <a:t>Carefully read the </a:t>
+            </a:r>
+            <a:r>
+              <a:rPr>
+                <a:solidFill>
+                  <a:schemeClr val="accent5"/>
+                </a:solidFill>
+              </a:rPr>
+              <a:t>question prompt</a:t>
+            </a:r>
+            <a:r>
+              <a:t>.</a:t>
             </a:r>
           </a:p>
           <a:p>
             <a:pPr marL="228600" indent="-228600">
               <a:buSzPct val="100000"/>
               <a:buAutoNum type="arabicPeriod" startAt="1"/>
-            </a:pPr>
-            <a:r>
-              <a:rPr>
+              <a:defRPr sz="1600">
                 <a:solidFill>
                   <a:schemeClr val="accent1">
                     <a:lumOff val="-6117"/>
                   </a:schemeClr>
                 </a:solidFill>
+              </a:defRPr>
+            </a:pPr>
+            <a:r>
+              <a:t>On </a:t>
+            </a:r>
+            <a:r>
+              <a:rPr>
+                <a:solidFill>
+                  <a:schemeClr val="accent5"/>
+                </a:solidFill>
               </a:rPr>
-              <a:t>Understand the problem</a:t>
-            </a:r>
-            <a:r>
-              <a:t>: Read carefully. Describe the task your solving in one sentence (in notes).</a:t>
+              <a:t>scrap paper</a:t>
+            </a:r>
+            <a:r>
+              <a:t>, make a plan by working out solution using pseudocode.</a:t>
             </a:r>
           </a:p>
           <a:p>
             <a:pPr marL="228600" indent="-228600">
               <a:buSzPct val="100000"/>
               <a:buAutoNum type="arabicPeriod" startAt="1"/>
-            </a:pPr>
-            <a:r>
-              <a:t> </a:t>
-            </a:r>
-            <a:r>
-              <a:rPr>
+              <a:defRPr sz="1600">
                 <a:solidFill>
                   <a:schemeClr val="accent1">
                     <a:lumOff val="-6117"/>
                   </a:schemeClr>
                 </a:solidFill>
+              </a:defRPr>
+            </a:pPr>
+            <a:r>
+              <a:t>Implement your solution in Java (on </a:t>
+            </a:r>
+            <a:r>
+              <a:rPr>
+                <a:solidFill>
+                  <a:schemeClr val="accent5"/>
+                </a:solidFill>
               </a:rPr>
-              <a:t>Make a plan</a:t>
-            </a:r>
-            <a:r>
-              <a:t>: Write out a code in pseudocode (again in your notes). </a:t>
+              <a:t>worksheet</a:t>
+            </a:r>
+            <a:r>
+              <a:t>)</a:t>
             </a:r>
           </a:p>
           <a:p>
             <a:pPr marL="228600" indent="-228600">
               <a:buSzPct val="100000"/>
               <a:buAutoNum type="arabicPeriod" startAt="1"/>
-            </a:pPr>
-            <a:r>
-              <a:rPr>
+              <a:defRPr sz="1600">
                 <a:solidFill>
                   <a:schemeClr val="accent1">
                     <a:lumOff val="-6117"/>
                   </a:schemeClr>
                 </a:solidFill>
-              </a:rPr>
-              <a:t>Execute your plan</a:t>
-            </a:r>
-            <a:r>
-              <a:t>: Translate your pseudocode into Java. Write it in your worksheet.</a:t>
-            </a:r>
-          </a:p>
-          <a:p>
-            <a:pPr marL="228600" indent="-228600">
+              </a:defRPr>
+            </a:pPr>
+            <a:r>
+              <a:t>When you’re finished with a question:</a:t>
+            </a:r>
+          </a:p>
+          <a:p>
+            <a:pPr lvl="6" marL="469900" indent="-228600">
               <a:buSzPct val="100000"/>
-              <a:buAutoNum type="arabicPeriod" startAt="1"/>
-            </a:pPr>
-            <a:r>
-              <a:rPr>
+              <a:buAutoNum type="alphaUcPeriod" startAt="1"/>
+              <a:defRPr sz="1600">
                 <a:solidFill>
                   <a:schemeClr val="accent1">
                     <a:lumOff val="-6117"/>
                   </a:schemeClr>
                 </a:solidFill>
-              </a:rPr>
-              <a:t>Review your work</a:t>
-            </a:r>
-            <a:r>
-              <a:t>: Does your code make sense? How do you know?</a:t>
-            </a:r>
-          </a:p>
-        </p:txBody>
-      </p:sp>
-    </p:spTree>
-  </p:cSld>
-  <p:clrMapOvr>
-    <a:masterClrMapping/>
-  </p:clrMapOvr>
-  <p:transition xmlns:p14="http://schemas.microsoft.com/office/powerpoint/2010/main" spd="med" advClick="1"/>
-</p:sld>
-</file>
-
-<file path=ppt/slides/slide6.xml><?xml version="1.0" encoding="utf-8"?>
-<p:sld xmlns:a="http://schemas.openxmlformats.org/drawingml/2006/main" xmlns:r="http://schemas.openxmlformats.org/officeDocument/2006/relationships" xmlns:p="http://schemas.openxmlformats.org/presentationml/2006/main" xmlns:m="http://schemas.openxmlformats.org/officeDocument/2006/math" xmlns:a14="http://schemas.microsoft.com/office/drawing/2010/main" showMasterSp="1" showMasterPhAnim="1">
-  <p:cSld>
-    <p:spTree>
-      <p:nvGrpSpPr>
-        <p:cNvPr id="1" name=""/>
-        <p:cNvGrpSpPr/>
-        <p:nvPr/>
-      </p:nvGrpSpPr>
-      <p:grpSpPr>
-        <a:xfrm>
-          <a:off x="0" y="0"/>
-          <a:ext cx="0" cy="0"/>
-          <a:chOff x="0" y="0"/>
-          <a:chExt cx="0" cy="0"/>
-        </a:xfrm>
-      </p:grpSpPr>
-      <p:sp>
-        <p:nvSpPr>
-          <p:cNvPr id="219" name="Double-click to edit"/>
-          <p:cNvSpPr txBox="1"/>
-          <p:nvPr>
-            <p:ph type="title"/>
-          </p:nvPr>
-        </p:nvSpPr>
-        <p:spPr>
-          <a:prstGeom prst="rect">
-            <a:avLst/>
-          </a:prstGeom>
-        </p:spPr>
-        <p:txBody>
-          <a:bodyPr/>
-          <a:lstStyle/>
-          <a:p>
-            <a:pPr defTabSz="886968">
-              <a:defRPr sz="2910"/>
-            </a:pPr>
-          </a:p>
-        </p:txBody>
-      </p:sp>
-      <p:grpSp>
-        <p:nvGrpSpPr>
-          <p:cNvPr id="224" name="Google Shape;118;p19"/>
-          <p:cNvGrpSpPr/>
-          <p:nvPr/>
-        </p:nvGrpSpPr>
-        <p:grpSpPr>
-          <a:xfrm>
-            <a:off x="2119861" y="42840"/>
-            <a:ext cx="5092944" cy="745623"/>
-            <a:chOff x="-1" y="0"/>
-            <a:chExt cx="5092942" cy="745622"/>
-          </a:xfrm>
-        </p:grpSpPr>
-        <p:sp>
-          <p:nvSpPr>
-            <p:cNvPr id="220" name="Rectangle"/>
-            <p:cNvSpPr/>
-            <p:nvPr/>
-          </p:nvSpPr>
-          <p:spPr>
-            <a:xfrm>
-              <a:off x="-2" y="0"/>
-              <a:ext cx="4546963" cy="745623"/>
-            </a:xfrm>
-            <a:prstGeom prst="rect">
-              <a:avLst/>
-            </a:prstGeom>
-            <a:noFill/>
-            <a:ln w="25400" cap="flat">
-              <a:solidFill>
-                <a:schemeClr val="accent1"/>
-              </a:solidFill>
-              <a:prstDash val="solid"/>
-              <a:round/>
-            </a:ln>
-            <a:effectLst/>
-          </p:spPr>
-          <p:txBody>
-            <a:bodyPr wrap="square" lIns="0" tIns="0" rIns="0" bIns="0" numCol="1" anchor="t">
-              <a:noAutofit/>
-            </a:bodyPr>
-            <a:lstStyle/>
-            <a:p>
-              <a:pPr defTabSz="795527">
-                <a:defRPr sz="1200">
-                  <a:solidFill>
-                    <a:schemeClr val="accent5"/>
-                  </a:solidFill>
-                </a:defRPr>
-              </a:pPr>
-            </a:p>
-          </p:txBody>
-        </p:sp>
-        <p:grpSp>
-          <p:nvGrpSpPr>
-            <p:cNvPr id="223" name="Do now…"/>
-            <p:cNvGrpSpPr/>
-            <p:nvPr/>
-          </p:nvGrpSpPr>
-          <p:grpSpPr>
-            <a:xfrm>
-              <a:off x="9457" y="9458"/>
-              <a:ext cx="5083485" cy="726706"/>
-              <a:chOff x="0" y="0"/>
-              <a:chExt cx="5083483" cy="726705"/>
-            </a:xfrm>
-          </p:grpSpPr>
-          <p:sp>
-            <p:nvSpPr>
-              <p:cNvPr id="221" name="Rectangle"/>
-              <p:cNvSpPr/>
-              <p:nvPr/>
-            </p:nvSpPr>
-            <p:spPr>
-              <a:xfrm>
-                <a:off x="-1" y="-1"/>
-                <a:ext cx="5083485" cy="726707"/>
-              </a:xfrm>
-              <a:prstGeom prst="rect">
-                <a:avLst/>
-              </a:prstGeom>
-              <a:solidFill>
-                <a:srgbClr val="FFFFFF"/>
-              </a:solidFill>
-              <a:ln w="25400" cap="flat">
-                <a:solidFill>
-                  <a:schemeClr val="accent1"/>
-                </a:solidFill>
-                <a:prstDash val="solid"/>
-                <a:round/>
-              </a:ln>
-              <a:effectLst/>
-            </p:spPr>
-            <p:txBody>
-              <a:bodyPr wrap="square" lIns="0" tIns="0" rIns="0" bIns="0" numCol="1" anchor="t">
-                <a:noAutofit/>
-              </a:bodyPr>
-              <a:lstStyle/>
-              <a:p>
-                <a:pPr defTabSz="507148">
-                  <a:defRPr sz="1300">
-                    <a:solidFill>
-                      <a:schemeClr val="accent5"/>
-                    </a:solidFill>
-                  </a:defRPr>
-                </a:pPr>
-              </a:p>
-            </p:txBody>
-          </p:sp>
-          <p:sp>
-            <p:nvSpPr>
-              <p:cNvPr id="222" name="Practice problem #2…"/>
-              <p:cNvSpPr txBox="1"/>
-              <p:nvPr/>
-            </p:nvSpPr>
-            <p:spPr>
-              <a:xfrm>
-                <a:off x="12699" y="12699"/>
-                <a:ext cx="5058085" cy="701307"/>
-              </a:xfrm>
-              <a:prstGeom prst="rect">
-                <a:avLst/>
-              </a:prstGeom>
-              <a:noFill/>
-              <a:ln w="12700" cap="flat">
-                <a:noFill/>
-                <a:miter lim="400000"/>
-              </a:ln>
-              <a:effectLst/>
-              <a:extLst>
-                <a:ext uri="{C572A759-6A51-4108-AA02-DFA0A04FC94B}">
-                  <ma14:wrappingTextBoxFlag xmlns:ma14="http://schemas.microsoft.com/office/mac/drawingml/2011/main" val="1"/>
-                </a:ext>
-              </a:extLst>
-            </p:spPr>
-            <p:txBody>
-              <a:bodyPr wrap="square" lIns="91421" tIns="91421" rIns="91421" bIns="91421" numCol="1" anchor="t">
-                <a:normAutofit fontScale="100000" lnSpcReduction="0"/>
-              </a:bodyPr>
-              <a:lstStyle/>
-              <a:p>
-                <a:pPr defTabSz="507148">
-                  <a:defRPr sz="2000">
-                    <a:latin typeface="+mn-lt"/>
-                    <a:ea typeface="+mn-ea"/>
-                    <a:cs typeface="+mn-cs"/>
-                    <a:sym typeface="Arial"/>
-                  </a:defRPr>
-                </a:pPr>
-                <a:r>
-                  <a:t>Practice problem #2 </a:t>
-                </a:r>
-              </a:p>
-              <a:p>
-                <a:pPr defTabSz="507148">
-                  <a:defRPr sz="1300">
-                    <a:solidFill>
-                      <a:schemeClr val="accent5"/>
-                    </a:solidFill>
-                  </a:defRPr>
-                </a:pPr>
-                <a:r>
-                  <a:t>be sure to:</a:t>
-                </a:r>
-                <a:r>
-                  <a:rPr>
-                    <a:solidFill>
-                      <a:schemeClr val="accent5">
-                        <a:lumOff val="-9843"/>
-                      </a:schemeClr>
-                    </a:solidFill>
-                  </a:rPr>
-                  <a:t> </a:t>
-                </a:r>
-                <a:r>
-                  <a:rPr>
-                    <a:solidFill>
-                      <a:schemeClr val="accent1"/>
-                    </a:solidFill>
-                  </a:rPr>
-                  <a:t>Review your work. Be prepared to share out!</a:t>
-                </a:r>
-              </a:p>
-            </p:txBody>
-          </p:sp>
-        </p:grpSp>
-      </p:grpSp>
-      <p:sp>
-        <p:nvSpPr>
-          <p:cNvPr id="225" name="text"/>
-          <p:cNvSpPr txBox="1"/>
-          <p:nvPr/>
-        </p:nvSpPr>
-        <p:spPr>
-          <a:xfrm>
-            <a:off x="4402608" y="2463800"/>
-            <a:ext cx="299282" cy="215900"/>
-          </a:xfrm>
-          <a:prstGeom prst="rect">
-            <a:avLst/>
-          </a:prstGeom>
-          <a:ln w="12700">
-            <a:miter lim="400000"/>
-          </a:ln>
-          <a:extLst>
-            <a:ext uri="{C572A759-6A51-4108-AA02-DFA0A04FC94B}">
-              <ma14:wrappingTextBoxFlag xmlns:ma14="http://schemas.microsoft.com/office/mac/drawingml/2011/main" val="1"/>
-            </a:ext>
-          </a:extLst>
-        </p:spPr>
-        <p:txBody>
-          <a:bodyPr wrap="none" lIns="0" tIns="0" rIns="0" bIns="0">
-            <a:spAutoFit/>
-          </a:bodyPr>
-          <a:lstStyle/>
-          <a:p>
-            <a:pPr/>
-            <a:r>
-              <a:t>text</a:t>
-            </a:r>
-          </a:p>
-        </p:txBody>
-      </p:sp>
-      <p:sp>
-        <p:nvSpPr>
-          <p:cNvPr id="226" name="An array of String objects, words, has been properly declared and initialized. Each element of words contains a String consisting of at least 3 lowercase letters (a–z).…"/>
-          <p:cNvSpPr txBox="1"/>
-          <p:nvPr/>
-        </p:nvSpPr>
-        <p:spPr>
-          <a:xfrm>
-            <a:off x="419100" y="1571153"/>
-            <a:ext cx="7261424" cy="2698652"/>
-          </a:xfrm>
-          <a:prstGeom prst="rect">
-            <a:avLst/>
-          </a:prstGeom>
-          <a:ln w="12700">
-            <a:miter lim="400000"/>
-          </a:ln>
-          <a:extLst>
-            <a:ext uri="{C572A759-6A51-4108-AA02-DFA0A04FC94B}">
-              <ma14:wrappingTextBoxFlag xmlns:ma14="http://schemas.microsoft.com/office/mac/drawingml/2011/main" val="1"/>
-            </a:ext>
-          </a:extLst>
-        </p:spPr>
-        <p:txBody>
-          <a:bodyPr lIns="0" tIns="0" rIns="0" bIns="0">
-            <a:spAutoFit/>
-          </a:bodyPr>
-          <a:lstStyle/>
-          <a:p>
-            <a:pPr defTabSz="457200">
-              <a:spcBef>
-                <a:spcPts val="1400"/>
-              </a:spcBef>
-              <a:defRPr>
-                <a:solidFill>
-                  <a:srgbClr val="333333"/>
-                </a:solidFill>
               </a:defRPr>
             </a:pPr>
             <a:r>
-              <a:rPr b="1"/>
-              <a:t> </a:t>
-            </a:r>
-            <a:r>
-              <a:t>An array of </a:t>
+              <a:t>Ask Dr. O’Brien for </a:t>
             </a:r>
             <a:r>
               <a:rPr>
-                <a:latin typeface="Menlo Regular"/>
-                <a:ea typeface="Menlo Regular"/>
-                <a:cs typeface="Menlo Regular"/>
-                <a:sym typeface="Menlo Regular"/>
+                <a:solidFill>
+                  <a:schemeClr val="accent5"/>
+                </a:solidFill>
               </a:rPr>
-              <a:t>String</a:t>
-            </a:r>
-            <a:r>
-              <a:t> objects, </a:t>
-            </a:r>
-            <a:r>
-              <a:rPr>
-                <a:latin typeface="Menlo Regular"/>
-                <a:ea typeface="Menlo Regular"/>
-                <a:cs typeface="Menlo Regular"/>
-                <a:sym typeface="Menlo Regular"/>
-              </a:rPr>
-              <a:t>words</a:t>
-            </a:r>
-            <a:r>
-              <a:t>, has been properly declared and initialized. Each element of </a:t>
-            </a:r>
-            <a:r>
-              <a:rPr>
-                <a:latin typeface="Menlo Regular"/>
-                <a:ea typeface="Menlo Regular"/>
-                <a:cs typeface="Menlo Regular"/>
-                <a:sym typeface="Menlo Regular"/>
-              </a:rPr>
-              <a:t>words</a:t>
-            </a:r>
-            <a:r>
-              <a:t> contains a </a:t>
-            </a:r>
-            <a:r>
-              <a:rPr>
-                <a:latin typeface="Menlo Regular"/>
-                <a:ea typeface="Menlo Regular"/>
-                <a:cs typeface="Menlo Regular"/>
-                <a:sym typeface="Menlo Regular"/>
-              </a:rPr>
-              <a:t>String</a:t>
-            </a:r>
-            <a:r>
-              <a:t> consisting of at least 3 lowercase letters (a–z).</a:t>
-            </a:r>
-          </a:p>
-          <a:p>
-            <a:pPr defTabSz="457200">
-              <a:spcBef>
-                <a:spcPts val="1400"/>
-              </a:spcBef>
-              <a:defRPr>
-                <a:solidFill>
-                  <a:srgbClr val="333333"/>
-                </a:solidFill>
-              </a:defRPr>
-            </a:pPr>
-            <a:r>
-              <a:t>Write a code segment that uses an enhanced </a:t>
-            </a:r>
-            <a:r>
-              <a:rPr>
-                <a:latin typeface="Menlo Regular"/>
-                <a:ea typeface="Menlo Regular"/>
-                <a:cs typeface="Menlo Regular"/>
-                <a:sym typeface="Menlo Regular"/>
-              </a:rPr>
-              <a:t>for</a:t>
-            </a:r>
-            <a:r>
-              <a:t> loop to print all elements of </a:t>
-            </a:r>
-            <a:r>
-              <a:rPr>
-                <a:latin typeface="Menlo Regular"/>
-                <a:ea typeface="Menlo Regular"/>
-                <a:cs typeface="Menlo Regular"/>
-                <a:sym typeface="Menlo Regular"/>
-              </a:rPr>
-              <a:t>words</a:t>
-            </a:r>
-            <a:r>
-              <a:t> that end with </a:t>
-            </a:r>
-            <a:r>
-              <a:rPr>
-                <a:latin typeface="Menlo Regular"/>
-                <a:ea typeface="Menlo Regular"/>
-                <a:cs typeface="Menlo Regular"/>
-                <a:sym typeface="Menlo Regular"/>
-              </a:rPr>
-              <a:t>"ing"</a:t>
-            </a:r>
-            <a:r>
-              <a:t>. As an example, if </a:t>
-            </a:r>
-            <a:r>
-              <a:rPr>
-                <a:latin typeface="Menlo Regular"/>
-                <a:ea typeface="Menlo Regular"/>
-                <a:cs typeface="Menlo Regular"/>
-                <a:sym typeface="Menlo Regular"/>
-              </a:rPr>
-              <a:t>words</a:t>
-            </a:r>
-            <a:r>
-              <a:t> contains </a:t>
-            </a:r>
-            <a:r>
-              <a:rPr>
-                <a:latin typeface="Menlo Regular"/>
-                <a:ea typeface="Menlo Regular"/>
-                <a:cs typeface="Menlo Regular"/>
-                <a:sym typeface="Menlo Regular"/>
-              </a:rPr>
-              <a:t>{"ten", "fading", "post", "card",</a:t>
-            </a:r>
-            <a:r>
-              <a:t> </a:t>
-            </a:r>
-            <a:r>
-              <a:rPr>
-                <a:latin typeface="Menlo Regular"/>
-                <a:ea typeface="Menlo Regular"/>
-                <a:cs typeface="Menlo Regular"/>
-                <a:sym typeface="Menlo Regular"/>
-              </a:rPr>
-              <a:t>"thunder", "hinge", "trailing", "batting"}</a:t>
-            </a:r>
-            <a:r>
-              <a:t>, then the following output should be produced by the code segment.</a:t>
-            </a:r>
-          </a:p>
-          <a:p>
-            <a:pPr defTabSz="457200">
-              <a:defRPr>
-                <a:solidFill>
-                  <a:srgbClr val="333333"/>
-                </a:solidFill>
-                <a:latin typeface="Menlo Regular"/>
-                <a:ea typeface="Menlo Regular"/>
-                <a:cs typeface="Menlo Regular"/>
-                <a:sym typeface="Menlo Regular"/>
-              </a:defRPr>
-            </a:pPr>
-            <a:r>
-              <a:t>fading</a:t>
-            </a:r>
-          </a:p>
-          <a:p>
-            <a:pPr defTabSz="457200">
-              <a:defRPr>
-                <a:solidFill>
-                  <a:srgbClr val="333333"/>
-                </a:solidFill>
-                <a:latin typeface="Menlo Regular"/>
-                <a:ea typeface="Menlo Regular"/>
-                <a:cs typeface="Menlo Regular"/>
-                <a:sym typeface="Menlo Regular"/>
-              </a:defRPr>
-            </a:pPr>
-            <a:r>
-              <a:t>trailing</a:t>
-            </a:r>
-          </a:p>
-          <a:p>
-            <a:pPr defTabSz="457200">
-              <a:defRPr>
-                <a:solidFill>
-                  <a:srgbClr val="333333"/>
-                </a:solidFill>
-                <a:latin typeface="Menlo Regular"/>
-                <a:ea typeface="Menlo Regular"/>
-                <a:cs typeface="Menlo Regular"/>
-                <a:sym typeface="Menlo Regular"/>
-              </a:defRPr>
-            </a:pPr>
-            <a:r>
-              <a:t>batting</a:t>
-            </a:r>
-          </a:p>
-          <a:p>
-            <a:pPr defTabSz="457200">
-              <a:defRPr>
-                <a:solidFill>
-                  <a:srgbClr val="333333"/>
-                </a:solidFill>
-              </a:defRPr>
-            </a:pPr>
-            <a:r>
-              <a:t>Write the code segment as described above. The code segment must use an enhanced </a:t>
-            </a:r>
-            <a:r>
-              <a:rPr>
-                <a:latin typeface="Menlo Regular"/>
-                <a:ea typeface="Menlo Regular"/>
-                <a:cs typeface="Menlo Regular"/>
-                <a:sym typeface="Menlo Regular"/>
-              </a:rPr>
-              <a:t>for</a:t>
-            </a:r>
-            <a:r>
-              <a:t> loop to earn full credit.</a:t>
-            </a:r>
-          </a:p>
-        </p:txBody>
-      </p:sp>
-    </p:spTree>
-  </p:cSld>
-  <p:clrMapOvr>
-    <a:masterClrMapping/>
-  </p:clrMapOvr>
-  <p:transition xmlns:p14="http://schemas.microsoft.com/office/powerpoint/2010/main" spd="med" advClick="1"/>
-</p:sld>
-</file>
-
-<file path=ppt/slides/slide7.xml><?xml version="1.0" encoding="utf-8"?>
-<p:sld xmlns:a="http://schemas.openxmlformats.org/drawingml/2006/main" xmlns:r="http://schemas.openxmlformats.org/officeDocument/2006/relationships" xmlns:p="http://schemas.openxmlformats.org/presentationml/2006/main" xmlns:m="http://schemas.openxmlformats.org/officeDocument/2006/math" xmlns:a14="http://schemas.microsoft.com/office/drawing/2010/main" showMasterSp="1" showMasterPhAnim="1">
-  <p:cSld>
-    <p:spTree>
-      <p:nvGrpSpPr>
-        <p:cNvPr id="1" name=""/>
-        <p:cNvGrpSpPr/>
-        <p:nvPr/>
-      </p:nvGrpSpPr>
-      <p:grpSpPr>
-        <a:xfrm>
-          <a:off x="0" y="0"/>
-          <a:ext cx="0" cy="0"/>
-          <a:chOff x="0" y="0"/>
-          <a:chExt cx="0" cy="0"/>
-        </a:xfrm>
-      </p:grpSpPr>
-      <p:sp>
-        <p:nvSpPr>
-          <p:cNvPr id="230" name="Double-click to edit"/>
-          <p:cNvSpPr txBox="1"/>
-          <p:nvPr>
-            <p:ph type="title"/>
-          </p:nvPr>
-        </p:nvSpPr>
-        <p:spPr>
-          <a:prstGeom prst="rect">
-            <a:avLst/>
-          </a:prstGeom>
-        </p:spPr>
-        <p:txBody>
-          <a:bodyPr/>
-          <a:lstStyle/>
-          <a:p>
-            <a:pPr defTabSz="886968">
-              <a:defRPr sz="2910"/>
-            </a:pPr>
-          </a:p>
-        </p:txBody>
-      </p:sp>
-      <p:grpSp>
-        <p:nvGrpSpPr>
-          <p:cNvPr id="235" name="Google Shape;118;p19"/>
-          <p:cNvGrpSpPr/>
-          <p:nvPr/>
-        </p:nvGrpSpPr>
-        <p:grpSpPr>
-          <a:xfrm>
-            <a:off x="2119861" y="42840"/>
-            <a:ext cx="5092944" cy="745623"/>
-            <a:chOff x="-1" y="0"/>
-            <a:chExt cx="5092942" cy="745622"/>
-          </a:xfrm>
-        </p:grpSpPr>
-        <p:sp>
-          <p:nvSpPr>
-            <p:cNvPr id="231" name="Rectangle"/>
-            <p:cNvSpPr/>
-            <p:nvPr/>
-          </p:nvSpPr>
-          <p:spPr>
-            <a:xfrm>
-              <a:off x="-2" y="0"/>
-              <a:ext cx="4546963" cy="745623"/>
-            </a:xfrm>
-            <a:prstGeom prst="rect">
-              <a:avLst/>
-            </a:prstGeom>
-            <a:noFill/>
-            <a:ln w="25400" cap="flat">
-              <a:solidFill>
-                <a:schemeClr val="accent1"/>
-              </a:solidFill>
-              <a:prstDash val="solid"/>
-              <a:round/>
-            </a:ln>
-            <a:effectLst/>
-          </p:spPr>
-          <p:txBody>
-            <a:bodyPr wrap="square" lIns="0" tIns="0" rIns="0" bIns="0" numCol="1" anchor="t">
-              <a:noAutofit/>
-            </a:bodyPr>
-            <a:lstStyle/>
-            <a:p>
-              <a:pPr defTabSz="795527">
-                <a:defRPr sz="1200">
-                  <a:solidFill>
-                    <a:schemeClr val="accent5"/>
-                  </a:solidFill>
-                </a:defRPr>
-              </a:pPr>
-            </a:p>
-          </p:txBody>
-        </p:sp>
-        <p:grpSp>
-          <p:nvGrpSpPr>
-            <p:cNvPr id="234" name="Do now…"/>
-            <p:cNvGrpSpPr/>
-            <p:nvPr/>
-          </p:nvGrpSpPr>
-          <p:grpSpPr>
-            <a:xfrm>
-              <a:off x="9457" y="9458"/>
-              <a:ext cx="5083485" cy="726706"/>
-              <a:chOff x="0" y="0"/>
-              <a:chExt cx="5083483" cy="726705"/>
-            </a:xfrm>
-          </p:grpSpPr>
-          <p:sp>
-            <p:nvSpPr>
-              <p:cNvPr id="232" name="Rectangle"/>
-              <p:cNvSpPr/>
-              <p:nvPr/>
-            </p:nvSpPr>
-            <p:spPr>
-              <a:xfrm>
-                <a:off x="-1" y="-1"/>
-                <a:ext cx="5083485" cy="726707"/>
-              </a:xfrm>
-              <a:prstGeom prst="rect">
-                <a:avLst/>
-              </a:prstGeom>
-              <a:solidFill>
-                <a:srgbClr val="FFFFFF"/>
-              </a:solidFill>
-              <a:ln w="25400" cap="flat">
-                <a:solidFill>
-                  <a:schemeClr val="accent1"/>
-                </a:solidFill>
-                <a:prstDash val="solid"/>
-                <a:round/>
-              </a:ln>
-              <a:effectLst/>
-            </p:spPr>
-            <p:txBody>
-              <a:bodyPr wrap="square" lIns="0" tIns="0" rIns="0" bIns="0" numCol="1" anchor="t">
-                <a:noAutofit/>
-              </a:bodyPr>
-              <a:lstStyle/>
-              <a:p>
-                <a:pPr defTabSz="507148">
-                  <a:defRPr sz="1300">
-                    <a:solidFill>
-                      <a:schemeClr val="accent5"/>
-                    </a:solidFill>
-                  </a:defRPr>
-                </a:pPr>
-              </a:p>
-            </p:txBody>
-          </p:sp>
-          <p:sp>
-            <p:nvSpPr>
-              <p:cNvPr id="233" name="Practice problem #3a…"/>
-              <p:cNvSpPr txBox="1"/>
-              <p:nvPr/>
-            </p:nvSpPr>
-            <p:spPr>
-              <a:xfrm>
-                <a:off x="12699" y="12699"/>
-                <a:ext cx="5058085" cy="701307"/>
-              </a:xfrm>
-              <a:prstGeom prst="rect">
-                <a:avLst/>
-              </a:prstGeom>
-              <a:noFill/>
-              <a:ln w="12700" cap="flat">
-                <a:noFill/>
-                <a:miter lim="400000"/>
-              </a:ln>
-              <a:effectLst/>
-              <a:extLst>
-                <a:ext uri="{C572A759-6A51-4108-AA02-DFA0A04FC94B}">
-                  <ma14:wrappingTextBoxFlag xmlns:ma14="http://schemas.microsoft.com/office/mac/drawingml/2011/main" val="1"/>
-                </a:ext>
-              </a:extLst>
-            </p:spPr>
-            <p:txBody>
-              <a:bodyPr wrap="square" lIns="91421" tIns="91421" rIns="91421" bIns="91421" numCol="1" anchor="t">
-                <a:normAutofit fontScale="100000" lnSpcReduction="0"/>
-              </a:bodyPr>
-              <a:lstStyle/>
-              <a:p>
-                <a:pPr defTabSz="507148">
-                  <a:defRPr sz="2000">
-                    <a:latin typeface="+mn-lt"/>
-                    <a:ea typeface="+mn-ea"/>
-                    <a:cs typeface="+mn-cs"/>
-                    <a:sym typeface="Arial"/>
-                  </a:defRPr>
-                </a:pPr>
-                <a:r>
-                  <a:t>Practice problem #3a </a:t>
-                </a:r>
-              </a:p>
-              <a:p>
-                <a:pPr defTabSz="507148">
-                  <a:defRPr sz="1300">
-                    <a:solidFill>
-                      <a:schemeClr val="accent5"/>
-                    </a:solidFill>
-                  </a:defRPr>
-                </a:pPr>
-                <a:r>
-                  <a:t>be sure to:</a:t>
-                </a:r>
-                <a:r>
-                  <a:rPr>
-                    <a:solidFill>
-                      <a:schemeClr val="accent5">
-                        <a:lumOff val="-9843"/>
-                      </a:schemeClr>
-                    </a:solidFill>
-                  </a:rPr>
-                  <a:t> </a:t>
-                </a:r>
-                <a:r>
-                  <a:rPr>
-                    <a:solidFill>
-                      <a:schemeClr val="accent1"/>
-                    </a:solidFill>
-                  </a:rPr>
-                  <a:t>Review your work. Be prepared to share out!</a:t>
-                </a:r>
-              </a:p>
-            </p:txBody>
-          </p:sp>
-        </p:grpSp>
-      </p:grpSp>
-      <p:sp>
-        <p:nvSpPr>
-          <p:cNvPr id="236" name="text"/>
-          <p:cNvSpPr txBox="1"/>
-          <p:nvPr/>
-        </p:nvSpPr>
-        <p:spPr>
-          <a:xfrm>
-            <a:off x="4402608" y="2463800"/>
-            <a:ext cx="299282" cy="215900"/>
-          </a:xfrm>
-          <a:prstGeom prst="rect">
-            <a:avLst/>
-          </a:prstGeom>
-          <a:ln w="12700">
-            <a:miter lim="400000"/>
-          </a:ln>
-          <a:extLst>
-            <a:ext uri="{C572A759-6A51-4108-AA02-DFA0A04FC94B}">
-              <ma14:wrappingTextBoxFlag xmlns:ma14="http://schemas.microsoft.com/office/mac/drawingml/2011/main" val="1"/>
-            </a:ext>
-          </a:extLst>
-        </p:spPr>
-        <p:txBody>
-          <a:bodyPr wrap="none" lIns="0" tIns="0" rIns="0" bIns="0">
-            <a:spAutoFit/>
-          </a:bodyPr>
-          <a:lstStyle/>
-          <a:p>
-            <a:pPr/>
-            <a:r>
-              <a:t>text</a:t>
-            </a:r>
-          </a:p>
-        </p:txBody>
-      </p:sp>
-      <p:sp>
-        <p:nvSpPr>
-          <p:cNvPr id="237" name="(a)   Write the countNotInVocab method. Assume that there are no duplicates in wordArray. You must use findWord appropriately to receive full credit.…"/>
-          <p:cNvSpPr txBox="1"/>
-          <p:nvPr/>
-        </p:nvSpPr>
-        <p:spPr>
-          <a:xfrm>
-            <a:off x="438943" y="1949003"/>
-            <a:ext cx="8266114" cy="1245494"/>
-          </a:xfrm>
-          <a:prstGeom prst="rect">
-            <a:avLst/>
-          </a:prstGeom>
-          <a:ln w="12700">
-            <a:miter lim="400000"/>
-          </a:ln>
-          <a:extLst>
-            <a:ext uri="{C572A759-6A51-4108-AA02-DFA0A04FC94B}">
-              <ma14:wrappingTextBoxFlag xmlns:ma14="http://schemas.microsoft.com/office/mac/drawingml/2011/main" val="1"/>
-            </a:ext>
-          </a:extLst>
-        </p:spPr>
-        <p:txBody>
-          <a:bodyPr wrap="none" lIns="0" tIns="0" rIns="0" bIns="0">
-            <a:spAutoFit/>
-          </a:bodyPr>
-          <a:lstStyle/>
-          <a:p>
-            <a:pPr defTabSz="457200">
-              <a:spcBef>
-                <a:spcPts val="1400"/>
-              </a:spcBef>
-              <a:defRPr sz="1200">
-                <a:solidFill>
-                  <a:srgbClr val="333333"/>
-                </a:solidFill>
-              </a:defRPr>
-            </a:pPr>
-            <a:r>
-              <a:t>(a)   Write the </a:t>
-            </a:r>
-            <a:r>
-              <a:rPr>
-                <a:latin typeface="Menlo Regular"/>
-                <a:ea typeface="Menlo Regular"/>
-                <a:cs typeface="Menlo Regular"/>
-                <a:sym typeface="Menlo Regular"/>
-              </a:rPr>
-              <a:t>countNotInVocab</a:t>
-            </a:r>
-            <a:r>
-              <a:t> method. Assume that there are no duplicates in </a:t>
-            </a:r>
-            <a:r>
-              <a:rPr>
-                <a:latin typeface="Menlo Regular"/>
-                <a:ea typeface="Menlo Regular"/>
-                <a:cs typeface="Menlo Regular"/>
-                <a:sym typeface="Menlo Regular"/>
-              </a:rPr>
-              <a:t>wordArray</a:t>
-            </a:r>
-            <a:r>
-              <a:t>. You must use </a:t>
-            </a:r>
-            <a:r>
-              <a:rPr>
-                <a:latin typeface="Menlo Regular"/>
-                <a:ea typeface="Menlo Regular"/>
-                <a:cs typeface="Menlo Regular"/>
-                <a:sym typeface="Menlo Regular"/>
-              </a:rPr>
-              <a:t>findWord</a:t>
-            </a:r>
-            <a:r>
-              <a:t> appropriately to receive full credit.</a:t>
-            </a:r>
-          </a:p>
-          <a:p>
-            <a:pPr defTabSz="457200">
-              <a:defRPr sz="1200">
-                <a:solidFill>
-                  <a:srgbClr val="333333"/>
-                </a:solidFill>
-                <a:latin typeface="Menlo Regular"/>
-                <a:ea typeface="Menlo Regular"/>
-                <a:cs typeface="Menlo Regular"/>
-                <a:sym typeface="Menlo Regular"/>
-              </a:defRPr>
-            </a:pPr>
-            <a:r>
-              <a:t>/** Counts how many strings in wordArray are not found in theVocab, as described in</a:t>
-            </a:r>
-          </a:p>
-          <a:p>
-            <a:pPr defTabSz="457200">
-              <a:defRPr sz="1200">
-                <a:solidFill>
-                  <a:srgbClr val="333333"/>
-                </a:solidFill>
-                <a:latin typeface="Menlo Regular"/>
-                <a:ea typeface="Menlo Regular"/>
-                <a:cs typeface="Menlo Regular"/>
-                <a:sym typeface="Menlo Regular"/>
-              </a:defRPr>
-            </a:pPr>
-            <a:r>
-              <a:t>* part (a).</a:t>
-            </a:r>
-          </a:p>
-          <a:p>
-            <a:pPr defTabSz="457200">
-              <a:defRPr sz="1200">
-                <a:solidFill>
-                  <a:srgbClr val="333333"/>
-                </a:solidFill>
-                <a:latin typeface="Menlo Regular"/>
-                <a:ea typeface="Menlo Regular"/>
-                <a:cs typeface="Menlo Regular"/>
-                <a:sym typeface="Menlo Regular"/>
-              </a:defRPr>
-            </a:pPr>
-            <a:r>
-              <a:t>*/</a:t>
-            </a:r>
-          </a:p>
-          <a:p>
-            <a:pPr defTabSz="457200">
-              <a:defRPr sz="1200">
-                <a:solidFill>
-                  <a:srgbClr val="333333"/>
-                </a:solidFill>
-                <a:latin typeface="Menlo Regular"/>
-                <a:ea typeface="Menlo Regular"/>
-                <a:cs typeface="Menlo Regular"/>
-                <a:sym typeface="Menlo Regular"/>
-              </a:defRPr>
-            </a:pPr>
-            <a:r>
-              <a:t>public int countNotInVocab(String[] wordArray)</a:t>
-            </a:r>
-          </a:p>
-        </p:txBody>
-      </p:sp>
-    </p:spTree>
-  </p:cSld>
-  <p:clrMapOvr>
-    <a:masterClrMapping/>
-  </p:clrMapOvr>
-  <p:transition xmlns:p14="http://schemas.microsoft.com/office/powerpoint/2010/main" spd="med" advClick="1"/>
-</p:sld>
-</file>
-
-<file path=ppt/slides/slide8.xml><?xml version="1.0" encoding="utf-8"?>
-<p:sld xmlns:a="http://schemas.openxmlformats.org/drawingml/2006/main" xmlns:r="http://schemas.openxmlformats.org/officeDocument/2006/relationships" xmlns:p="http://schemas.openxmlformats.org/presentationml/2006/main" xmlns:m="http://schemas.openxmlformats.org/officeDocument/2006/math" xmlns:a14="http://schemas.microsoft.com/office/drawing/2010/main" showMasterSp="1" showMasterPhAnim="1">
-  <p:cSld>
-    <p:spTree>
-      <p:nvGrpSpPr>
-        <p:cNvPr id="1" name=""/>
-        <p:cNvGrpSpPr/>
-        <p:nvPr/>
-      </p:nvGrpSpPr>
-      <p:grpSpPr>
-        <a:xfrm>
-          <a:off x="0" y="0"/>
-          <a:ext cx="0" cy="0"/>
-          <a:chOff x="0" y="0"/>
-          <a:chExt cx="0" cy="0"/>
-        </a:xfrm>
-      </p:grpSpPr>
-      <p:sp>
-        <p:nvSpPr>
-          <p:cNvPr id="241" name="Double-click to edit"/>
-          <p:cNvSpPr txBox="1"/>
-          <p:nvPr>
-            <p:ph type="title"/>
-          </p:nvPr>
-        </p:nvSpPr>
-        <p:spPr>
-          <a:prstGeom prst="rect">
-            <a:avLst/>
-          </a:prstGeom>
-        </p:spPr>
-        <p:txBody>
-          <a:bodyPr/>
-          <a:lstStyle/>
-          <a:p>
-            <a:pPr defTabSz="886968">
-              <a:defRPr sz="2910"/>
-            </a:pPr>
-          </a:p>
-        </p:txBody>
-      </p:sp>
-      <p:grpSp>
-        <p:nvGrpSpPr>
-          <p:cNvPr id="246" name="Google Shape;118;p19"/>
-          <p:cNvGrpSpPr/>
-          <p:nvPr/>
-        </p:nvGrpSpPr>
-        <p:grpSpPr>
-          <a:xfrm>
-            <a:off x="2119861" y="42840"/>
-            <a:ext cx="5092944" cy="745623"/>
-            <a:chOff x="-1" y="0"/>
-            <a:chExt cx="5092942" cy="745622"/>
-          </a:xfrm>
-        </p:grpSpPr>
-        <p:sp>
-          <p:nvSpPr>
-            <p:cNvPr id="242" name="Rectangle"/>
-            <p:cNvSpPr/>
-            <p:nvPr/>
-          </p:nvSpPr>
-          <p:spPr>
-            <a:xfrm>
-              <a:off x="-2" y="0"/>
-              <a:ext cx="4546963" cy="745623"/>
-            </a:xfrm>
-            <a:prstGeom prst="rect">
-              <a:avLst/>
-            </a:prstGeom>
-            <a:noFill/>
-            <a:ln w="25400" cap="flat">
-              <a:solidFill>
-                <a:schemeClr val="accent1"/>
-              </a:solidFill>
-              <a:prstDash val="solid"/>
-              <a:round/>
-            </a:ln>
-            <a:effectLst/>
-          </p:spPr>
-          <p:txBody>
-            <a:bodyPr wrap="square" lIns="0" tIns="0" rIns="0" bIns="0" numCol="1" anchor="t">
-              <a:noAutofit/>
-            </a:bodyPr>
-            <a:lstStyle/>
-            <a:p>
-              <a:pPr defTabSz="795527">
-                <a:defRPr sz="1200">
-                  <a:solidFill>
-                    <a:schemeClr val="accent5"/>
-                  </a:solidFill>
-                </a:defRPr>
-              </a:pPr>
-            </a:p>
-          </p:txBody>
-        </p:sp>
-        <p:grpSp>
-          <p:nvGrpSpPr>
-            <p:cNvPr id="245" name="Do now…"/>
-            <p:cNvGrpSpPr/>
-            <p:nvPr/>
-          </p:nvGrpSpPr>
-          <p:grpSpPr>
-            <a:xfrm>
-              <a:off x="9457" y="9458"/>
-              <a:ext cx="5083485" cy="726706"/>
-              <a:chOff x="0" y="0"/>
-              <a:chExt cx="5083483" cy="726705"/>
-            </a:xfrm>
-          </p:grpSpPr>
-          <p:sp>
-            <p:nvSpPr>
-              <p:cNvPr id="243" name="Rectangle"/>
-              <p:cNvSpPr/>
-              <p:nvPr/>
-            </p:nvSpPr>
-            <p:spPr>
-              <a:xfrm>
-                <a:off x="-1" y="-1"/>
-                <a:ext cx="5083485" cy="726707"/>
-              </a:xfrm>
-              <a:prstGeom prst="rect">
-                <a:avLst/>
-              </a:prstGeom>
-              <a:solidFill>
-                <a:srgbClr val="FFFFFF"/>
-              </a:solidFill>
-              <a:ln w="25400" cap="flat">
-                <a:solidFill>
-                  <a:schemeClr val="accent1"/>
-                </a:solidFill>
-                <a:prstDash val="solid"/>
-                <a:round/>
-              </a:ln>
-              <a:effectLst/>
-            </p:spPr>
-            <p:txBody>
-              <a:bodyPr wrap="square" lIns="0" tIns="0" rIns="0" bIns="0" numCol="1" anchor="t">
-                <a:noAutofit/>
-              </a:bodyPr>
-              <a:lstStyle/>
-              <a:p>
-                <a:pPr defTabSz="507148">
-                  <a:defRPr sz="1300">
-                    <a:solidFill>
-                      <a:schemeClr val="accent5"/>
-                    </a:solidFill>
-                  </a:defRPr>
-                </a:pPr>
-              </a:p>
-            </p:txBody>
-          </p:sp>
-          <p:sp>
-            <p:nvSpPr>
-              <p:cNvPr id="244" name="Practice problem #3b…"/>
-              <p:cNvSpPr txBox="1"/>
-              <p:nvPr/>
-            </p:nvSpPr>
-            <p:spPr>
-              <a:xfrm>
-                <a:off x="12699" y="12699"/>
-                <a:ext cx="5058085" cy="701307"/>
-              </a:xfrm>
-              <a:prstGeom prst="rect">
-                <a:avLst/>
-              </a:prstGeom>
-              <a:noFill/>
-              <a:ln w="12700" cap="flat">
-                <a:noFill/>
-                <a:miter lim="400000"/>
-              </a:ln>
-              <a:effectLst/>
-              <a:extLst>
-                <a:ext uri="{C572A759-6A51-4108-AA02-DFA0A04FC94B}">
-                  <ma14:wrappingTextBoxFlag xmlns:ma14="http://schemas.microsoft.com/office/mac/drawingml/2011/main" val="1"/>
-                </a:ext>
-              </a:extLst>
-            </p:spPr>
-            <p:txBody>
-              <a:bodyPr wrap="square" lIns="91421" tIns="91421" rIns="91421" bIns="91421" numCol="1" anchor="t">
-                <a:normAutofit fontScale="100000" lnSpcReduction="0"/>
-              </a:bodyPr>
-              <a:lstStyle/>
-              <a:p>
-                <a:pPr defTabSz="507148">
-                  <a:defRPr sz="2000">
-                    <a:latin typeface="+mn-lt"/>
-                    <a:ea typeface="+mn-ea"/>
-                    <a:cs typeface="+mn-cs"/>
-                    <a:sym typeface="Arial"/>
-                  </a:defRPr>
-                </a:pPr>
-                <a:r>
-                  <a:t>Practice problem #3b </a:t>
-                </a:r>
-              </a:p>
-              <a:p>
-                <a:pPr defTabSz="507148">
-                  <a:defRPr sz="1300">
-                    <a:solidFill>
-                      <a:schemeClr val="accent5"/>
-                    </a:solidFill>
-                  </a:defRPr>
-                </a:pPr>
-                <a:r>
-                  <a:t>be sure to:</a:t>
-                </a:r>
-                <a:r>
-                  <a:rPr>
-                    <a:solidFill>
-                      <a:schemeClr val="accent5">
-                        <a:lumOff val="-9843"/>
-                      </a:schemeClr>
-                    </a:solidFill>
-                  </a:rPr>
-                  <a:t> </a:t>
-                </a:r>
-                <a:r>
-                  <a:rPr>
-                    <a:solidFill>
-                      <a:schemeClr val="accent1"/>
-                    </a:solidFill>
-                  </a:rPr>
-                  <a:t>Review your work. Be prepared to share out!</a:t>
-                </a:r>
-              </a:p>
-            </p:txBody>
-          </p:sp>
-        </p:grpSp>
-      </p:grpSp>
-      <p:sp>
-        <p:nvSpPr>
-          <p:cNvPr id="247" name="text"/>
-          <p:cNvSpPr txBox="1"/>
-          <p:nvPr/>
-        </p:nvSpPr>
-        <p:spPr>
-          <a:xfrm>
-            <a:off x="4402608" y="2463800"/>
-            <a:ext cx="299282" cy="215900"/>
-          </a:xfrm>
-          <a:prstGeom prst="rect">
-            <a:avLst/>
-          </a:prstGeom>
-          <a:ln w="12700">
-            <a:miter lim="400000"/>
-          </a:ln>
-          <a:extLst>
-            <a:ext uri="{C572A759-6A51-4108-AA02-DFA0A04FC94B}">
-              <ma14:wrappingTextBoxFlag xmlns:ma14="http://schemas.microsoft.com/office/mac/drawingml/2011/main" val="1"/>
-            </a:ext>
-          </a:extLst>
-        </p:spPr>
-        <p:txBody>
-          <a:bodyPr wrap="none" lIns="0" tIns="0" rIns="0" bIns="0">
-            <a:spAutoFit/>
-          </a:bodyPr>
-          <a:lstStyle/>
-          <a:p>
-            <a:pPr/>
-            <a:r>
-              <a:t>text</a:t>
-            </a:r>
-          </a:p>
-        </p:txBody>
-      </p:sp>
-      <p:sp>
-        <p:nvSpPr>
-          <p:cNvPr id="248" name="Write the notInVocab method (see handout). Assume that there are no duplicates in wordArray. You must call findWord and countNotInVocab appropriately in order to receive full credit.…"/>
-          <p:cNvSpPr txBox="1"/>
-          <p:nvPr/>
-        </p:nvSpPr>
-        <p:spPr>
-          <a:xfrm>
-            <a:off x="289869" y="1996792"/>
-            <a:ext cx="8291724" cy="1424485"/>
-          </a:xfrm>
-          <a:prstGeom prst="rect">
-            <a:avLst/>
-          </a:prstGeom>
-          <a:ln w="12700">
-            <a:miter lim="400000"/>
-          </a:ln>
-          <a:extLst>
-            <a:ext uri="{C572A759-6A51-4108-AA02-DFA0A04FC94B}">
-              <ma14:wrappingTextBoxFlag xmlns:ma14="http://schemas.microsoft.com/office/mac/drawingml/2011/main" val="1"/>
-            </a:ext>
-          </a:extLst>
-        </p:spPr>
-        <p:txBody>
-          <a:bodyPr lIns="0" tIns="0" rIns="0" bIns="0">
-            <a:spAutoFit/>
-          </a:bodyPr>
-          <a:lstStyle/>
-          <a:p>
-            <a:pPr defTabSz="457200">
-              <a:spcBef>
-                <a:spcPts val="1400"/>
-              </a:spcBef>
-              <a:defRPr>
-                <a:solidFill>
-                  <a:srgbClr val="333333"/>
-                </a:solidFill>
-              </a:defRPr>
-            </a:pPr>
-            <a:r>
-              <a:t> Write the </a:t>
-            </a:r>
-            <a:r>
-              <a:rPr>
-                <a:latin typeface="Menlo Regular"/>
-                <a:ea typeface="Menlo Regular"/>
-                <a:cs typeface="Menlo Regular"/>
-                <a:sym typeface="Menlo Regular"/>
-              </a:rPr>
-              <a:t>notInVocab</a:t>
-            </a:r>
-            <a:r>
-              <a:t> method (</a:t>
-            </a:r>
-            <a:r>
-              <a:rPr b="1"/>
-              <a:t>see handout</a:t>
-            </a:r>
-            <a:r>
-              <a:t>). Assume that there are no duplicates in </a:t>
-            </a:r>
-            <a:r>
-              <a:rPr>
-                <a:latin typeface="Menlo Regular"/>
-                <a:ea typeface="Menlo Regular"/>
-                <a:cs typeface="Menlo Regular"/>
-                <a:sym typeface="Menlo Regular"/>
-              </a:rPr>
-              <a:t>wordArray</a:t>
-            </a:r>
-            <a:r>
-              <a:t>. You must call </a:t>
-            </a:r>
-            <a:r>
-              <a:rPr>
-                <a:latin typeface="Menlo Regular"/>
-                <a:ea typeface="Menlo Regular"/>
-                <a:cs typeface="Menlo Regular"/>
-                <a:sym typeface="Menlo Regular"/>
-              </a:rPr>
-              <a:t>findWord</a:t>
-            </a:r>
-            <a:r>
-              <a:t> and </a:t>
-            </a:r>
-            <a:r>
-              <a:rPr>
-                <a:latin typeface="Menlo Regular"/>
-                <a:ea typeface="Menlo Regular"/>
-                <a:cs typeface="Menlo Regular"/>
-                <a:sym typeface="Menlo Regular"/>
-              </a:rPr>
-              <a:t>countNotInVocab</a:t>
-            </a:r>
-            <a:r>
-              <a:t> appropriately in order to receive full credit.</a:t>
-            </a:r>
-          </a:p>
-          <a:p>
-            <a:pPr defTabSz="457200">
-              <a:defRPr>
-                <a:solidFill>
-                  <a:srgbClr val="333333"/>
-                </a:solidFill>
-                <a:latin typeface="Menlo Regular"/>
-                <a:ea typeface="Menlo Regular"/>
-                <a:cs typeface="Menlo Regular"/>
-                <a:sym typeface="Menlo Regular"/>
-              </a:defRPr>
-            </a:pPr>
-            <a:r>
-              <a:t>/** Returns an array containing strings from wordArray not found in theVocab,</a:t>
-            </a:r>
-          </a:p>
-          <a:p>
-            <a:pPr defTabSz="457200">
-              <a:defRPr>
-                <a:solidFill>
-                  <a:srgbClr val="333333"/>
-                </a:solidFill>
-                <a:latin typeface="Menlo Regular"/>
-                <a:ea typeface="Menlo Regular"/>
-                <a:cs typeface="Menlo Regular"/>
-                <a:sym typeface="Menlo Regular"/>
-              </a:defRPr>
-            </a:pPr>
-            <a:r>
-              <a:t>* as described in part (b).</a:t>
-            </a:r>
-          </a:p>
-          <a:p>
-            <a:pPr defTabSz="457200">
-              <a:defRPr>
-                <a:solidFill>
-                  <a:srgbClr val="333333"/>
-                </a:solidFill>
-                <a:latin typeface="Menlo Regular"/>
-                <a:ea typeface="Menlo Regular"/>
-                <a:cs typeface="Menlo Regular"/>
-                <a:sym typeface="Menlo Regular"/>
-              </a:defRPr>
-            </a:pPr>
-            <a:r>
-              <a:t>*/</a:t>
-            </a:r>
-          </a:p>
-          <a:p>
-            <a:pPr defTabSz="457200">
-              <a:defRPr>
-                <a:solidFill>
-                  <a:srgbClr val="333333"/>
-                </a:solidFill>
-                <a:latin typeface="Menlo Regular"/>
-                <a:ea typeface="Menlo Regular"/>
-                <a:cs typeface="Menlo Regular"/>
-                <a:sym typeface="Menlo Regular"/>
-              </a:defRPr>
-            </a:pPr>
-            <a:r>
-              <a:t>public String[] notInVocab(String[] wordArray)</a:t>
-            </a:r>
-          </a:p>
-        </p:txBody>
-      </p:sp>
-    </p:spTree>
-  </p:cSld>
-  <p:clrMapOvr>
-    <a:masterClrMapping/>
-  </p:clrMapOvr>
-  <p:transition xmlns:p14="http://schemas.microsoft.com/office/powerpoint/2010/main" spd="med" advClick="1"/>
-</p:sld>
-</file>
-
-<file path=ppt/slides/slide9.xml><?xml version="1.0" encoding="utf-8"?>
-<p:sld xmlns:a="http://schemas.openxmlformats.org/drawingml/2006/main" xmlns:r="http://schemas.openxmlformats.org/officeDocument/2006/relationships" xmlns:p="http://schemas.openxmlformats.org/presentationml/2006/main" xmlns:m="http://schemas.openxmlformats.org/officeDocument/2006/math" xmlns:a14="http://schemas.microsoft.com/office/drawing/2010/main" showMasterSp="1" showMasterPhAnim="1">
-  <p:cSld>
-    <p:spTree>
-      <p:nvGrpSpPr>
-        <p:cNvPr id="1" name=""/>
-        <p:cNvGrpSpPr/>
-        <p:nvPr/>
-      </p:nvGrpSpPr>
-      <p:grpSpPr>
-        <a:xfrm>
-          <a:off x="0" y="0"/>
-          <a:ext cx="0" cy="0"/>
-          <a:chOff x="0" y="0"/>
-          <a:chExt cx="0" cy="0"/>
-        </a:xfrm>
-      </p:grpSpPr>
-      <p:sp>
-        <p:nvSpPr>
-          <p:cNvPr id="252" name="Double-click to edit"/>
-          <p:cNvSpPr txBox="1"/>
-          <p:nvPr>
-            <p:ph type="title"/>
-          </p:nvPr>
-        </p:nvSpPr>
-        <p:spPr>
-          <a:prstGeom prst="rect">
-            <a:avLst/>
-          </a:prstGeom>
-        </p:spPr>
-        <p:txBody>
-          <a:bodyPr/>
-          <a:lstStyle/>
-          <a:p>
-            <a:pPr defTabSz="886968">
-              <a:defRPr sz="2910"/>
-            </a:pPr>
-          </a:p>
-        </p:txBody>
-      </p:sp>
-      <p:sp>
-        <p:nvSpPr>
-          <p:cNvPr id="253" name="How useful was the how to solve it method for solving these problems?…"/>
-          <p:cNvSpPr txBox="1"/>
-          <p:nvPr/>
-        </p:nvSpPr>
-        <p:spPr>
-          <a:xfrm>
-            <a:off x="778973" y="1600200"/>
-            <a:ext cx="3278433" cy="863600"/>
-          </a:xfrm>
-          <a:prstGeom prst="rect">
-            <a:avLst/>
-          </a:prstGeom>
-          <a:ln w="12700">
-            <a:miter lim="400000"/>
-          </a:ln>
-          <a:extLst>
-            <a:ext uri="{C572A759-6A51-4108-AA02-DFA0A04FC94B}">
-              <ma14:wrappingTextBoxFlag xmlns:ma14="http://schemas.microsoft.com/office/mac/drawingml/2011/main" val="1"/>
-            </a:ext>
-          </a:extLst>
-        </p:spPr>
-        <p:txBody>
-          <a:bodyPr lIns="0" tIns="0" rIns="0" bIns="0">
-            <a:spAutoFit/>
-          </a:bodyPr>
-          <a:lstStyle/>
-          <a:p>
-            <a:pPr marL="187157" indent="-187157">
+              <a:t>question scoring criteria</a:t>
+            </a:r>
+            <a:r>
+              <a:t>.</a:t>
+            </a:r>
+          </a:p>
+          <a:p>
+            <a:pPr lvl="6" marL="469900" indent="-228600">
               <a:buSzPct val="100000"/>
-              <a:buAutoNum type="arabicPeriod" startAt="1"/>
-            </a:pPr>
-            <a:r>
-              <a:t>How useful was the </a:t>
-            </a:r>
-            <a:r>
-              <a:rPr>
+              <a:buAutoNum type="alphaUcPeriod" startAt="1"/>
+              <a:defRPr sz="1600">
                 <a:solidFill>
                   <a:schemeClr val="accent1">
                     <a:lumOff val="-6117"/>
                   </a:schemeClr>
                 </a:solidFill>
-              </a:rPr>
-              <a:t>how to solve it </a:t>
-            </a:r>
-            <a:r>
-              <a:t>method for solving these problems?</a:t>
-            </a:r>
-          </a:p>
-          <a:p>
-            <a:pPr marL="187157" indent="-187157">
-              <a:buSzPct val="100000"/>
-              <a:buAutoNum type="arabicPeriod" startAt="1"/>
-            </a:pPr>
-            <a:r>
-              <a:t>What would you do differently?</a:t>
-            </a:r>
-          </a:p>
-        </p:txBody>
-      </p:sp>
-      <p:pic>
-        <p:nvPicPr>
-          <p:cNvPr id="254" name="Image" descr="Image"/>
-          <p:cNvPicPr>
-            <a:picLocks noChangeAspect="1"/>
-          </p:cNvPicPr>
-          <p:nvPr/>
-        </p:nvPicPr>
-        <p:blipFill>
-          <a:blip r:embed="rId2">
-            <a:extLst/>
-          </a:blip>
-          <a:stretch>
-            <a:fillRect/>
-          </a:stretch>
-        </p:blipFill>
-        <p:spPr>
-          <a:xfrm>
-            <a:off x="4616052" y="1554712"/>
-            <a:ext cx="3053022" cy="2034076"/>
-          </a:xfrm>
-          <a:prstGeom prst="rect">
-            <a:avLst/>
-          </a:prstGeom>
-          <a:ln w="12700">
-            <a:miter lim="400000"/>
-          </a:ln>
-        </p:spPr>
-      </p:pic>
-      <p:sp>
-        <p:nvSpPr>
-          <p:cNvPr id="255" name="Reflection: Thinking about thinking…"/>
-          <p:cNvSpPr txBox="1"/>
-          <p:nvPr/>
-        </p:nvSpPr>
-        <p:spPr>
-          <a:xfrm>
-            <a:off x="1404467" y="357128"/>
-            <a:ext cx="7302728" cy="939691"/>
-          </a:xfrm>
-          <a:prstGeom prst="rect">
-            <a:avLst/>
-          </a:prstGeom>
-          <a:solidFill>
-            <a:srgbClr val="FFFFFF"/>
-          </a:solidFill>
-          <a:ln w="25400">
-            <a:solidFill>
-              <a:schemeClr val="accent1"/>
-            </a:solidFill>
-          </a:ln>
-          <a:extLst>
-            <a:ext uri="{C572A759-6A51-4108-AA02-DFA0A04FC94B}">
-              <ma14:wrappingTextBoxFlag xmlns:ma14="http://schemas.microsoft.com/office/mac/drawingml/2011/main" val="1"/>
-            </a:ext>
-          </a:extLst>
-        </p:spPr>
-        <p:txBody>
-          <a:bodyPr lIns="91422" tIns="91422" rIns="91422" bIns="91422">
-            <a:normAutofit fontScale="100000" lnSpcReduction="0"/>
-          </a:bodyPr>
-          <a:lstStyle/>
-          <a:p>
-            <a:pPr defTabSz="813816">
-              <a:defRPr sz="2100">
-                <a:latin typeface="+mn-lt"/>
-                <a:ea typeface="+mn-ea"/>
-                <a:cs typeface="+mn-cs"/>
-                <a:sym typeface="Arial"/>
               </a:defRPr>
             </a:pPr>
             <a:r>
-              <a:t>Reflection: Thinking about thinking</a:t>
-            </a:r>
-          </a:p>
-          <a:p>
-            <a:pPr defTabSz="813816">
-              <a:defRPr sz="1200">
+              <a:t>use the </a:t>
+            </a:r>
+            <a:r>
+              <a:rPr>
                 <a:solidFill>
                   <a:schemeClr val="accent5"/>
                 </a:solidFill>
+              </a:rPr>
+              <a:t>penalty points guidelines</a:t>
+            </a:r>
+            <a:r>
+              <a:t> and </a:t>
+            </a:r>
+            <a:r>
+              <a:rPr>
+                <a:solidFill>
+                  <a:schemeClr val="accent5"/>
+                </a:solidFill>
+              </a:rPr>
+              <a:t>scoring criteria</a:t>
+            </a:r>
+            <a:r>
+              <a:t> to assign a grade to your own work, citing specific reasons to justify your self-assessed grade.  Write down your grade and explanation on </a:t>
+            </a:r>
+            <a:r>
+              <a:rPr>
+                <a:solidFill>
+                  <a:srgbClr val="FF2600"/>
+                </a:solidFill>
+              </a:rPr>
+              <a:t>the back page of your worksheet.</a:t>
+            </a:r>
+            <a:endParaRPr>
+              <a:solidFill>
+                <a:srgbClr val="FF2600"/>
+              </a:solidFill>
+            </a:endParaRPr>
+          </a:p>
+          <a:p>
+            <a:pPr lvl="5" marL="228600" indent="-228600">
+              <a:buSzPct val="100000"/>
+              <a:buAutoNum type="arabicPeriod" startAt="4"/>
+              <a:defRPr sz="1600">
+                <a:solidFill>
+                  <a:schemeClr val="accent1">
+                    <a:lumOff val="-6117"/>
+                  </a:schemeClr>
+                </a:solidFill>
               </a:defRPr>
             </a:pPr>
             <a:r>
-              <a:t>be sure to:</a:t>
-            </a:r>
-            <a:r>
               <a:rPr>
                 <a:solidFill>
-                  <a:schemeClr val="accent5">
-                    <a:lumOff val="-9843"/>
-                  </a:schemeClr>
+                  <a:srgbClr val="FF2600"/>
                 </a:solidFill>
               </a:rPr>
-              <a:t> </a:t>
-            </a:r>
-            <a:r>
-              <a:rPr>
-                <a:solidFill>
-                  <a:schemeClr val="accent3">
-                    <a:lumOff val="-9098"/>
-                  </a:schemeClr>
-                </a:solidFill>
-              </a:rPr>
-              <a:t>Answer each question below with a complete sentence.</a:t>
+              <a:t>Solve the problems on your own! </a:t>
             </a:r>
           </a:p>
         </p:txBody>
@@ -9602,7 +9769,7 @@
                                       <p:cBhvr>
                                         <p:cTn id="6" fill="hold"/>
                                         <p:tgtEl>
-                                          <p:spTgt spid="253">
+                                          <p:spTgt spid="219">
                                             <p:bg/>
                                           </p:spTgt>
                                         </p:tgtEl>
@@ -9630,7 +9797,7 @@
                                       <p:cBhvr>
                                         <p:cTn id="8" fill="hold"/>
                                         <p:tgtEl>
-                                          <p:spTgt spid="253">
+                                          <p:spTgt spid="219">
                                             <p:txEl>
                                               <p:pRg st="0" end="0"/>
                                             </p:txEl>
@@ -9678,7 +9845,7 @@
                                       <p:cBhvr>
                                         <p:cTn id="12" fill="hold"/>
                                         <p:tgtEl>
-                                          <p:spTgt spid="253">
+                                          <p:spTgt spid="219">
                                             <p:txEl>
                                               <p:pRg st="1" end="1"/>
                                             </p:txEl>
@@ -9726,9 +9893,249 @@
                                       <p:cBhvr>
                                         <p:cTn id="16" fill="hold"/>
                                         <p:tgtEl>
-                                          <p:spTgt spid="253">
+                                          <p:spTgt spid="219">
                                             <p:txEl>
                                               <p:pRg st="2" end="2"/>
+                                            </p:txEl>
+                                          </p:spTgt>
+                                        </p:tgtEl>
+                                        <p:attrNameLst>
+                                          <p:attrName>style.visibility</p:attrName>
+                                        </p:attrNameLst>
+                                      </p:cBhvr>
+                                      <p:to>
+                                        <p:strVal val="visible"/>
+                                      </p:to>
+                                    </p:set>
+                                  </p:childTnLst>
+                                </p:cTn>
+                              </p:par>
+                            </p:childTnLst>
+                          </p:cTn>
+                        </p:par>
+                      </p:childTnLst>
+                    </p:cTn>
+                  </p:par>
+                  <p:par>
+                    <p:cTn id="17" fill="hold">
+                      <p:stCondLst>
+                        <p:cond delay="indefinite"/>
+                      </p:stCondLst>
+                      <p:childTnLst>
+                        <p:par>
+                          <p:cTn id="18" fill="hold">
+                            <p:stCondLst>
+                              <p:cond delay="0"/>
+                            </p:stCondLst>
+                            <p:childTnLst>
+                              <p:par>
+                                <p:cTn id="19" presetClass="entr" nodeType="clickEffect" presetSubtype="0" presetID="1" grpId="1" fill="hold">
+                                  <p:stCondLst>
+                                    <p:cond delay="0"/>
+                                  </p:stCondLst>
+                                  <p:iterate type="el" backwards="0">
+                                    <p:tmAbs val="0"/>
+                                  </p:iterate>
+                                  <p:childTnLst>
+                                    <p:set>
+                                      <p:cBhvr>
+                                        <p:cTn id="20" fill="hold"/>
+                                        <p:tgtEl>
+                                          <p:spTgt spid="219">
+                                            <p:txEl>
+                                              <p:pRg st="3" end="3"/>
+                                            </p:txEl>
+                                          </p:spTgt>
+                                        </p:tgtEl>
+                                        <p:attrNameLst>
+                                          <p:attrName>style.visibility</p:attrName>
+                                        </p:attrNameLst>
+                                      </p:cBhvr>
+                                      <p:to>
+                                        <p:strVal val="visible"/>
+                                      </p:to>
+                                    </p:set>
+                                  </p:childTnLst>
+                                </p:cTn>
+                              </p:par>
+                            </p:childTnLst>
+                          </p:cTn>
+                        </p:par>
+                      </p:childTnLst>
+                    </p:cTn>
+                  </p:par>
+                  <p:par>
+                    <p:cTn id="21" fill="hold">
+                      <p:stCondLst>
+                        <p:cond delay="indefinite"/>
+                      </p:stCondLst>
+                      <p:childTnLst>
+                        <p:par>
+                          <p:cTn id="22" fill="hold">
+                            <p:stCondLst>
+                              <p:cond delay="0"/>
+                            </p:stCondLst>
+                            <p:childTnLst>
+                              <p:par>
+                                <p:cTn id="23" presetClass="entr" nodeType="clickEffect" presetSubtype="0" presetID="1" grpId="1" fill="hold">
+                                  <p:stCondLst>
+                                    <p:cond delay="0"/>
+                                  </p:stCondLst>
+                                  <p:iterate type="el" backwards="0">
+                                    <p:tmAbs val="0"/>
+                                  </p:iterate>
+                                  <p:childTnLst>
+                                    <p:set>
+                                      <p:cBhvr>
+                                        <p:cTn id="24" fill="hold"/>
+                                        <p:tgtEl>
+                                          <p:spTgt spid="219">
+                                            <p:txEl>
+                                              <p:pRg st="4" end="4"/>
+                                            </p:txEl>
+                                          </p:spTgt>
+                                        </p:tgtEl>
+                                        <p:attrNameLst>
+                                          <p:attrName>style.visibility</p:attrName>
+                                        </p:attrNameLst>
+                                      </p:cBhvr>
+                                      <p:to>
+                                        <p:strVal val="visible"/>
+                                      </p:to>
+                                    </p:set>
+                                  </p:childTnLst>
+                                </p:cTn>
+                              </p:par>
+                            </p:childTnLst>
+                          </p:cTn>
+                        </p:par>
+                      </p:childTnLst>
+                    </p:cTn>
+                  </p:par>
+                  <p:par>
+                    <p:cTn id="25" fill="hold">
+                      <p:stCondLst>
+                        <p:cond delay="indefinite"/>
+                      </p:stCondLst>
+                      <p:childTnLst>
+                        <p:par>
+                          <p:cTn id="26" fill="hold">
+                            <p:stCondLst>
+                              <p:cond delay="0"/>
+                            </p:stCondLst>
+                            <p:childTnLst>
+                              <p:par>
+                                <p:cTn id="27" presetClass="entr" nodeType="clickEffect" presetSubtype="0" presetID="1" grpId="1" fill="hold">
+                                  <p:stCondLst>
+                                    <p:cond delay="0"/>
+                                  </p:stCondLst>
+                                  <p:iterate type="el" backwards="0">
+                                    <p:tmAbs val="0"/>
+                                  </p:iterate>
+                                  <p:childTnLst>
+                                    <p:set>
+                                      <p:cBhvr>
+                                        <p:cTn id="28" fill="hold"/>
+                                        <p:tgtEl>
+                                          <p:spTgt spid="219">
+                                            <p:txEl>
+                                              <p:pRg st="5" end="5"/>
+                                            </p:txEl>
+                                          </p:spTgt>
+                                        </p:tgtEl>
+                                        <p:attrNameLst>
+                                          <p:attrName>style.visibility</p:attrName>
+                                        </p:attrNameLst>
+                                      </p:cBhvr>
+                                      <p:to>
+                                        <p:strVal val="visible"/>
+                                      </p:to>
+                                    </p:set>
+                                  </p:childTnLst>
+                                </p:cTn>
+                              </p:par>
+                            </p:childTnLst>
+                          </p:cTn>
+                        </p:par>
+                      </p:childTnLst>
+                    </p:cTn>
+                  </p:par>
+                  <p:par>
+                    <p:cTn id="29" fill="hold">
+                      <p:stCondLst>
+                        <p:cond delay="indefinite"/>
+                      </p:stCondLst>
+                      <p:childTnLst>
+                        <p:par>
+                          <p:cTn id="30" fill="hold">
+                            <p:stCondLst>
+                              <p:cond delay="0"/>
+                            </p:stCondLst>
+                            <p:childTnLst>
+                              <p:par>
+                                <p:cTn id="31" presetClass="entr" nodeType="clickEffect" presetSubtype="0" presetID="1" grpId="1" fill="hold">
+                                  <p:stCondLst>
+                                    <p:cond delay="0"/>
+                                  </p:stCondLst>
+                                  <p:iterate type="el" backwards="0">
+                                    <p:tmAbs val="0"/>
+                                  </p:iterate>
+                                  <p:childTnLst>
+                                    <p:set>
+                                      <p:cBhvr>
+                                        <p:cTn id="32" fill="hold"/>
+                                        <p:tgtEl>
+                                          <p:spTgt spid="219">
+                                            <p:txEl>
+                                              <p:pRg st="6" end="6"/>
+                                            </p:txEl>
+                                          </p:spTgt>
+                                        </p:tgtEl>
+                                        <p:attrNameLst>
+                                          <p:attrName>style.visibility</p:attrName>
+                                        </p:attrNameLst>
+                                      </p:cBhvr>
+                                      <p:to>
+                                        <p:strVal val="visible"/>
+                                      </p:to>
+                                    </p:set>
+                                  </p:childTnLst>
+                                </p:cTn>
+                              </p:par>
+                            </p:childTnLst>
+                          </p:cTn>
+                        </p:par>
+                      </p:childTnLst>
+                    </p:cTn>
+                  </p:par>
+                  <p:par>
+                    <p:cTn id="33" fill="hold">
+                      <p:stCondLst>
+                        <p:cond delay="indefinite"/>
+                      </p:stCondLst>
+                      <p:childTnLst>
+                        <p:par>
+                          <p:cTn id="34" fill="hold">
+                            <p:stCondLst>
+                              <p:cond delay="0"/>
+                            </p:stCondLst>
+                            <p:childTnLst>
+                              <p:par>
+                                <p:cTn id="35" presetClass="entr" nodeType="clickEffect" presetSubtype="0" presetID="1" grpId="1" fill="hold">
+                                  <p:stCondLst>
+                                    <p:cond delay="0"/>
+                                  </p:stCondLst>
+                                  <p:iterate type="el" backwards="0">
+                                    <p:tmAbs val="0"/>
+                                  </p:iterate>
+                                  <p:childTnLst>
+                                    <p:set>
+                                      <p:cBhvr>
+                                        <p:cTn id="36" fill="hold"/>
+                                        <p:tgtEl>
+                                          <p:spTgt spid="219">
+                                            <p:txEl>
+                                              <p:pRg st="7" end="7"/>
                                             </p:txEl>
                                           </p:spTgt>
                                         </p:tgtEl>
@@ -9771,9 +10178,1676 @@
       </p:par>
     </p:tnLst>
     <p:bldLst>
-      <p:bldP build="p" bldLvl="5" animBg="1" rev="0" advAuto="0" spid="253" grpId="1"/>
+      <p:bldP build="p" bldLvl="5" animBg="1" rev="0" advAuto="0" spid="219" grpId="1"/>
     </p:bldLst>
   </p:timing>
+</p:sld>
+</file>
+
+<file path=ppt/slides/slide7.xml><?xml version="1.0" encoding="utf-8"?>
+<p:sld xmlns:a="http://schemas.openxmlformats.org/drawingml/2006/main" xmlns:r="http://schemas.openxmlformats.org/officeDocument/2006/relationships" xmlns:p="http://schemas.openxmlformats.org/presentationml/2006/main" xmlns:m="http://schemas.openxmlformats.org/officeDocument/2006/math" xmlns:a14="http://schemas.microsoft.com/office/drawing/2010/main" showMasterSp="1" showMasterPhAnim="1">
+  <p:cSld>
+    <p:spTree>
+      <p:nvGrpSpPr>
+        <p:cNvPr id="1" name=""/>
+        <p:cNvGrpSpPr/>
+        <p:nvPr/>
+      </p:nvGrpSpPr>
+      <p:grpSpPr>
+        <a:xfrm>
+          <a:off x="0" y="0"/>
+          <a:ext cx="0" cy="0"/>
+          <a:chOff x="0" y="0"/>
+          <a:chExt cx="0" cy="0"/>
+        </a:xfrm>
+      </p:grpSpPr>
+      <p:grpSp>
+        <p:nvGrpSpPr>
+          <p:cNvPr id="227" name="Google Shape;118;p19"/>
+          <p:cNvGrpSpPr/>
+          <p:nvPr/>
+        </p:nvGrpSpPr>
+        <p:grpSpPr>
+          <a:xfrm>
+            <a:off x="2119861" y="42840"/>
+            <a:ext cx="5092944" cy="745623"/>
+            <a:chOff x="-1" y="0"/>
+            <a:chExt cx="5092942" cy="745622"/>
+          </a:xfrm>
+        </p:grpSpPr>
+        <p:sp>
+          <p:nvSpPr>
+            <p:cNvPr id="223" name="Rectangle"/>
+            <p:cNvSpPr/>
+            <p:nvPr/>
+          </p:nvSpPr>
+          <p:spPr>
+            <a:xfrm>
+              <a:off x="-2" y="0"/>
+              <a:ext cx="4546963" cy="745623"/>
+            </a:xfrm>
+            <a:prstGeom prst="rect">
+              <a:avLst/>
+            </a:prstGeom>
+            <a:noFill/>
+            <a:ln w="25400" cap="flat">
+              <a:solidFill>
+                <a:schemeClr val="accent1"/>
+              </a:solidFill>
+              <a:prstDash val="solid"/>
+              <a:round/>
+            </a:ln>
+            <a:effectLst/>
+          </p:spPr>
+          <p:txBody>
+            <a:bodyPr wrap="square" lIns="0" tIns="0" rIns="0" bIns="0" numCol="1" anchor="t">
+              <a:noAutofit/>
+            </a:bodyPr>
+            <a:lstStyle/>
+            <a:p>
+              <a:pPr defTabSz="795527">
+                <a:defRPr sz="1200">
+                  <a:solidFill>
+                    <a:schemeClr val="accent5"/>
+                  </a:solidFill>
+                </a:defRPr>
+              </a:pPr>
+            </a:p>
+          </p:txBody>
+        </p:sp>
+        <p:grpSp>
+          <p:nvGrpSpPr>
+            <p:cNvPr id="226" name="Do now…"/>
+            <p:cNvGrpSpPr/>
+            <p:nvPr/>
+          </p:nvGrpSpPr>
+          <p:grpSpPr>
+            <a:xfrm>
+              <a:off x="9457" y="9458"/>
+              <a:ext cx="5083485" cy="726706"/>
+              <a:chOff x="0" y="0"/>
+              <a:chExt cx="5083483" cy="726705"/>
+            </a:xfrm>
+          </p:grpSpPr>
+          <p:sp>
+            <p:nvSpPr>
+              <p:cNvPr id="224" name="Rectangle"/>
+              <p:cNvSpPr/>
+              <p:nvPr/>
+            </p:nvSpPr>
+            <p:spPr>
+              <a:xfrm>
+                <a:off x="-1" y="-1"/>
+                <a:ext cx="5083485" cy="726707"/>
+              </a:xfrm>
+              <a:prstGeom prst="rect">
+                <a:avLst/>
+              </a:prstGeom>
+              <a:solidFill>
+                <a:srgbClr val="FFFFFF"/>
+              </a:solidFill>
+              <a:ln w="25400" cap="flat">
+                <a:solidFill>
+                  <a:schemeClr val="accent1"/>
+                </a:solidFill>
+                <a:prstDash val="solid"/>
+                <a:round/>
+              </a:ln>
+              <a:effectLst/>
+            </p:spPr>
+            <p:txBody>
+              <a:bodyPr wrap="square" lIns="0" tIns="0" rIns="0" bIns="0" numCol="1" anchor="t">
+                <a:noAutofit/>
+              </a:bodyPr>
+              <a:lstStyle/>
+              <a:p>
+                <a:pPr defTabSz="507148">
+                  <a:defRPr sz="1300">
+                    <a:solidFill>
+                      <a:schemeClr val="accent5"/>
+                    </a:solidFill>
+                  </a:defRPr>
+                </a:pPr>
+              </a:p>
+            </p:txBody>
+          </p:sp>
+          <p:sp>
+            <p:nvSpPr>
+              <p:cNvPr id="225" name="Practice problem #1…"/>
+              <p:cNvSpPr txBox="1"/>
+              <p:nvPr/>
+            </p:nvSpPr>
+            <p:spPr>
+              <a:xfrm>
+                <a:off x="12699" y="12699"/>
+                <a:ext cx="5058085" cy="701307"/>
+              </a:xfrm>
+              <a:prstGeom prst="rect">
+                <a:avLst/>
+              </a:prstGeom>
+              <a:noFill/>
+              <a:ln w="12700" cap="flat">
+                <a:noFill/>
+                <a:miter lim="400000"/>
+              </a:ln>
+              <a:effectLst/>
+              <a:extLst>
+                <a:ext uri="{C572A759-6A51-4108-AA02-DFA0A04FC94B}">
+                  <ma14:wrappingTextBoxFlag xmlns:ma14="http://schemas.microsoft.com/office/mac/drawingml/2011/main" val="1"/>
+                </a:ext>
+              </a:extLst>
+            </p:spPr>
+            <p:txBody>
+              <a:bodyPr wrap="square" lIns="91421" tIns="91421" rIns="91421" bIns="91421" numCol="1" anchor="t">
+                <a:normAutofit fontScale="100000" lnSpcReduction="0"/>
+              </a:bodyPr>
+              <a:lstStyle/>
+              <a:p>
+                <a:pPr defTabSz="507148">
+                  <a:defRPr sz="2000">
+                    <a:latin typeface="+mn-lt"/>
+                    <a:ea typeface="+mn-ea"/>
+                    <a:cs typeface="+mn-cs"/>
+                    <a:sym typeface="Arial"/>
+                  </a:defRPr>
+                </a:pPr>
+                <a:r>
+                  <a:t>Practice problem #1 </a:t>
+                </a:r>
+              </a:p>
+              <a:p>
+                <a:pPr defTabSz="507148">
+                  <a:defRPr sz="1300">
+                    <a:solidFill>
+                      <a:schemeClr val="accent5"/>
+                    </a:solidFill>
+                  </a:defRPr>
+                </a:pPr>
+                <a:r>
+                  <a:t>be sure to:</a:t>
+                </a:r>
+                <a:r>
+                  <a:rPr>
+                    <a:solidFill>
+                      <a:schemeClr val="accent5">
+                        <a:lumOff val="-9843"/>
+                      </a:schemeClr>
+                    </a:solidFill>
+                  </a:rPr>
+                  <a:t> </a:t>
+                </a:r>
+                <a:r>
+                  <a:rPr>
+                    <a:solidFill>
+                      <a:schemeClr val="accent1"/>
+                    </a:solidFill>
+                  </a:rPr>
+                  <a:t>Share out on the discussion questions below!</a:t>
+                </a:r>
+              </a:p>
+            </p:txBody>
+          </p:sp>
+        </p:grpSp>
+      </p:grpSp>
+      <p:sp>
+        <p:nvSpPr>
+          <p:cNvPr id="228" name="text"/>
+          <p:cNvSpPr txBox="1"/>
+          <p:nvPr/>
+        </p:nvSpPr>
+        <p:spPr>
+          <a:xfrm>
+            <a:off x="4402608" y="2463800"/>
+            <a:ext cx="299282" cy="215900"/>
+          </a:xfrm>
+          <a:prstGeom prst="rect">
+            <a:avLst/>
+          </a:prstGeom>
+          <a:ln w="12700">
+            <a:miter lim="400000"/>
+          </a:ln>
+          <a:extLst>
+            <a:ext uri="{C572A759-6A51-4108-AA02-DFA0A04FC94B}">
+              <ma14:wrappingTextBoxFlag xmlns:ma14="http://schemas.microsoft.com/office/mac/drawingml/2011/main" val="1"/>
+            </a:ext>
+          </a:extLst>
+        </p:spPr>
+        <p:txBody>
+          <a:bodyPr wrap="none" lIns="0" tIns="0" rIns="0" bIns="0">
+            <a:spAutoFit/>
+          </a:bodyPr>
+          <a:lstStyle/>
+          <a:p>
+            <a:pPr/>
+            <a:r>
+              <a:t>text</a:t>
+            </a:r>
+          </a:p>
+        </p:txBody>
+      </p:sp>
+      <p:sp>
+        <p:nvSpPr>
+          <p:cNvPr id="229" name="An array of String objects, words, has been properly declared and initialized. Each element of words contains a String consisting of at least 3 lowercase letters (a–z).…"/>
+          <p:cNvSpPr txBox="1"/>
+          <p:nvPr/>
+        </p:nvSpPr>
+        <p:spPr>
+          <a:xfrm>
+            <a:off x="921537" y="2014253"/>
+            <a:ext cx="7261425" cy="2138959"/>
+          </a:xfrm>
+          <a:prstGeom prst="rect">
+            <a:avLst/>
+          </a:prstGeom>
+          <a:ln w="12700">
+            <a:miter lim="400000"/>
+          </a:ln>
+          <a:extLst>
+            <a:ext uri="{C572A759-6A51-4108-AA02-DFA0A04FC94B}">
+              <ma14:wrappingTextBoxFlag xmlns:ma14="http://schemas.microsoft.com/office/mac/drawingml/2011/main" val="1"/>
+            </a:ext>
+          </a:extLst>
+        </p:spPr>
+        <p:txBody>
+          <a:bodyPr lIns="0" tIns="0" rIns="0" bIns="0">
+            <a:spAutoFit/>
+          </a:bodyPr>
+          <a:lstStyle/>
+          <a:p>
+            <a:pPr defTabSz="457200">
+              <a:spcBef>
+                <a:spcPts val="1400"/>
+              </a:spcBef>
+              <a:defRPr sz="1200">
+                <a:solidFill>
+                  <a:srgbClr val="333333"/>
+                </a:solidFill>
+              </a:defRPr>
+            </a:pPr>
+            <a:r>
+              <a:rPr b="1"/>
+              <a:t> </a:t>
+            </a:r>
+            <a:r>
+              <a:t>An array of </a:t>
+            </a:r>
+            <a:r>
+              <a:rPr>
+                <a:latin typeface="Menlo Regular"/>
+                <a:ea typeface="Menlo Regular"/>
+                <a:cs typeface="Menlo Regular"/>
+                <a:sym typeface="Menlo Regular"/>
+              </a:rPr>
+              <a:t>String</a:t>
+            </a:r>
+            <a:r>
+              <a:t> objects, </a:t>
+            </a:r>
+            <a:r>
+              <a:rPr>
+                <a:latin typeface="Menlo Regular"/>
+                <a:ea typeface="Menlo Regular"/>
+                <a:cs typeface="Menlo Regular"/>
+                <a:sym typeface="Menlo Regular"/>
+              </a:rPr>
+              <a:t>words</a:t>
+            </a:r>
+            <a:r>
+              <a:t>, has been properly declared and initialized. Each element of </a:t>
+            </a:r>
+            <a:r>
+              <a:rPr>
+                <a:latin typeface="Menlo Regular"/>
+                <a:ea typeface="Menlo Regular"/>
+                <a:cs typeface="Menlo Regular"/>
+                <a:sym typeface="Menlo Regular"/>
+              </a:rPr>
+              <a:t>words</a:t>
+            </a:r>
+            <a:r>
+              <a:t> contains a </a:t>
+            </a:r>
+            <a:r>
+              <a:rPr>
+                <a:latin typeface="Menlo Regular"/>
+                <a:ea typeface="Menlo Regular"/>
+                <a:cs typeface="Menlo Regular"/>
+                <a:sym typeface="Menlo Regular"/>
+              </a:rPr>
+              <a:t>String</a:t>
+            </a:r>
+            <a:r>
+              <a:t> consisting of at least 3 lowercase letters (a–z).</a:t>
+            </a:r>
+          </a:p>
+          <a:p>
+            <a:pPr defTabSz="457200">
+              <a:spcBef>
+                <a:spcPts val="1400"/>
+              </a:spcBef>
+              <a:defRPr sz="1200">
+                <a:solidFill>
+                  <a:srgbClr val="333333"/>
+                </a:solidFill>
+              </a:defRPr>
+            </a:pPr>
+            <a:r>
+              <a:t>Write a code segment that uses an enhanced </a:t>
+            </a:r>
+            <a:r>
+              <a:rPr>
+                <a:latin typeface="Menlo Regular"/>
+                <a:ea typeface="Menlo Regular"/>
+                <a:cs typeface="Menlo Regular"/>
+                <a:sym typeface="Menlo Regular"/>
+              </a:rPr>
+              <a:t>for</a:t>
+            </a:r>
+            <a:r>
+              <a:t> loop to print all elements of </a:t>
+            </a:r>
+            <a:r>
+              <a:rPr>
+                <a:latin typeface="Menlo Regular"/>
+                <a:ea typeface="Menlo Regular"/>
+                <a:cs typeface="Menlo Regular"/>
+                <a:sym typeface="Menlo Regular"/>
+              </a:rPr>
+              <a:t>words</a:t>
+            </a:r>
+            <a:r>
+              <a:t> that end with </a:t>
+            </a:r>
+            <a:r>
+              <a:rPr>
+                <a:latin typeface="Menlo Regular"/>
+                <a:ea typeface="Menlo Regular"/>
+                <a:cs typeface="Menlo Regular"/>
+                <a:sym typeface="Menlo Regular"/>
+              </a:rPr>
+              <a:t>"ing"</a:t>
+            </a:r>
+            <a:r>
+              <a:t>. As an example, if </a:t>
+            </a:r>
+            <a:r>
+              <a:rPr>
+                <a:latin typeface="Menlo Regular"/>
+                <a:ea typeface="Menlo Regular"/>
+                <a:cs typeface="Menlo Regular"/>
+                <a:sym typeface="Menlo Regular"/>
+              </a:rPr>
+              <a:t>words</a:t>
+            </a:r>
+            <a:r>
+              <a:t> contains </a:t>
+            </a:r>
+            <a:r>
+              <a:rPr>
+                <a:latin typeface="Menlo Regular"/>
+                <a:ea typeface="Menlo Regular"/>
+                <a:cs typeface="Menlo Regular"/>
+                <a:sym typeface="Menlo Regular"/>
+              </a:rPr>
+              <a:t>{"ten", "fading", "post", "card",</a:t>
+            </a:r>
+            <a:r>
+              <a:t> </a:t>
+            </a:r>
+            <a:r>
+              <a:rPr>
+                <a:latin typeface="Menlo Regular"/>
+                <a:ea typeface="Menlo Regular"/>
+                <a:cs typeface="Menlo Regular"/>
+                <a:sym typeface="Menlo Regular"/>
+              </a:rPr>
+              <a:t>"thunder", "hinge", "trailing", "batting"}</a:t>
+            </a:r>
+            <a:r>
+              <a:t>, then the following output should be produced by the code segment.</a:t>
+            </a:r>
+          </a:p>
+          <a:p>
+            <a:pPr defTabSz="457200">
+              <a:defRPr sz="1200">
+                <a:solidFill>
+                  <a:srgbClr val="333333"/>
+                </a:solidFill>
+                <a:latin typeface="Menlo Regular"/>
+                <a:ea typeface="Menlo Regular"/>
+                <a:cs typeface="Menlo Regular"/>
+                <a:sym typeface="Menlo Regular"/>
+              </a:defRPr>
+            </a:pPr>
+            <a:r>
+              <a:t>fading</a:t>
+            </a:r>
+          </a:p>
+          <a:p>
+            <a:pPr defTabSz="457200">
+              <a:defRPr sz="1200">
+                <a:solidFill>
+                  <a:srgbClr val="333333"/>
+                </a:solidFill>
+                <a:latin typeface="Menlo Regular"/>
+                <a:ea typeface="Menlo Regular"/>
+                <a:cs typeface="Menlo Regular"/>
+                <a:sym typeface="Menlo Regular"/>
+              </a:defRPr>
+            </a:pPr>
+            <a:r>
+              <a:t>trailing</a:t>
+            </a:r>
+          </a:p>
+          <a:p>
+            <a:pPr defTabSz="457200">
+              <a:defRPr sz="1200">
+                <a:solidFill>
+                  <a:srgbClr val="333333"/>
+                </a:solidFill>
+                <a:latin typeface="Menlo Regular"/>
+                <a:ea typeface="Menlo Regular"/>
+                <a:cs typeface="Menlo Regular"/>
+                <a:sym typeface="Menlo Regular"/>
+              </a:defRPr>
+            </a:pPr>
+            <a:r>
+              <a:t>batting</a:t>
+            </a:r>
+          </a:p>
+          <a:p>
+            <a:pPr defTabSz="457200">
+              <a:defRPr sz="1200">
+                <a:solidFill>
+                  <a:srgbClr val="333333"/>
+                </a:solidFill>
+              </a:defRPr>
+            </a:pPr>
+            <a:r>
+              <a:t>Write the code segment as described above. The code segment must use an enhanced </a:t>
+            </a:r>
+            <a:r>
+              <a:rPr>
+                <a:latin typeface="Menlo Regular"/>
+                <a:ea typeface="Menlo Regular"/>
+                <a:cs typeface="Menlo Regular"/>
+                <a:sym typeface="Menlo Regular"/>
+              </a:rPr>
+              <a:t>for</a:t>
+            </a:r>
+            <a:r>
+              <a:t> loop to earn full credit.</a:t>
+            </a:r>
+          </a:p>
+        </p:txBody>
+      </p:sp>
+      <p:sp>
+        <p:nvSpPr>
+          <p:cNvPr id="230" name="When you self-assessed, what did you lose points on?…"/>
+          <p:cNvSpPr txBox="1"/>
+          <p:nvPr/>
+        </p:nvSpPr>
+        <p:spPr>
+          <a:xfrm>
+            <a:off x="2867749" y="1185457"/>
+            <a:ext cx="4528786" cy="431801"/>
+          </a:xfrm>
+          <a:prstGeom prst="rect">
+            <a:avLst/>
+          </a:prstGeom>
+          <a:ln w="12700">
+            <a:miter lim="400000"/>
+          </a:ln>
+          <a:extLst>
+            <a:ext uri="{C572A759-6A51-4108-AA02-DFA0A04FC94B}">
+              <ma14:wrappingTextBoxFlag xmlns:ma14="http://schemas.microsoft.com/office/mac/drawingml/2011/main" val="1"/>
+            </a:ext>
+          </a:extLst>
+        </p:spPr>
+        <p:txBody>
+          <a:bodyPr wrap="none" lIns="0" tIns="0" rIns="0" bIns="0">
+            <a:spAutoFit/>
+          </a:bodyPr>
+          <a:lstStyle/>
+          <a:p>
+            <a:pPr marL="187157" indent="-187157">
+              <a:buSzPct val="100000"/>
+              <a:buAutoNum type="arabicPeriod" startAt="1"/>
+            </a:pPr>
+            <a:r>
+              <a:t>When you self-assessed, what did you lose points on? </a:t>
+            </a:r>
+          </a:p>
+          <a:p>
+            <a:pPr marL="187157" indent="-187157">
+              <a:buSzPct val="100000"/>
+              <a:buAutoNum type="arabicPeriod" startAt="1"/>
+            </a:pPr>
+            <a:r>
+              <a:t>What do you understand better than you did before?</a:t>
+            </a:r>
+          </a:p>
+        </p:txBody>
+      </p:sp>
+      <p:sp>
+        <p:nvSpPr>
+          <p:cNvPr id="231" name="Discussion  questions:"/>
+          <p:cNvSpPr txBox="1"/>
+          <p:nvPr/>
+        </p:nvSpPr>
+        <p:spPr>
+          <a:xfrm>
+            <a:off x="1474927" y="1185457"/>
+            <a:ext cx="921756" cy="431801"/>
+          </a:xfrm>
+          <a:prstGeom prst="rect">
+            <a:avLst/>
+          </a:prstGeom>
+          <a:ln w="12700">
+            <a:miter lim="400000"/>
+          </a:ln>
+          <a:extLst>
+            <a:ext uri="{C572A759-6A51-4108-AA02-DFA0A04FC94B}">
+              <ma14:wrappingTextBoxFlag xmlns:ma14="http://schemas.microsoft.com/office/mac/drawingml/2011/main" val="1"/>
+            </a:ext>
+          </a:extLst>
+        </p:spPr>
+        <p:txBody>
+          <a:bodyPr wrap="none" lIns="0" tIns="0" rIns="0" bIns="0">
+            <a:spAutoFit/>
+          </a:bodyPr>
+          <a:lstStyle/>
+          <a:p>
+            <a:pPr>
+              <a:defRPr>
+                <a:solidFill>
+                  <a:schemeClr val="accent3">
+                    <a:lumOff val="-9098"/>
+                  </a:schemeClr>
+                </a:solidFill>
+              </a:defRPr>
+            </a:pPr>
+            <a:r>
+              <a:t>Discussion </a:t>
+            </a:r>
+            <a:br/>
+            <a:r>
+              <a:t>questions: </a:t>
+            </a:r>
+          </a:p>
+        </p:txBody>
+      </p:sp>
+    </p:spTree>
+  </p:cSld>
+  <p:clrMapOvr>
+    <a:masterClrMapping/>
+  </p:clrMapOvr>
+  <p:transition xmlns:p14="http://schemas.microsoft.com/office/powerpoint/2010/main" spd="med" advClick="1"/>
+</p:sld>
+</file>
+
+<file path=ppt/slides/slide8.xml><?xml version="1.0" encoding="utf-8"?>
+<p:sld xmlns:a="http://schemas.openxmlformats.org/drawingml/2006/main" xmlns:r="http://schemas.openxmlformats.org/officeDocument/2006/relationships" xmlns:p="http://schemas.openxmlformats.org/presentationml/2006/main" xmlns:m="http://schemas.openxmlformats.org/officeDocument/2006/math" xmlns:a14="http://schemas.microsoft.com/office/drawing/2010/main" showMasterSp="1" showMasterPhAnim="1">
+  <p:cSld>
+    <p:spTree>
+      <p:nvGrpSpPr>
+        <p:cNvPr id="1" name=""/>
+        <p:cNvGrpSpPr/>
+        <p:nvPr/>
+      </p:nvGrpSpPr>
+      <p:grpSpPr>
+        <a:xfrm>
+          <a:off x="0" y="0"/>
+          <a:ext cx="0" cy="0"/>
+          <a:chOff x="0" y="0"/>
+          <a:chExt cx="0" cy="0"/>
+        </a:xfrm>
+      </p:grpSpPr>
+      <p:grpSp>
+        <p:nvGrpSpPr>
+          <p:cNvPr id="239" name="Google Shape;118;p19"/>
+          <p:cNvGrpSpPr/>
+          <p:nvPr/>
+        </p:nvGrpSpPr>
+        <p:grpSpPr>
+          <a:xfrm>
+            <a:off x="2119861" y="42840"/>
+            <a:ext cx="5092944" cy="745623"/>
+            <a:chOff x="-1" y="0"/>
+            <a:chExt cx="5092942" cy="745622"/>
+          </a:xfrm>
+        </p:grpSpPr>
+        <p:sp>
+          <p:nvSpPr>
+            <p:cNvPr id="235" name="Rectangle"/>
+            <p:cNvSpPr/>
+            <p:nvPr/>
+          </p:nvSpPr>
+          <p:spPr>
+            <a:xfrm>
+              <a:off x="-2" y="0"/>
+              <a:ext cx="4546963" cy="745623"/>
+            </a:xfrm>
+            <a:prstGeom prst="rect">
+              <a:avLst/>
+            </a:prstGeom>
+            <a:noFill/>
+            <a:ln w="25400" cap="flat">
+              <a:solidFill>
+                <a:schemeClr val="accent1"/>
+              </a:solidFill>
+              <a:prstDash val="solid"/>
+              <a:round/>
+            </a:ln>
+            <a:effectLst/>
+          </p:spPr>
+          <p:txBody>
+            <a:bodyPr wrap="square" lIns="0" tIns="0" rIns="0" bIns="0" numCol="1" anchor="t">
+              <a:noAutofit/>
+            </a:bodyPr>
+            <a:lstStyle/>
+            <a:p>
+              <a:pPr defTabSz="795527">
+                <a:defRPr sz="1200">
+                  <a:solidFill>
+                    <a:schemeClr val="accent5"/>
+                  </a:solidFill>
+                </a:defRPr>
+              </a:pPr>
+            </a:p>
+          </p:txBody>
+        </p:sp>
+        <p:grpSp>
+          <p:nvGrpSpPr>
+            <p:cNvPr id="238" name="Do now…"/>
+            <p:cNvGrpSpPr/>
+            <p:nvPr/>
+          </p:nvGrpSpPr>
+          <p:grpSpPr>
+            <a:xfrm>
+              <a:off x="9457" y="9458"/>
+              <a:ext cx="5083485" cy="726706"/>
+              <a:chOff x="0" y="0"/>
+              <a:chExt cx="5083483" cy="726705"/>
+            </a:xfrm>
+          </p:grpSpPr>
+          <p:sp>
+            <p:nvSpPr>
+              <p:cNvPr id="236" name="Rectangle"/>
+              <p:cNvSpPr/>
+              <p:nvPr/>
+            </p:nvSpPr>
+            <p:spPr>
+              <a:xfrm>
+                <a:off x="-1" y="-1"/>
+                <a:ext cx="5083485" cy="726707"/>
+              </a:xfrm>
+              <a:prstGeom prst="rect">
+                <a:avLst/>
+              </a:prstGeom>
+              <a:solidFill>
+                <a:srgbClr val="FFFFFF"/>
+              </a:solidFill>
+              <a:ln w="25400" cap="flat">
+                <a:solidFill>
+                  <a:schemeClr val="accent1"/>
+                </a:solidFill>
+                <a:prstDash val="solid"/>
+                <a:round/>
+              </a:ln>
+              <a:effectLst/>
+            </p:spPr>
+            <p:txBody>
+              <a:bodyPr wrap="square" lIns="0" tIns="0" rIns="0" bIns="0" numCol="1" anchor="t">
+                <a:noAutofit/>
+              </a:bodyPr>
+              <a:lstStyle/>
+              <a:p>
+                <a:pPr defTabSz="507148">
+                  <a:defRPr sz="1300">
+                    <a:solidFill>
+                      <a:schemeClr val="accent5"/>
+                    </a:solidFill>
+                  </a:defRPr>
+                </a:pPr>
+              </a:p>
+            </p:txBody>
+          </p:sp>
+          <p:sp>
+            <p:nvSpPr>
+              <p:cNvPr id="237" name="Practice problem #2a"/>
+              <p:cNvSpPr txBox="1"/>
+              <p:nvPr/>
+            </p:nvSpPr>
+            <p:spPr>
+              <a:xfrm>
+                <a:off x="12699" y="12699"/>
+                <a:ext cx="5058085" cy="701307"/>
+              </a:xfrm>
+              <a:prstGeom prst="rect">
+                <a:avLst/>
+              </a:prstGeom>
+              <a:noFill/>
+              <a:ln w="12700" cap="flat">
+                <a:noFill/>
+                <a:miter lim="400000"/>
+              </a:ln>
+              <a:effectLst/>
+              <a:extLst>
+                <a:ext uri="{C572A759-6A51-4108-AA02-DFA0A04FC94B}">
+                  <ma14:wrappingTextBoxFlag xmlns:ma14="http://schemas.microsoft.com/office/mac/drawingml/2011/main" val="1"/>
+                </a:ext>
+              </a:extLst>
+            </p:spPr>
+            <p:txBody>
+              <a:bodyPr wrap="square" lIns="91421" tIns="91421" rIns="91421" bIns="91421" numCol="1" anchor="t">
+                <a:normAutofit fontScale="100000" lnSpcReduction="0"/>
+              </a:bodyPr>
+              <a:lstStyle>
+                <a:lvl1pPr defTabSz="431075">
+                  <a:defRPr sz="1700">
+                    <a:latin typeface="+mn-lt"/>
+                    <a:ea typeface="+mn-ea"/>
+                    <a:cs typeface="+mn-cs"/>
+                    <a:sym typeface="Arial"/>
+                  </a:defRPr>
+                </a:lvl1pPr>
+              </a:lstStyle>
+              <a:p>
+                <a:pPr/>
+                <a:r>
+                  <a:t>Practice problem #2a </a:t>
+                </a:r>
+              </a:p>
+            </p:txBody>
+          </p:sp>
+        </p:grpSp>
+      </p:grpSp>
+      <p:sp>
+        <p:nvSpPr>
+          <p:cNvPr id="240" name="text"/>
+          <p:cNvSpPr txBox="1"/>
+          <p:nvPr/>
+        </p:nvSpPr>
+        <p:spPr>
+          <a:xfrm>
+            <a:off x="4402608" y="2463800"/>
+            <a:ext cx="299282" cy="215900"/>
+          </a:xfrm>
+          <a:prstGeom prst="rect">
+            <a:avLst/>
+          </a:prstGeom>
+          <a:ln w="12700">
+            <a:miter lim="400000"/>
+          </a:ln>
+          <a:extLst>
+            <a:ext uri="{C572A759-6A51-4108-AA02-DFA0A04FC94B}">
+              <ma14:wrappingTextBoxFlag xmlns:ma14="http://schemas.microsoft.com/office/mac/drawingml/2011/main" val="1"/>
+            </a:ext>
+          </a:extLst>
+        </p:spPr>
+        <p:txBody>
+          <a:bodyPr wrap="none" lIns="0" tIns="0" rIns="0" bIns="0">
+            <a:spAutoFit/>
+          </a:bodyPr>
+          <a:lstStyle/>
+          <a:p>
+            <a:pPr/>
+            <a:r>
+              <a:t>text</a:t>
+            </a:r>
+          </a:p>
+        </p:txBody>
+      </p:sp>
+      <p:sp>
+        <p:nvSpPr>
+          <p:cNvPr id="241" name="(a)   Write the countNotInVocab method. Assume that there are no duplicates in wordArray. You must use findWord appropriately to receive full credit.…"/>
+          <p:cNvSpPr txBox="1"/>
+          <p:nvPr/>
+        </p:nvSpPr>
+        <p:spPr>
+          <a:xfrm>
+            <a:off x="438943" y="2297732"/>
+            <a:ext cx="8266114" cy="1245494"/>
+          </a:xfrm>
+          <a:prstGeom prst="rect">
+            <a:avLst/>
+          </a:prstGeom>
+          <a:ln w="12700">
+            <a:miter lim="400000"/>
+          </a:ln>
+          <a:extLst>
+            <a:ext uri="{C572A759-6A51-4108-AA02-DFA0A04FC94B}">
+              <ma14:wrappingTextBoxFlag xmlns:ma14="http://schemas.microsoft.com/office/mac/drawingml/2011/main" val="1"/>
+            </a:ext>
+          </a:extLst>
+        </p:spPr>
+        <p:txBody>
+          <a:bodyPr wrap="none" lIns="0" tIns="0" rIns="0" bIns="0">
+            <a:spAutoFit/>
+          </a:bodyPr>
+          <a:lstStyle/>
+          <a:p>
+            <a:pPr defTabSz="457200">
+              <a:spcBef>
+                <a:spcPts val="1400"/>
+              </a:spcBef>
+              <a:defRPr sz="1200">
+                <a:solidFill>
+                  <a:srgbClr val="333333"/>
+                </a:solidFill>
+              </a:defRPr>
+            </a:pPr>
+            <a:r>
+              <a:t>(a)   Write the </a:t>
+            </a:r>
+            <a:r>
+              <a:rPr>
+                <a:latin typeface="Menlo Regular"/>
+                <a:ea typeface="Menlo Regular"/>
+                <a:cs typeface="Menlo Regular"/>
+                <a:sym typeface="Menlo Regular"/>
+              </a:rPr>
+              <a:t>countNotInVocab</a:t>
+            </a:r>
+            <a:r>
+              <a:t> method. Assume that there are no duplicates in </a:t>
+            </a:r>
+            <a:r>
+              <a:rPr>
+                <a:latin typeface="Menlo Regular"/>
+                <a:ea typeface="Menlo Regular"/>
+                <a:cs typeface="Menlo Regular"/>
+                <a:sym typeface="Menlo Regular"/>
+              </a:rPr>
+              <a:t>wordArray</a:t>
+            </a:r>
+            <a:r>
+              <a:t>. You must use </a:t>
+            </a:r>
+            <a:r>
+              <a:rPr>
+                <a:latin typeface="Menlo Regular"/>
+                <a:ea typeface="Menlo Regular"/>
+                <a:cs typeface="Menlo Regular"/>
+                <a:sym typeface="Menlo Regular"/>
+              </a:rPr>
+              <a:t>findWord</a:t>
+            </a:r>
+            <a:r>
+              <a:t> appropriately to receive full credit.</a:t>
+            </a:r>
+          </a:p>
+          <a:p>
+            <a:pPr defTabSz="457200">
+              <a:defRPr sz="1200">
+                <a:solidFill>
+                  <a:srgbClr val="333333"/>
+                </a:solidFill>
+                <a:latin typeface="Menlo Regular"/>
+                <a:ea typeface="Menlo Regular"/>
+                <a:cs typeface="Menlo Regular"/>
+                <a:sym typeface="Menlo Regular"/>
+              </a:defRPr>
+            </a:pPr>
+            <a:r>
+              <a:t>/** Counts how many strings in wordArray are not found in theVocab, as described in</a:t>
+            </a:r>
+          </a:p>
+          <a:p>
+            <a:pPr defTabSz="457200">
+              <a:defRPr sz="1200">
+                <a:solidFill>
+                  <a:srgbClr val="333333"/>
+                </a:solidFill>
+                <a:latin typeface="Menlo Regular"/>
+                <a:ea typeface="Menlo Regular"/>
+                <a:cs typeface="Menlo Regular"/>
+                <a:sym typeface="Menlo Regular"/>
+              </a:defRPr>
+            </a:pPr>
+            <a:r>
+              <a:t>* part (a).</a:t>
+            </a:r>
+          </a:p>
+          <a:p>
+            <a:pPr defTabSz="457200">
+              <a:defRPr sz="1200">
+                <a:solidFill>
+                  <a:srgbClr val="333333"/>
+                </a:solidFill>
+                <a:latin typeface="Menlo Regular"/>
+                <a:ea typeface="Menlo Regular"/>
+                <a:cs typeface="Menlo Regular"/>
+                <a:sym typeface="Menlo Regular"/>
+              </a:defRPr>
+            </a:pPr>
+            <a:r>
+              <a:t>*/</a:t>
+            </a:r>
+          </a:p>
+          <a:p>
+            <a:pPr defTabSz="457200">
+              <a:defRPr sz="1200">
+                <a:solidFill>
+                  <a:srgbClr val="333333"/>
+                </a:solidFill>
+                <a:latin typeface="Menlo Regular"/>
+                <a:ea typeface="Menlo Regular"/>
+                <a:cs typeface="Menlo Regular"/>
+                <a:sym typeface="Menlo Regular"/>
+              </a:defRPr>
+            </a:pPr>
+            <a:r>
+              <a:t>public int countNotInVocab(String[] wordArray)</a:t>
+            </a:r>
+          </a:p>
+        </p:txBody>
+      </p:sp>
+      <p:sp>
+        <p:nvSpPr>
+          <p:cNvPr id="242" name="When you self-assessed, what did you lose points on?…"/>
+          <p:cNvSpPr txBox="1"/>
+          <p:nvPr/>
+        </p:nvSpPr>
+        <p:spPr>
+          <a:xfrm>
+            <a:off x="2775617" y="1233350"/>
+            <a:ext cx="4528786" cy="431801"/>
+          </a:xfrm>
+          <a:prstGeom prst="rect">
+            <a:avLst/>
+          </a:prstGeom>
+          <a:ln w="12700">
+            <a:miter lim="400000"/>
+          </a:ln>
+          <a:extLst>
+            <a:ext uri="{C572A759-6A51-4108-AA02-DFA0A04FC94B}">
+              <ma14:wrappingTextBoxFlag xmlns:ma14="http://schemas.microsoft.com/office/mac/drawingml/2011/main" val="1"/>
+            </a:ext>
+          </a:extLst>
+        </p:spPr>
+        <p:txBody>
+          <a:bodyPr wrap="none" lIns="0" tIns="0" rIns="0" bIns="0">
+            <a:spAutoFit/>
+          </a:bodyPr>
+          <a:lstStyle/>
+          <a:p>
+            <a:pPr marL="187157" indent="-187157">
+              <a:buSzPct val="100000"/>
+              <a:buAutoNum type="arabicPeriod" startAt="1"/>
+            </a:pPr>
+            <a:r>
+              <a:t>When you self-assessed, what did you lose points on? </a:t>
+            </a:r>
+          </a:p>
+          <a:p>
+            <a:pPr marL="187157" indent="-187157">
+              <a:buSzPct val="100000"/>
+              <a:buAutoNum type="arabicPeriod" startAt="1"/>
+            </a:pPr>
+            <a:r>
+              <a:t>What do you understand better than you did before?</a:t>
+            </a:r>
+          </a:p>
+        </p:txBody>
+      </p:sp>
+      <p:sp>
+        <p:nvSpPr>
+          <p:cNvPr id="243" name="Discussion  questions:"/>
+          <p:cNvSpPr txBox="1"/>
+          <p:nvPr/>
+        </p:nvSpPr>
+        <p:spPr>
+          <a:xfrm>
+            <a:off x="1371394" y="1233350"/>
+            <a:ext cx="921755" cy="431801"/>
+          </a:xfrm>
+          <a:prstGeom prst="rect">
+            <a:avLst/>
+          </a:prstGeom>
+          <a:ln w="12700">
+            <a:miter lim="400000"/>
+          </a:ln>
+          <a:extLst>
+            <a:ext uri="{C572A759-6A51-4108-AA02-DFA0A04FC94B}">
+              <ma14:wrappingTextBoxFlag xmlns:ma14="http://schemas.microsoft.com/office/mac/drawingml/2011/main" val="1"/>
+            </a:ext>
+          </a:extLst>
+        </p:spPr>
+        <p:txBody>
+          <a:bodyPr wrap="none" lIns="0" tIns="0" rIns="0" bIns="0">
+            <a:spAutoFit/>
+          </a:bodyPr>
+          <a:lstStyle/>
+          <a:p>
+            <a:pPr>
+              <a:defRPr>
+                <a:solidFill>
+                  <a:schemeClr val="accent3">
+                    <a:lumOff val="-9098"/>
+                  </a:schemeClr>
+                </a:solidFill>
+              </a:defRPr>
+            </a:pPr>
+            <a:r>
+              <a:t>Discussion </a:t>
+            </a:r>
+            <a:br/>
+            <a:r>
+              <a:t>questions: </a:t>
+            </a:r>
+          </a:p>
+        </p:txBody>
+      </p:sp>
+      <p:sp>
+        <p:nvSpPr>
+          <p:cNvPr id="244" name="be sure to: Share out on the discussion questions below!"/>
+          <p:cNvSpPr txBox="1"/>
+          <p:nvPr/>
+        </p:nvSpPr>
+        <p:spPr>
+          <a:xfrm>
+            <a:off x="2238485" y="519249"/>
+            <a:ext cx="4151971" cy="203201"/>
+          </a:xfrm>
+          <a:prstGeom prst="rect">
+            <a:avLst/>
+          </a:prstGeom>
+          <a:ln w="12700">
+            <a:miter lim="400000"/>
+          </a:ln>
+          <a:extLst>
+            <a:ext uri="{C572A759-6A51-4108-AA02-DFA0A04FC94B}">
+              <ma14:wrappingTextBoxFlag xmlns:ma14="http://schemas.microsoft.com/office/mac/drawingml/2011/main" val="1"/>
+            </a:ext>
+          </a:extLst>
+        </p:spPr>
+        <p:txBody>
+          <a:bodyPr wrap="none" lIns="0" tIns="0" rIns="0" bIns="0">
+            <a:spAutoFit/>
+          </a:bodyPr>
+          <a:lstStyle/>
+          <a:p>
+            <a:pPr defTabSz="507148">
+              <a:defRPr sz="1300">
+                <a:solidFill>
+                  <a:schemeClr val="accent5"/>
+                </a:solidFill>
+              </a:defRPr>
+            </a:pPr>
+            <a:r>
+              <a:t>be sure to:</a:t>
+            </a:r>
+            <a:r>
+              <a:rPr>
+                <a:solidFill>
+                  <a:schemeClr val="accent5">
+                    <a:lumOff val="-9843"/>
+                  </a:schemeClr>
+                </a:solidFill>
+              </a:rPr>
+              <a:t> </a:t>
+            </a:r>
+            <a:r>
+              <a:rPr>
+                <a:solidFill>
+                  <a:schemeClr val="accent1"/>
+                </a:solidFill>
+              </a:rPr>
+              <a:t>Share out on the discussion questions below!</a:t>
+            </a:r>
+          </a:p>
+        </p:txBody>
+      </p:sp>
+    </p:spTree>
+  </p:cSld>
+  <p:clrMapOvr>
+    <a:masterClrMapping/>
+  </p:clrMapOvr>
+  <p:transition xmlns:p14="http://schemas.microsoft.com/office/powerpoint/2010/main" spd="med" advClick="1"/>
+</p:sld>
+</file>
+
+<file path=ppt/slides/slide9.xml><?xml version="1.0" encoding="utf-8"?>
+<p:sld xmlns:a="http://schemas.openxmlformats.org/drawingml/2006/main" xmlns:r="http://schemas.openxmlformats.org/officeDocument/2006/relationships" xmlns:p="http://schemas.openxmlformats.org/presentationml/2006/main" xmlns:m="http://schemas.openxmlformats.org/officeDocument/2006/math" xmlns:a14="http://schemas.microsoft.com/office/drawing/2010/main" showMasterSp="1" showMasterPhAnim="1">
+  <p:cSld>
+    <p:spTree>
+      <p:nvGrpSpPr>
+        <p:cNvPr id="1" name=""/>
+        <p:cNvGrpSpPr/>
+        <p:nvPr/>
+      </p:nvGrpSpPr>
+      <p:grpSpPr>
+        <a:xfrm>
+          <a:off x="0" y="0"/>
+          <a:ext cx="0" cy="0"/>
+          <a:chOff x="0" y="0"/>
+          <a:chExt cx="0" cy="0"/>
+        </a:xfrm>
+      </p:grpSpPr>
+      <p:grpSp>
+        <p:nvGrpSpPr>
+          <p:cNvPr id="252" name="Google Shape;118;p19"/>
+          <p:cNvGrpSpPr/>
+          <p:nvPr/>
+        </p:nvGrpSpPr>
+        <p:grpSpPr>
+          <a:xfrm>
+            <a:off x="2119861" y="42840"/>
+            <a:ext cx="5092944" cy="745623"/>
+            <a:chOff x="-1" y="0"/>
+            <a:chExt cx="5092942" cy="745622"/>
+          </a:xfrm>
+        </p:grpSpPr>
+        <p:sp>
+          <p:nvSpPr>
+            <p:cNvPr id="248" name="Rectangle"/>
+            <p:cNvSpPr/>
+            <p:nvPr/>
+          </p:nvSpPr>
+          <p:spPr>
+            <a:xfrm>
+              <a:off x="-2" y="0"/>
+              <a:ext cx="4546963" cy="745623"/>
+            </a:xfrm>
+            <a:prstGeom prst="rect">
+              <a:avLst/>
+            </a:prstGeom>
+            <a:noFill/>
+            <a:ln w="25400" cap="flat">
+              <a:solidFill>
+                <a:schemeClr val="accent1"/>
+              </a:solidFill>
+              <a:prstDash val="solid"/>
+              <a:round/>
+            </a:ln>
+            <a:effectLst/>
+          </p:spPr>
+          <p:txBody>
+            <a:bodyPr wrap="square" lIns="0" tIns="0" rIns="0" bIns="0" numCol="1" anchor="t">
+              <a:noAutofit/>
+            </a:bodyPr>
+            <a:lstStyle/>
+            <a:p>
+              <a:pPr defTabSz="795527">
+                <a:defRPr sz="1200">
+                  <a:solidFill>
+                    <a:schemeClr val="accent5"/>
+                  </a:solidFill>
+                </a:defRPr>
+              </a:pPr>
+            </a:p>
+          </p:txBody>
+        </p:sp>
+        <p:grpSp>
+          <p:nvGrpSpPr>
+            <p:cNvPr id="251" name="Do now…"/>
+            <p:cNvGrpSpPr/>
+            <p:nvPr/>
+          </p:nvGrpSpPr>
+          <p:grpSpPr>
+            <a:xfrm>
+              <a:off x="9457" y="9458"/>
+              <a:ext cx="5083485" cy="726706"/>
+              <a:chOff x="0" y="0"/>
+              <a:chExt cx="5083483" cy="726705"/>
+            </a:xfrm>
+          </p:grpSpPr>
+          <p:sp>
+            <p:nvSpPr>
+              <p:cNvPr id="249" name="Rectangle"/>
+              <p:cNvSpPr/>
+              <p:nvPr/>
+            </p:nvSpPr>
+            <p:spPr>
+              <a:xfrm>
+                <a:off x="-1" y="-1"/>
+                <a:ext cx="5083485" cy="726707"/>
+              </a:xfrm>
+              <a:prstGeom prst="rect">
+                <a:avLst/>
+              </a:prstGeom>
+              <a:solidFill>
+                <a:srgbClr val="FFFFFF"/>
+              </a:solidFill>
+              <a:ln w="25400" cap="flat">
+                <a:solidFill>
+                  <a:schemeClr val="accent1"/>
+                </a:solidFill>
+                <a:prstDash val="solid"/>
+                <a:round/>
+              </a:ln>
+              <a:effectLst/>
+            </p:spPr>
+            <p:txBody>
+              <a:bodyPr wrap="square" lIns="0" tIns="0" rIns="0" bIns="0" numCol="1" anchor="t">
+                <a:noAutofit/>
+              </a:bodyPr>
+              <a:lstStyle/>
+              <a:p>
+                <a:pPr defTabSz="507148">
+                  <a:defRPr sz="1300">
+                    <a:solidFill>
+                      <a:schemeClr val="accent5"/>
+                    </a:solidFill>
+                  </a:defRPr>
+                </a:pPr>
+              </a:p>
+            </p:txBody>
+          </p:sp>
+          <p:sp>
+            <p:nvSpPr>
+              <p:cNvPr id="250" name="Practice problem #2b"/>
+              <p:cNvSpPr txBox="1"/>
+              <p:nvPr/>
+            </p:nvSpPr>
+            <p:spPr>
+              <a:xfrm>
+                <a:off x="12699" y="12699"/>
+                <a:ext cx="5058085" cy="701307"/>
+              </a:xfrm>
+              <a:prstGeom prst="rect">
+                <a:avLst/>
+              </a:prstGeom>
+              <a:noFill/>
+              <a:ln w="12700" cap="flat">
+                <a:noFill/>
+                <a:miter lim="400000"/>
+              </a:ln>
+              <a:effectLst/>
+              <a:extLst>
+                <a:ext uri="{C572A759-6A51-4108-AA02-DFA0A04FC94B}">
+                  <ma14:wrappingTextBoxFlag xmlns:ma14="http://schemas.microsoft.com/office/mac/drawingml/2011/main" val="1"/>
+                </a:ext>
+              </a:extLst>
+            </p:spPr>
+            <p:txBody>
+              <a:bodyPr wrap="square" lIns="91421" tIns="91421" rIns="91421" bIns="91421" numCol="1" anchor="t">
+                <a:normAutofit fontScale="100000" lnSpcReduction="0"/>
+              </a:bodyPr>
+              <a:lstStyle>
+                <a:lvl1pPr defTabSz="431075">
+                  <a:defRPr sz="1700">
+                    <a:latin typeface="+mn-lt"/>
+                    <a:ea typeface="+mn-ea"/>
+                    <a:cs typeface="+mn-cs"/>
+                    <a:sym typeface="Arial"/>
+                  </a:defRPr>
+                </a:lvl1pPr>
+              </a:lstStyle>
+              <a:p>
+                <a:pPr/>
+                <a:r>
+                  <a:t>Practice problem #2b </a:t>
+                </a:r>
+              </a:p>
+            </p:txBody>
+          </p:sp>
+        </p:grpSp>
+      </p:grpSp>
+      <p:sp>
+        <p:nvSpPr>
+          <p:cNvPr id="253" name="text"/>
+          <p:cNvSpPr txBox="1"/>
+          <p:nvPr/>
+        </p:nvSpPr>
+        <p:spPr>
+          <a:xfrm>
+            <a:off x="4402608" y="2463800"/>
+            <a:ext cx="299282" cy="215900"/>
+          </a:xfrm>
+          <a:prstGeom prst="rect">
+            <a:avLst/>
+          </a:prstGeom>
+          <a:ln w="12700">
+            <a:miter lim="400000"/>
+          </a:ln>
+          <a:extLst>
+            <a:ext uri="{C572A759-6A51-4108-AA02-DFA0A04FC94B}">
+              <ma14:wrappingTextBoxFlag xmlns:ma14="http://schemas.microsoft.com/office/mac/drawingml/2011/main" val="1"/>
+            </a:ext>
+          </a:extLst>
+        </p:spPr>
+        <p:txBody>
+          <a:bodyPr wrap="none" lIns="0" tIns="0" rIns="0" bIns="0">
+            <a:spAutoFit/>
+          </a:bodyPr>
+          <a:lstStyle/>
+          <a:p>
+            <a:pPr/>
+            <a:r>
+              <a:t>text</a:t>
+            </a:r>
+          </a:p>
+        </p:txBody>
+      </p:sp>
+      <p:sp>
+        <p:nvSpPr>
+          <p:cNvPr id="254" name="Write the notInVocab method (see handout). Assume that there are no duplicates in wordArray. You must call findWord and countNotInVocab appropriately in order to receive full credit.…"/>
+          <p:cNvSpPr txBox="1"/>
+          <p:nvPr/>
+        </p:nvSpPr>
+        <p:spPr>
+          <a:xfrm>
+            <a:off x="289869" y="1996792"/>
+            <a:ext cx="8291724" cy="1424485"/>
+          </a:xfrm>
+          <a:prstGeom prst="rect">
+            <a:avLst/>
+          </a:prstGeom>
+          <a:ln w="12700">
+            <a:miter lim="400000"/>
+          </a:ln>
+          <a:extLst>
+            <a:ext uri="{C572A759-6A51-4108-AA02-DFA0A04FC94B}">
+              <ma14:wrappingTextBoxFlag xmlns:ma14="http://schemas.microsoft.com/office/mac/drawingml/2011/main" val="1"/>
+            </a:ext>
+          </a:extLst>
+        </p:spPr>
+        <p:txBody>
+          <a:bodyPr lIns="0" tIns="0" rIns="0" bIns="0">
+            <a:spAutoFit/>
+          </a:bodyPr>
+          <a:lstStyle/>
+          <a:p>
+            <a:pPr defTabSz="457200">
+              <a:spcBef>
+                <a:spcPts val="1400"/>
+              </a:spcBef>
+              <a:defRPr>
+                <a:solidFill>
+                  <a:srgbClr val="333333"/>
+                </a:solidFill>
+              </a:defRPr>
+            </a:pPr>
+            <a:r>
+              <a:t> Write the </a:t>
+            </a:r>
+            <a:r>
+              <a:rPr>
+                <a:latin typeface="Menlo Regular"/>
+                <a:ea typeface="Menlo Regular"/>
+                <a:cs typeface="Menlo Regular"/>
+                <a:sym typeface="Menlo Regular"/>
+              </a:rPr>
+              <a:t>notInVocab</a:t>
+            </a:r>
+            <a:r>
+              <a:t> method (</a:t>
+            </a:r>
+            <a:r>
+              <a:rPr b="1"/>
+              <a:t>see handout</a:t>
+            </a:r>
+            <a:r>
+              <a:t>). Assume that there are no duplicates in </a:t>
+            </a:r>
+            <a:r>
+              <a:rPr>
+                <a:latin typeface="Menlo Regular"/>
+                <a:ea typeface="Menlo Regular"/>
+                <a:cs typeface="Menlo Regular"/>
+                <a:sym typeface="Menlo Regular"/>
+              </a:rPr>
+              <a:t>wordArray</a:t>
+            </a:r>
+            <a:r>
+              <a:t>. You must call </a:t>
+            </a:r>
+            <a:r>
+              <a:rPr>
+                <a:latin typeface="Menlo Regular"/>
+                <a:ea typeface="Menlo Regular"/>
+                <a:cs typeface="Menlo Regular"/>
+                <a:sym typeface="Menlo Regular"/>
+              </a:rPr>
+              <a:t>findWord</a:t>
+            </a:r>
+            <a:r>
+              <a:t> and </a:t>
+            </a:r>
+            <a:r>
+              <a:rPr>
+                <a:latin typeface="Menlo Regular"/>
+                <a:ea typeface="Menlo Regular"/>
+                <a:cs typeface="Menlo Regular"/>
+                <a:sym typeface="Menlo Regular"/>
+              </a:rPr>
+              <a:t>countNotInVocab</a:t>
+            </a:r>
+            <a:r>
+              <a:t> appropriately in order to receive full credit.</a:t>
+            </a:r>
+          </a:p>
+          <a:p>
+            <a:pPr defTabSz="457200">
+              <a:defRPr>
+                <a:solidFill>
+                  <a:srgbClr val="333333"/>
+                </a:solidFill>
+                <a:latin typeface="Menlo Regular"/>
+                <a:ea typeface="Menlo Regular"/>
+                <a:cs typeface="Menlo Regular"/>
+                <a:sym typeface="Menlo Regular"/>
+              </a:defRPr>
+            </a:pPr>
+            <a:r>
+              <a:t>/** Returns an array containing strings from wordArray not found in theVocab,</a:t>
+            </a:r>
+          </a:p>
+          <a:p>
+            <a:pPr defTabSz="457200">
+              <a:defRPr>
+                <a:solidFill>
+                  <a:srgbClr val="333333"/>
+                </a:solidFill>
+                <a:latin typeface="Menlo Regular"/>
+                <a:ea typeface="Menlo Regular"/>
+                <a:cs typeface="Menlo Regular"/>
+                <a:sym typeface="Menlo Regular"/>
+              </a:defRPr>
+            </a:pPr>
+            <a:r>
+              <a:t>* as described in part (b).</a:t>
+            </a:r>
+          </a:p>
+          <a:p>
+            <a:pPr defTabSz="457200">
+              <a:defRPr>
+                <a:solidFill>
+                  <a:srgbClr val="333333"/>
+                </a:solidFill>
+                <a:latin typeface="Menlo Regular"/>
+                <a:ea typeface="Menlo Regular"/>
+                <a:cs typeface="Menlo Regular"/>
+                <a:sym typeface="Menlo Regular"/>
+              </a:defRPr>
+            </a:pPr>
+            <a:r>
+              <a:t>*/</a:t>
+            </a:r>
+          </a:p>
+          <a:p>
+            <a:pPr defTabSz="457200">
+              <a:defRPr>
+                <a:solidFill>
+                  <a:srgbClr val="333333"/>
+                </a:solidFill>
+                <a:latin typeface="Menlo Regular"/>
+                <a:ea typeface="Menlo Regular"/>
+                <a:cs typeface="Menlo Regular"/>
+                <a:sym typeface="Menlo Regular"/>
+              </a:defRPr>
+            </a:pPr>
+            <a:r>
+              <a:t>public String[] notInVocab(String[] wordArray)</a:t>
+            </a:r>
+          </a:p>
+        </p:txBody>
+      </p:sp>
+      <p:sp>
+        <p:nvSpPr>
+          <p:cNvPr id="255" name="When you self-assessed, what did you lose points on?…"/>
+          <p:cNvSpPr txBox="1"/>
+          <p:nvPr/>
+        </p:nvSpPr>
+        <p:spPr>
+          <a:xfrm>
+            <a:off x="2867749" y="1176727"/>
+            <a:ext cx="4528785" cy="431801"/>
+          </a:xfrm>
+          <a:prstGeom prst="rect">
+            <a:avLst/>
+          </a:prstGeom>
+          <a:ln w="12700">
+            <a:miter lim="400000"/>
+          </a:ln>
+          <a:extLst>
+            <a:ext uri="{C572A759-6A51-4108-AA02-DFA0A04FC94B}">
+              <ma14:wrappingTextBoxFlag xmlns:ma14="http://schemas.microsoft.com/office/mac/drawingml/2011/main" val="1"/>
+            </a:ext>
+          </a:extLst>
+        </p:spPr>
+        <p:txBody>
+          <a:bodyPr wrap="none" lIns="0" tIns="0" rIns="0" bIns="0">
+            <a:spAutoFit/>
+          </a:bodyPr>
+          <a:lstStyle/>
+          <a:p>
+            <a:pPr marL="187157" indent="-187157">
+              <a:buSzPct val="100000"/>
+              <a:buAutoNum type="arabicPeriod" startAt="1"/>
+            </a:pPr>
+            <a:r>
+              <a:t>When you self-assessed, what did you lose points on? </a:t>
+            </a:r>
+          </a:p>
+          <a:p>
+            <a:pPr marL="187157" indent="-187157">
+              <a:buSzPct val="100000"/>
+              <a:buAutoNum type="arabicPeriod" startAt="1"/>
+            </a:pPr>
+            <a:r>
+              <a:t>What do you understand better than you did before?</a:t>
+            </a:r>
+          </a:p>
+        </p:txBody>
+      </p:sp>
+      <p:sp>
+        <p:nvSpPr>
+          <p:cNvPr id="256" name="Discussion  questions:"/>
+          <p:cNvSpPr txBox="1"/>
+          <p:nvPr/>
+        </p:nvSpPr>
+        <p:spPr>
+          <a:xfrm>
+            <a:off x="1474927" y="1176727"/>
+            <a:ext cx="921756" cy="431801"/>
+          </a:xfrm>
+          <a:prstGeom prst="rect">
+            <a:avLst/>
+          </a:prstGeom>
+          <a:ln w="12700">
+            <a:miter lim="400000"/>
+          </a:ln>
+          <a:extLst>
+            <a:ext uri="{C572A759-6A51-4108-AA02-DFA0A04FC94B}">
+              <ma14:wrappingTextBoxFlag xmlns:ma14="http://schemas.microsoft.com/office/mac/drawingml/2011/main" val="1"/>
+            </a:ext>
+          </a:extLst>
+        </p:spPr>
+        <p:txBody>
+          <a:bodyPr wrap="none" lIns="0" tIns="0" rIns="0" bIns="0">
+            <a:spAutoFit/>
+          </a:bodyPr>
+          <a:lstStyle/>
+          <a:p>
+            <a:pPr>
+              <a:defRPr>
+                <a:solidFill>
+                  <a:schemeClr val="accent3">
+                    <a:lumOff val="-9098"/>
+                  </a:schemeClr>
+                </a:solidFill>
+              </a:defRPr>
+            </a:pPr>
+            <a:r>
+              <a:t>Discussion </a:t>
+            </a:r>
+            <a:br/>
+            <a:r>
+              <a:t>questions: </a:t>
+            </a:r>
+          </a:p>
+        </p:txBody>
+      </p:sp>
+      <p:sp>
+        <p:nvSpPr>
+          <p:cNvPr id="257" name="be sure to: Share out on the discussion questions below!"/>
+          <p:cNvSpPr txBox="1"/>
+          <p:nvPr/>
+        </p:nvSpPr>
+        <p:spPr>
+          <a:xfrm>
+            <a:off x="2199576" y="484394"/>
+            <a:ext cx="4151971" cy="203201"/>
+          </a:xfrm>
+          <a:prstGeom prst="rect">
+            <a:avLst/>
+          </a:prstGeom>
+          <a:ln w="12700">
+            <a:miter lim="400000"/>
+          </a:ln>
+          <a:extLst>
+            <a:ext uri="{C572A759-6A51-4108-AA02-DFA0A04FC94B}">
+              <ma14:wrappingTextBoxFlag xmlns:ma14="http://schemas.microsoft.com/office/mac/drawingml/2011/main" val="1"/>
+            </a:ext>
+          </a:extLst>
+        </p:spPr>
+        <p:txBody>
+          <a:bodyPr wrap="none" lIns="0" tIns="0" rIns="0" bIns="0">
+            <a:spAutoFit/>
+          </a:bodyPr>
+          <a:lstStyle/>
+          <a:p>
+            <a:pPr defTabSz="507148">
+              <a:defRPr sz="1300">
+                <a:solidFill>
+                  <a:schemeClr val="accent5"/>
+                </a:solidFill>
+              </a:defRPr>
+            </a:pPr>
+            <a:r>
+              <a:t>be sure to:</a:t>
+            </a:r>
+            <a:r>
+              <a:rPr>
+                <a:solidFill>
+                  <a:schemeClr val="accent5">
+                    <a:lumOff val="-9843"/>
+                  </a:schemeClr>
+                </a:solidFill>
+              </a:rPr>
+              <a:t> </a:t>
+            </a:r>
+            <a:r>
+              <a:rPr>
+                <a:solidFill>
+                  <a:schemeClr val="accent1"/>
+                </a:solidFill>
+              </a:rPr>
+              <a:t>Share out on the discussion questions below!</a:t>
+            </a:r>
+          </a:p>
+        </p:txBody>
+      </p:sp>
+    </p:spTree>
+  </p:cSld>
+  <p:clrMapOvr>
+    <a:masterClrMapping/>
+  </p:clrMapOvr>
+  <p:transition xmlns:p14="http://schemas.microsoft.com/office/powerpoint/2010/main" spd="med" advClick="1"/>
 </p:sld>
 </file>
 
